--- a/Architecture/Software architecture.pptx
+++ b/Architecture/Software architecture.pptx
@@ -3361,8 +3361,158 @@
         </p:nvSpPr>
         <p:spPr>
           <a:xfrm>
-            <a:off x="3256548" y="56147"/>
+            <a:off x="3250531" y="16042"/>
             <a:ext cx="1283368" cy="1074821"/>
+          </a:xfrm>
+          <a:prstGeom prst="rect">
+            <a:avLst/>
+          </a:prstGeom>
+        </p:spPr>
+        <p:style>
+          <a:lnRef idx="2">
+            <a:schemeClr val="accent3">
+              <a:shade val="50000"/>
+            </a:schemeClr>
+          </a:lnRef>
+          <a:fillRef idx="1">
+            <a:schemeClr val="accent3"/>
+          </a:fillRef>
+          <a:effectRef idx="0">
+            <a:schemeClr val="accent3"/>
+          </a:effectRef>
+          <a:fontRef idx="minor">
+            <a:schemeClr val="lt1"/>
+          </a:fontRef>
+        </p:style>
+        <p:txBody>
+          <a:bodyPr rtlCol="0" anchor="ctr"/>
+          <a:lstStyle/>
+          <a:p>
+            <a:pPr algn="ctr"/>
+            <a:r>
+              <a:rPr lang="en-US" dirty="0"/>
+              <a:t>Browser</a:t>
+            </a:r>
+            <a:endParaRPr lang="en-CA" dirty="0"/>
+          </a:p>
+        </p:txBody>
+      </p:sp>
+      <p:sp>
+        <p:nvSpPr>
+          <p:cNvPr id="3" name="Rectangle 2">
+            <a:extLst>
+              <a:ext uri="{FF2B5EF4-FFF2-40B4-BE49-F238E27FC236}">
+                <a16:creationId xmlns:a16="http://schemas.microsoft.com/office/drawing/2014/main" id="{70665C5C-CC8A-4A1D-B145-D1E2C76FBA50}"/>
+              </a:ext>
+            </a:extLst>
+          </p:cNvPr>
+          <p:cNvSpPr/>
+          <p:nvPr/>
+        </p:nvSpPr>
+        <p:spPr>
+          <a:xfrm>
+            <a:off x="4991100" y="61486"/>
+            <a:ext cx="1283368" cy="1074821"/>
+          </a:xfrm>
+          <a:prstGeom prst="rect">
+            <a:avLst/>
+          </a:prstGeom>
+        </p:spPr>
+        <p:style>
+          <a:lnRef idx="2">
+            <a:schemeClr val="accent3">
+              <a:shade val="50000"/>
+            </a:schemeClr>
+          </a:lnRef>
+          <a:fillRef idx="1">
+            <a:schemeClr val="accent3"/>
+          </a:fillRef>
+          <a:effectRef idx="0">
+            <a:schemeClr val="accent3"/>
+          </a:effectRef>
+          <a:fontRef idx="minor">
+            <a:schemeClr val="lt1"/>
+          </a:fontRef>
+        </p:style>
+        <p:txBody>
+          <a:bodyPr rtlCol="0" anchor="ctr"/>
+          <a:lstStyle/>
+          <a:p>
+            <a:pPr algn="ctr"/>
+            <a:r>
+              <a:rPr lang="en-US" dirty="0"/>
+              <a:t>Tablet</a:t>
+            </a:r>
+            <a:endParaRPr lang="en-CA" dirty="0"/>
+          </a:p>
+        </p:txBody>
+      </p:sp>
+      <p:sp>
+        <p:nvSpPr>
+          <p:cNvPr id="4" name="Rectangle 3">
+            <a:extLst>
+              <a:ext uri="{FF2B5EF4-FFF2-40B4-BE49-F238E27FC236}">
+                <a16:creationId xmlns:a16="http://schemas.microsoft.com/office/drawing/2014/main" id="{681DE779-0239-4E6C-B2F9-A91042A3A404}"/>
+              </a:ext>
+            </a:extLst>
+          </p:cNvPr>
+          <p:cNvSpPr/>
+          <p:nvPr/>
+        </p:nvSpPr>
+        <p:spPr>
+          <a:xfrm>
+            <a:off x="6761747" y="84220"/>
+            <a:ext cx="1283368" cy="1074821"/>
+          </a:xfrm>
+          <a:prstGeom prst="rect">
+            <a:avLst/>
+          </a:prstGeom>
+        </p:spPr>
+        <p:style>
+          <a:lnRef idx="2">
+            <a:schemeClr val="accent3">
+              <a:shade val="50000"/>
+            </a:schemeClr>
+          </a:lnRef>
+          <a:fillRef idx="1">
+            <a:schemeClr val="accent3"/>
+          </a:fillRef>
+          <a:effectRef idx="0">
+            <a:schemeClr val="accent3"/>
+          </a:effectRef>
+          <a:fontRef idx="minor">
+            <a:schemeClr val="lt1"/>
+          </a:fontRef>
+        </p:style>
+        <p:txBody>
+          <a:bodyPr rtlCol="0" anchor="ctr"/>
+          <a:lstStyle/>
+          <a:p>
+            <a:pPr algn="ctr"/>
+            <a:r>
+              <a:rPr lang="en-US" dirty="0"/>
+              <a:t>Mobile</a:t>
+            </a:r>
+            <a:endParaRPr lang="en-CA" dirty="0"/>
+          </a:p>
+        </p:txBody>
+      </p:sp>
+      <p:sp>
+        <p:nvSpPr>
+          <p:cNvPr id="5" name="Rectangle 4">
+            <a:extLst>
+              <a:ext uri="{FF2B5EF4-FFF2-40B4-BE49-F238E27FC236}">
+                <a16:creationId xmlns:a16="http://schemas.microsoft.com/office/drawing/2014/main" id="{737A17B4-F973-4B0E-AF61-82ADFD7AB9BE}"/>
+              </a:ext>
+            </a:extLst>
+          </p:cNvPr>
+          <p:cNvSpPr/>
+          <p:nvPr/>
+        </p:nvSpPr>
+        <p:spPr>
+          <a:xfrm>
+            <a:off x="4034589" y="3938358"/>
+            <a:ext cx="3240510" cy="834189"/>
           </a:xfrm>
           <a:prstGeom prst="rect">
             <a:avLst/>
@@ -3390,8 +3540,8 @@
           <a:p>
             <a:pPr algn="ctr"/>
             <a:r>
-              <a:rPr lang="en-US" dirty="0"/>
-              <a:t>Browser</a:t>
+              <a:rPr lang="en-US" altLang="zh-CN" dirty="0"/>
+              <a:t>Eureka Server</a:t>
             </a:r>
             <a:endParaRPr lang="en-CA" dirty="0"/>
           </a:p>
@@ -3399,10 +3549,10 @@
       </p:sp>
       <p:sp>
         <p:nvSpPr>
-          <p:cNvPr id="3" name="Rectangle 2">
-            <a:extLst>
-              <a:ext uri="{FF2B5EF4-FFF2-40B4-BE49-F238E27FC236}">
-                <a16:creationId xmlns:a16="http://schemas.microsoft.com/office/drawing/2014/main" id="{70665C5C-CC8A-4A1D-B145-D1E2C76FBA50}"/>
+          <p:cNvPr id="16" name="Rectangle: Rounded Corners 15">
+            <a:extLst>
+              <a:ext uri="{FF2B5EF4-FFF2-40B4-BE49-F238E27FC236}">
+                <a16:creationId xmlns:a16="http://schemas.microsoft.com/office/drawing/2014/main" id="{7C7BF2C7-BA1E-4A9D-A732-6BE8656C1E86}"/>
               </a:ext>
             </a:extLst>
           </p:cNvPr>
@@ -3411,10 +3561,10 @@
         </p:nvSpPr>
         <p:spPr>
           <a:xfrm>
-            <a:off x="5009148" y="88232"/>
-            <a:ext cx="1283368" cy="1074821"/>
-          </a:xfrm>
-          <a:prstGeom prst="rect">
+            <a:off x="1964154" y="5133481"/>
+            <a:ext cx="1395664" cy="762000"/>
+          </a:xfrm>
+          <a:prstGeom prst="roundRect">
             <a:avLst/>
           </a:prstGeom>
         </p:spPr>
@@ -3440,19 +3590,27 @@
           <a:p>
             <a:pPr algn="ctr"/>
             <a:r>
-              <a:rPr lang="en-US" dirty="0"/>
-              <a:t>Tablet</a:t>
-            </a:r>
-            <a:endParaRPr lang="en-CA" dirty="0"/>
-          </a:p>
-        </p:txBody>
-      </p:sp>
-      <p:sp>
-        <p:nvSpPr>
-          <p:cNvPr id="4" name="Rectangle 3">
-            <a:extLst>
-              <a:ext uri="{FF2B5EF4-FFF2-40B4-BE49-F238E27FC236}">
-                <a16:creationId xmlns:a16="http://schemas.microsoft.com/office/drawing/2014/main" id="{681DE779-0239-4E6C-B2F9-A91042A3A404}"/>
+              <a:rPr lang="en-CA" sz="1400" dirty="0"/>
+              <a:t>Ski Resort</a:t>
+            </a:r>
+            <a:endParaRPr lang="en-US" sz="1400" dirty="0"/>
+          </a:p>
+          <a:p>
+            <a:pPr algn="ctr"/>
+            <a:r>
+              <a:rPr lang="en-US" sz="1400" dirty="0"/>
+              <a:t>Microservice 1</a:t>
+            </a:r>
+            <a:endParaRPr lang="en-CA" sz="1400" dirty="0"/>
+          </a:p>
+        </p:txBody>
+      </p:sp>
+      <p:sp>
+        <p:nvSpPr>
+          <p:cNvPr id="17" name="Rectangle: Rounded Corners 16">
+            <a:extLst>
+              <a:ext uri="{FF2B5EF4-FFF2-40B4-BE49-F238E27FC236}">
+                <a16:creationId xmlns:a16="http://schemas.microsoft.com/office/drawing/2014/main" id="{16150475-1139-49E5-8D01-165CE66EDBA9}"/>
               </a:ext>
             </a:extLst>
           </p:cNvPr>
@@ -3461,10 +3619,10 @@
         </p:nvSpPr>
         <p:spPr>
           <a:xfrm>
-            <a:off x="6761747" y="84220"/>
-            <a:ext cx="1283368" cy="1074821"/>
-          </a:xfrm>
-          <a:prstGeom prst="rect">
+            <a:off x="4051636" y="5133481"/>
+            <a:ext cx="1395664" cy="762000"/>
+          </a:xfrm>
+          <a:prstGeom prst="roundRect">
             <a:avLst/>
           </a:prstGeom>
         </p:spPr>
@@ -3490,19 +3648,26 @@
           <a:p>
             <a:pPr algn="ctr"/>
             <a:r>
-              <a:rPr lang="en-US" dirty="0"/>
-              <a:t>Mobile</a:t>
-            </a:r>
-            <a:endParaRPr lang="en-CA" dirty="0"/>
-          </a:p>
-        </p:txBody>
-      </p:sp>
-      <p:sp>
-        <p:nvSpPr>
-          <p:cNvPr id="5" name="Rectangle 4">
-            <a:extLst>
-              <a:ext uri="{FF2B5EF4-FFF2-40B4-BE49-F238E27FC236}">
-                <a16:creationId xmlns:a16="http://schemas.microsoft.com/office/drawing/2014/main" id="{737A17B4-F973-4B0E-AF61-82ADFD7AB9BE}"/>
+              <a:rPr lang="en-US" sz="1400" dirty="0"/>
+              <a:t>Restaurants</a:t>
+            </a:r>
+          </a:p>
+          <a:p>
+            <a:pPr algn="ctr"/>
+            <a:r>
+              <a:rPr lang="en-US" sz="1400" dirty="0"/>
+              <a:t>Microservice 2</a:t>
+            </a:r>
+            <a:endParaRPr lang="en-CA" sz="1400" dirty="0"/>
+          </a:p>
+        </p:txBody>
+      </p:sp>
+      <p:sp>
+        <p:nvSpPr>
+          <p:cNvPr id="18" name="Rectangle: Rounded Corners 17">
+            <a:extLst>
+              <a:ext uri="{FF2B5EF4-FFF2-40B4-BE49-F238E27FC236}">
+                <a16:creationId xmlns:a16="http://schemas.microsoft.com/office/drawing/2014/main" id="{DE510A7F-078A-4599-AA2F-9C9DD9758683}"/>
               </a:ext>
             </a:extLst>
           </p:cNvPr>
@@ -3511,10 +3676,10 @@
         </p:nvSpPr>
         <p:spPr>
           <a:xfrm>
-            <a:off x="3256548" y="3959744"/>
-            <a:ext cx="4788567" cy="834189"/>
-          </a:xfrm>
-          <a:prstGeom prst="rect">
+            <a:off x="6248407" y="5133481"/>
+            <a:ext cx="1395664" cy="762000"/>
+          </a:xfrm>
+          <a:prstGeom prst="roundRect">
             <a:avLst/>
           </a:prstGeom>
         </p:spPr>
@@ -3540,19 +3705,27 @@
           <a:p>
             <a:pPr algn="ctr"/>
             <a:r>
-              <a:rPr lang="en-US" altLang="zh-CN" dirty="0"/>
-              <a:t>Eureka Server</a:t>
-            </a:r>
-            <a:endParaRPr lang="en-CA" dirty="0"/>
-          </a:p>
-        </p:txBody>
-      </p:sp>
-      <p:sp>
-        <p:nvSpPr>
-          <p:cNvPr id="16" name="Rectangle: Rounded Corners 15">
-            <a:extLst>
-              <a:ext uri="{FF2B5EF4-FFF2-40B4-BE49-F238E27FC236}">
-                <a16:creationId xmlns:a16="http://schemas.microsoft.com/office/drawing/2014/main" id="{7C7BF2C7-BA1E-4A9D-A732-6BE8656C1E86}"/>
+              <a:rPr lang="en-CA" sz="1400" dirty="0"/>
+              <a:t>Museums</a:t>
+            </a:r>
+            <a:endParaRPr lang="en-US" sz="1400" dirty="0"/>
+          </a:p>
+          <a:p>
+            <a:pPr algn="ctr"/>
+            <a:r>
+              <a:rPr lang="en-US" sz="1400" dirty="0"/>
+              <a:t>Microservice 3</a:t>
+            </a:r>
+            <a:endParaRPr lang="en-CA" sz="1400" dirty="0"/>
+          </a:p>
+        </p:txBody>
+      </p:sp>
+      <p:sp>
+        <p:nvSpPr>
+          <p:cNvPr id="19" name="Rectangle: Rounded Corners 18">
+            <a:extLst>
+              <a:ext uri="{FF2B5EF4-FFF2-40B4-BE49-F238E27FC236}">
+                <a16:creationId xmlns:a16="http://schemas.microsoft.com/office/drawing/2014/main" id="{3867F84D-CD0D-4A27-A750-FEAEC88B860A}"/>
               </a:ext>
             </a:extLst>
           </p:cNvPr>
@@ -3561,7 +3734,7 @@
         </p:nvSpPr>
         <p:spPr>
           <a:xfrm>
-            <a:off x="2227847" y="5133481"/>
+            <a:off x="8465232" y="5133481"/>
             <a:ext cx="1395664" cy="762000"/>
           </a:xfrm>
           <a:prstGeom prst="roundRect">
@@ -3591,171 +3764,7 @@
             <a:pPr algn="ctr"/>
             <a:r>
               <a:rPr lang="en-US" sz="1400" dirty="0"/>
-              <a:t>Hotels</a:t>
-            </a:r>
-          </a:p>
-          <a:p>
-            <a:pPr algn="ctr"/>
-            <a:r>
-              <a:rPr lang="en-US" sz="1400" dirty="0"/>
-              <a:t>Microservice 1</a:t>
-            </a:r>
-            <a:endParaRPr lang="en-CA" sz="1400" dirty="0"/>
-          </a:p>
-        </p:txBody>
-      </p:sp>
-      <p:sp>
-        <p:nvSpPr>
-          <p:cNvPr id="17" name="Rectangle: Rounded Corners 16">
-            <a:extLst>
-              <a:ext uri="{FF2B5EF4-FFF2-40B4-BE49-F238E27FC236}">
-                <a16:creationId xmlns:a16="http://schemas.microsoft.com/office/drawing/2014/main" id="{16150475-1139-49E5-8D01-165CE66EDBA9}"/>
-              </a:ext>
-            </a:extLst>
-          </p:cNvPr>
-          <p:cNvSpPr/>
-          <p:nvPr/>
-        </p:nvSpPr>
-        <p:spPr>
-          <a:xfrm>
-            <a:off x="4403559" y="5125452"/>
-            <a:ext cx="1395664" cy="762000"/>
-          </a:xfrm>
-          <a:prstGeom prst="roundRect">
-            <a:avLst/>
-          </a:prstGeom>
-        </p:spPr>
-        <p:style>
-          <a:lnRef idx="2">
-            <a:schemeClr val="accent1">
-              <a:shade val="50000"/>
-            </a:schemeClr>
-          </a:lnRef>
-          <a:fillRef idx="1">
-            <a:schemeClr val="accent1"/>
-          </a:fillRef>
-          <a:effectRef idx="0">
-            <a:schemeClr val="accent1"/>
-          </a:effectRef>
-          <a:fontRef idx="minor">
-            <a:schemeClr val="lt1"/>
-          </a:fontRef>
-        </p:style>
-        <p:txBody>
-          <a:bodyPr rtlCol="0" anchor="ctr"/>
-          <a:lstStyle/>
-          <a:p>
-            <a:pPr algn="ctr"/>
-            <a:r>
-              <a:rPr lang="en-US" sz="1400" dirty="0"/>
-              <a:t>Restaurants</a:t>
-            </a:r>
-          </a:p>
-          <a:p>
-            <a:pPr algn="ctr"/>
-            <a:r>
-              <a:rPr lang="en-US" sz="1400" dirty="0"/>
-              <a:t>Microservice 2</a:t>
-            </a:r>
-            <a:endParaRPr lang="en-CA" sz="1400" dirty="0"/>
-          </a:p>
-        </p:txBody>
-      </p:sp>
-      <p:sp>
-        <p:nvSpPr>
-          <p:cNvPr id="18" name="Rectangle: Rounded Corners 17">
-            <a:extLst>
-              <a:ext uri="{FF2B5EF4-FFF2-40B4-BE49-F238E27FC236}">
-                <a16:creationId xmlns:a16="http://schemas.microsoft.com/office/drawing/2014/main" id="{DE510A7F-078A-4599-AA2F-9C9DD9758683}"/>
-              </a:ext>
-            </a:extLst>
-          </p:cNvPr>
-          <p:cNvSpPr/>
-          <p:nvPr/>
-        </p:nvSpPr>
-        <p:spPr>
-          <a:xfrm>
-            <a:off x="6617374" y="5133481"/>
-            <a:ext cx="1395664" cy="762000"/>
-          </a:xfrm>
-          <a:prstGeom prst="roundRect">
-            <a:avLst/>
-          </a:prstGeom>
-        </p:spPr>
-        <p:style>
-          <a:lnRef idx="2">
-            <a:schemeClr val="accent1">
-              <a:shade val="50000"/>
-            </a:schemeClr>
-          </a:lnRef>
-          <a:fillRef idx="1">
-            <a:schemeClr val="accent1"/>
-          </a:fillRef>
-          <a:effectRef idx="0">
-            <a:schemeClr val="accent1"/>
-          </a:effectRef>
-          <a:fontRef idx="minor">
-            <a:schemeClr val="lt1"/>
-          </a:fontRef>
-        </p:style>
-        <p:txBody>
-          <a:bodyPr rtlCol="0" anchor="ctr"/>
-          <a:lstStyle/>
-          <a:p>
-            <a:pPr algn="ctr"/>
-            <a:r>
-              <a:rPr lang="en-US" sz="1400" dirty="0"/>
-              <a:t>Microservice 3</a:t>
-            </a:r>
-            <a:endParaRPr lang="en-CA" sz="1400" dirty="0"/>
-          </a:p>
-        </p:txBody>
-      </p:sp>
-      <p:sp>
-        <p:nvSpPr>
-          <p:cNvPr id="19" name="Rectangle: Rounded Corners 18">
-            <a:extLst>
-              <a:ext uri="{FF2B5EF4-FFF2-40B4-BE49-F238E27FC236}">
-                <a16:creationId xmlns:a16="http://schemas.microsoft.com/office/drawing/2014/main" id="{3867F84D-CD0D-4A27-A750-FEAEC88B860A}"/>
-              </a:ext>
-            </a:extLst>
-          </p:cNvPr>
-          <p:cNvSpPr/>
-          <p:nvPr/>
-        </p:nvSpPr>
-        <p:spPr>
-          <a:xfrm>
-            <a:off x="8666753" y="5133481"/>
-            <a:ext cx="1395664" cy="762000"/>
-          </a:xfrm>
-          <a:prstGeom prst="roundRect">
-            <a:avLst/>
-          </a:prstGeom>
-        </p:spPr>
-        <p:style>
-          <a:lnRef idx="2">
-            <a:schemeClr val="accent1">
-              <a:shade val="50000"/>
-            </a:schemeClr>
-          </a:lnRef>
-          <a:fillRef idx="1">
-            <a:schemeClr val="accent1"/>
-          </a:fillRef>
-          <a:effectRef idx="0">
-            <a:schemeClr val="accent1"/>
-          </a:effectRef>
-          <a:fontRef idx="minor">
-            <a:schemeClr val="lt1"/>
-          </a:fontRef>
-        </p:style>
-        <p:txBody>
-          <a:bodyPr rtlCol="0" anchor="ctr"/>
-          <a:lstStyle/>
-          <a:p>
-            <a:pPr algn="ctr"/>
-            <a:r>
-              <a:rPr lang="en-US" sz="1400" dirty="0"/>
-              <a:t>Software companies</a:t>
+              <a:t>Fortune companies</a:t>
             </a:r>
           </a:p>
           <a:p>
@@ -3786,8 +3795,8 @@
         </p:nvCxnSpPr>
         <p:spPr>
           <a:xfrm flipV="1">
-            <a:off x="2925679" y="4793933"/>
-            <a:ext cx="2725153" cy="339548"/>
+            <a:off x="2661986" y="4772547"/>
+            <a:ext cx="2992858" cy="360934"/>
           </a:xfrm>
           <a:prstGeom prst="straightConnector1">
             <a:avLst/>
@@ -3830,8 +3839,8 @@
         </p:nvCxnSpPr>
         <p:spPr>
           <a:xfrm flipV="1">
-            <a:off x="5101391" y="4793933"/>
-            <a:ext cx="549441" cy="331519"/>
+            <a:off x="4749468" y="4772547"/>
+            <a:ext cx="905376" cy="360934"/>
           </a:xfrm>
           <a:prstGeom prst="straightConnector1">
             <a:avLst/>
@@ -3874,8 +3883,8 @@
         </p:nvCxnSpPr>
         <p:spPr>
           <a:xfrm>
-            <a:off x="5650832" y="4793933"/>
-            <a:ext cx="1664374" cy="339548"/>
+            <a:off x="5654844" y="4772547"/>
+            <a:ext cx="1291395" cy="360934"/>
           </a:xfrm>
           <a:prstGeom prst="straightConnector1">
             <a:avLst/>
@@ -3911,15 +3920,14 @@
           </p:cNvPr>
           <p:cNvCxnSpPr>
             <a:cxnSpLocks/>
-            <a:stCxn id="5" idx="2"/>
             <a:endCxn id="19" idx="0"/>
           </p:cNvCxnSpPr>
           <p:nvPr/>
         </p:nvCxnSpPr>
         <p:spPr>
           <a:xfrm>
-            <a:off x="5650832" y="4793933"/>
-            <a:ext cx="3713753" cy="339548"/>
+            <a:off x="5453322" y="4756504"/>
+            <a:ext cx="3709742" cy="376977"/>
           </a:xfrm>
           <a:prstGeom prst="straightConnector1">
             <a:avLst/>
@@ -3967,15 +3975,15 @@
         </p:spPr>
         <p:style>
           <a:lnRef idx="2">
-            <a:schemeClr val="accent1">
+            <a:schemeClr val="accent5">
               <a:shade val="50000"/>
             </a:schemeClr>
           </a:lnRef>
           <a:fillRef idx="1">
-            <a:schemeClr val="accent1"/>
+            <a:schemeClr val="accent5"/>
           </a:fillRef>
           <a:effectRef idx="0">
-            <a:schemeClr val="accent1"/>
+            <a:schemeClr val="accent5"/>
           </a:effectRef>
           <a:fontRef idx="minor">
             <a:schemeClr val="lt1"/>
@@ -4054,8 +4062,8 @@
         </p:nvCxnSpPr>
         <p:spPr>
           <a:xfrm>
-            <a:off x="3898232" y="1130968"/>
-            <a:ext cx="1752599" cy="376990"/>
+            <a:off x="3892215" y="1090863"/>
+            <a:ext cx="1758616" cy="417095"/>
           </a:xfrm>
           <a:prstGeom prst="straightConnector1">
             <a:avLst/>
@@ -4096,9 +4104,9 @@
           <p:nvPr/>
         </p:nvCxnSpPr>
         <p:spPr>
-          <a:xfrm flipH="1">
-            <a:off x="5650831" y="1163053"/>
-            <a:ext cx="1" cy="344905"/>
+          <a:xfrm>
+            <a:off x="5632784" y="1136307"/>
+            <a:ext cx="18047" cy="371651"/>
           </a:xfrm>
           <a:prstGeom prst="straightConnector1">
             <a:avLst/>
@@ -4180,7 +4188,7 @@
         </p:nvSpPr>
         <p:spPr>
           <a:xfrm>
-            <a:off x="2600826" y="6188253"/>
+            <a:off x="2337133" y="6194927"/>
             <a:ext cx="649705" cy="489284"/>
           </a:xfrm>
           <a:prstGeom prst="ellipse">
@@ -4230,7 +4238,7 @@
         </p:nvSpPr>
         <p:spPr>
           <a:xfrm>
-            <a:off x="4776538" y="6188253"/>
+            <a:off x="4430628" y="6194927"/>
             <a:ext cx="649705" cy="489284"/>
           </a:xfrm>
           <a:prstGeom prst="ellipse">
@@ -4280,7 +4288,7 @@
         </p:nvSpPr>
         <p:spPr>
           <a:xfrm>
-            <a:off x="6990353" y="6208298"/>
+            <a:off x="6625394" y="6194927"/>
             <a:ext cx="649705" cy="489284"/>
           </a:xfrm>
           <a:prstGeom prst="ellipse">
@@ -4330,7 +4338,7 @@
         </p:nvSpPr>
         <p:spPr>
           <a:xfrm>
-            <a:off x="9051763" y="6192258"/>
+            <a:off x="8838211" y="6194927"/>
             <a:ext cx="649705" cy="489284"/>
           </a:xfrm>
           <a:prstGeom prst="ellipse">
@@ -4383,8 +4391,8 @@
         </p:nvCxnSpPr>
         <p:spPr>
           <a:xfrm>
-            <a:off x="2925679" y="5895481"/>
-            <a:ext cx="0" cy="292772"/>
+            <a:off x="2661986" y="5895481"/>
+            <a:ext cx="0" cy="299446"/>
           </a:xfrm>
           <a:prstGeom prst="straightConnector1">
             <a:avLst/>
@@ -4425,9 +4433,9 @@
           <p:nvPr/>
         </p:nvCxnSpPr>
         <p:spPr>
-          <a:xfrm flipV="1">
-            <a:off x="5101391" y="5887452"/>
-            <a:ext cx="0" cy="300801"/>
+          <a:xfrm flipH="1" flipV="1">
+            <a:off x="4749468" y="5895481"/>
+            <a:ext cx="6013" cy="299446"/>
           </a:xfrm>
           <a:prstGeom prst="straightConnector1">
             <a:avLst/>
@@ -4469,8 +4477,8 @@
         </p:nvCxnSpPr>
         <p:spPr>
           <a:xfrm>
-            <a:off x="7315206" y="5895481"/>
-            <a:ext cx="0" cy="312817"/>
+            <a:off x="6946239" y="5895481"/>
+            <a:ext cx="4008" cy="299446"/>
           </a:xfrm>
           <a:prstGeom prst="straightConnector1">
             <a:avLst/>
@@ -4512,8 +4520,8 @@
         </p:nvCxnSpPr>
         <p:spPr>
           <a:xfrm>
-            <a:off x="9364585" y="5895481"/>
-            <a:ext cx="12031" cy="296777"/>
+            <a:off x="9163064" y="5895481"/>
+            <a:ext cx="0" cy="299446"/>
           </a:xfrm>
           <a:prstGeom prst="straightConnector1">
             <a:avLst/>
@@ -4538,526 +4546,6 @@
           </a:fontRef>
         </p:style>
       </p:cxnSp>
-      <p:grpSp>
-        <p:nvGrpSpPr>
-          <p:cNvPr id="103" name="Group 102">
-            <a:extLst>
-              <a:ext uri="{FF2B5EF4-FFF2-40B4-BE49-F238E27FC236}">
-                <a16:creationId xmlns:a16="http://schemas.microsoft.com/office/drawing/2014/main" id="{CA5D9963-7F1B-494A-8828-D7739140A2A0}"/>
-              </a:ext>
-            </a:extLst>
-          </p:cNvPr>
-          <p:cNvGrpSpPr/>
-          <p:nvPr/>
-        </p:nvGrpSpPr>
-        <p:grpSpPr>
-          <a:xfrm>
-            <a:off x="6898104" y="1681784"/>
-            <a:ext cx="2725141" cy="513345"/>
-            <a:chOff x="6972312" y="2037350"/>
-            <a:chExt cx="2725141" cy="513345"/>
-          </a:xfrm>
-        </p:grpSpPr>
-        <p:cxnSp>
-          <p:nvCxnSpPr>
-            <p:cNvPr id="73" name="Straight Arrow Connector 72">
-              <a:extLst>
-                <a:ext uri="{FF2B5EF4-FFF2-40B4-BE49-F238E27FC236}">
-                  <a16:creationId xmlns:a16="http://schemas.microsoft.com/office/drawing/2014/main" id="{6C683DDE-BD1B-45D5-B61D-06345DF2267A}"/>
-                </a:ext>
-              </a:extLst>
-            </p:cNvPr>
-            <p:cNvCxnSpPr>
-              <a:cxnSpLocks/>
-            </p:cNvCxnSpPr>
-            <p:nvPr/>
-          </p:nvCxnSpPr>
-          <p:spPr>
-            <a:xfrm flipH="1">
-              <a:off x="6972312" y="2286000"/>
-              <a:ext cx="1626265" cy="0"/>
-            </a:xfrm>
-            <a:prstGeom prst="straightConnector1">
-              <a:avLst/>
-            </a:prstGeom>
-            <a:ln>
-              <a:tailEnd type="triangle"/>
-            </a:ln>
-          </p:spPr>
-          <p:style>
-            <a:lnRef idx="1">
-              <a:schemeClr val="accent1"/>
-            </a:lnRef>
-            <a:fillRef idx="0">
-              <a:schemeClr val="accent1"/>
-            </a:fillRef>
-            <a:effectRef idx="0">
-              <a:schemeClr val="accent1"/>
-            </a:effectRef>
-            <a:fontRef idx="minor">
-              <a:schemeClr val="tx1"/>
-            </a:fontRef>
-          </p:style>
-        </p:cxnSp>
-        <p:sp>
-          <p:nvSpPr>
-            <p:cNvPr id="102" name="Rectangle 101">
-              <a:extLst>
-                <a:ext uri="{FF2B5EF4-FFF2-40B4-BE49-F238E27FC236}">
-                  <a16:creationId xmlns:a16="http://schemas.microsoft.com/office/drawing/2014/main" id="{B78CCD46-9A08-4BEA-A938-44210B974C27}"/>
-                </a:ext>
-              </a:extLst>
-            </p:cNvPr>
-            <p:cNvSpPr/>
-            <p:nvPr/>
-          </p:nvSpPr>
-          <p:spPr>
-            <a:xfrm>
-              <a:off x="8598577" y="2037350"/>
-              <a:ext cx="1098876" cy="513345"/>
-            </a:xfrm>
-            <a:prstGeom prst="rect">
-              <a:avLst/>
-            </a:prstGeom>
-            <a:noFill/>
-            <a:ln>
-              <a:prstDash val="lgDash"/>
-            </a:ln>
-          </p:spPr>
-          <p:style>
-            <a:lnRef idx="2">
-              <a:schemeClr val="accent1">
-                <a:shade val="50000"/>
-              </a:schemeClr>
-            </a:lnRef>
-            <a:fillRef idx="1">
-              <a:schemeClr val="accent1"/>
-            </a:fillRef>
-            <a:effectRef idx="0">
-              <a:schemeClr val="accent1"/>
-            </a:effectRef>
-            <a:fontRef idx="minor">
-              <a:schemeClr val="lt1"/>
-            </a:fontRef>
-          </p:style>
-          <p:txBody>
-            <a:bodyPr rtlCol="0" anchor="ctr"/>
-            <a:lstStyle/>
-            <a:p>
-              <a:pPr algn="ctr"/>
-              <a:r>
-                <a:rPr lang="en-US" dirty="0">
-                  <a:solidFill>
-                    <a:schemeClr val="tx1"/>
-                  </a:solidFill>
-                </a:rPr>
-                <a:t>React </a:t>
-              </a:r>
-              <a:endParaRPr lang="en-CA" dirty="0">
-                <a:solidFill>
-                  <a:schemeClr val="tx1"/>
-                </a:solidFill>
-              </a:endParaRPr>
-            </a:p>
-          </p:txBody>
-        </p:sp>
-      </p:grpSp>
-      <p:grpSp>
-        <p:nvGrpSpPr>
-          <p:cNvPr id="104" name="Group 103">
-            <a:extLst>
-              <a:ext uri="{FF2B5EF4-FFF2-40B4-BE49-F238E27FC236}">
-                <a16:creationId xmlns:a16="http://schemas.microsoft.com/office/drawing/2014/main" id="{3A69DDC2-86E6-4EDE-B1EE-AF26A4FFADAE}"/>
-              </a:ext>
-            </a:extLst>
-          </p:cNvPr>
-          <p:cNvGrpSpPr/>
-          <p:nvPr/>
-        </p:nvGrpSpPr>
-        <p:grpSpPr>
-          <a:xfrm>
-            <a:off x="6898104" y="2949100"/>
-            <a:ext cx="2957226" cy="513345"/>
-            <a:chOff x="7716247" y="2037350"/>
-            <a:chExt cx="2013290" cy="513345"/>
-          </a:xfrm>
-        </p:grpSpPr>
-        <p:cxnSp>
-          <p:nvCxnSpPr>
-            <p:cNvPr id="105" name="Straight Arrow Connector 104">
-              <a:extLst>
-                <a:ext uri="{FF2B5EF4-FFF2-40B4-BE49-F238E27FC236}">
-                  <a16:creationId xmlns:a16="http://schemas.microsoft.com/office/drawing/2014/main" id="{FB0E117D-4E8F-4F91-92D6-CCCB748A6348}"/>
-                </a:ext>
-              </a:extLst>
-            </p:cNvPr>
-            <p:cNvCxnSpPr>
-              <a:cxnSpLocks/>
-            </p:cNvCxnSpPr>
-            <p:nvPr/>
-          </p:nvCxnSpPr>
-          <p:spPr>
-            <a:xfrm flipH="1">
-              <a:off x="7716247" y="2286000"/>
-              <a:ext cx="882331" cy="0"/>
-            </a:xfrm>
-            <a:prstGeom prst="straightConnector1">
-              <a:avLst/>
-            </a:prstGeom>
-            <a:ln>
-              <a:tailEnd type="triangle"/>
-            </a:ln>
-          </p:spPr>
-          <p:style>
-            <a:lnRef idx="1">
-              <a:schemeClr val="accent1"/>
-            </a:lnRef>
-            <a:fillRef idx="0">
-              <a:schemeClr val="accent1"/>
-            </a:fillRef>
-            <a:effectRef idx="0">
-              <a:schemeClr val="accent1"/>
-            </a:effectRef>
-            <a:fontRef idx="minor">
-              <a:schemeClr val="tx1"/>
-            </a:fontRef>
-          </p:style>
-        </p:cxnSp>
-        <p:sp>
-          <p:nvSpPr>
-            <p:cNvPr id="106" name="Rectangle 105">
-              <a:extLst>
-                <a:ext uri="{FF2B5EF4-FFF2-40B4-BE49-F238E27FC236}">
-                  <a16:creationId xmlns:a16="http://schemas.microsoft.com/office/drawing/2014/main" id="{11EAF35E-C483-424E-A460-9ECAAC13F804}"/>
-                </a:ext>
-              </a:extLst>
-            </p:cNvPr>
-            <p:cNvSpPr/>
-            <p:nvPr/>
-          </p:nvSpPr>
-          <p:spPr>
-            <a:xfrm>
-              <a:off x="8630661" y="2037350"/>
-              <a:ext cx="1098876" cy="513345"/>
-            </a:xfrm>
-            <a:prstGeom prst="rect">
-              <a:avLst/>
-            </a:prstGeom>
-            <a:noFill/>
-            <a:ln>
-              <a:prstDash val="lgDash"/>
-            </a:ln>
-          </p:spPr>
-          <p:style>
-            <a:lnRef idx="2">
-              <a:schemeClr val="accent1">
-                <a:shade val="50000"/>
-              </a:schemeClr>
-            </a:lnRef>
-            <a:fillRef idx="1">
-              <a:schemeClr val="accent1"/>
-            </a:fillRef>
-            <a:effectRef idx="0">
-              <a:schemeClr val="accent1"/>
-            </a:effectRef>
-            <a:fontRef idx="minor">
-              <a:schemeClr val="lt1"/>
-            </a:fontRef>
-          </p:style>
-          <p:txBody>
-            <a:bodyPr rtlCol="0" anchor="ctr"/>
-            <a:lstStyle/>
-            <a:p>
-              <a:pPr algn="ctr"/>
-              <a:r>
-                <a:rPr lang="en-US" dirty="0" err="1">
-                  <a:solidFill>
-                    <a:schemeClr val="tx1"/>
-                  </a:solidFill>
-                </a:rPr>
-                <a:t>Spring</a:t>
-              </a:r>
-              <a:r>
-                <a:rPr lang="en-US" altLang="zh-CN" dirty="0" err="1">
-                  <a:solidFill>
-                    <a:schemeClr val="tx1"/>
-                  </a:solidFill>
-                </a:rPr>
-                <a:t>cloud</a:t>
-              </a:r>
-              <a:r>
-                <a:rPr lang="en-US" altLang="zh-CN" dirty="0">
-                  <a:solidFill>
-                    <a:schemeClr val="tx1"/>
-                  </a:solidFill>
-                </a:rPr>
-                <a:t> Gateway</a:t>
-              </a:r>
-              <a:r>
-                <a:rPr lang="en-US" dirty="0">
-                  <a:solidFill>
-                    <a:schemeClr val="tx1"/>
-                  </a:solidFill>
-                </a:rPr>
-                <a:t> </a:t>
-              </a:r>
-              <a:endParaRPr lang="en-CA" dirty="0">
-                <a:solidFill>
-                  <a:schemeClr val="tx1"/>
-                </a:solidFill>
-              </a:endParaRPr>
-            </a:p>
-          </p:txBody>
-        </p:sp>
-      </p:grpSp>
-      <p:grpSp>
-        <p:nvGrpSpPr>
-          <p:cNvPr id="132" name="Group 131">
-            <a:extLst>
-              <a:ext uri="{FF2B5EF4-FFF2-40B4-BE49-F238E27FC236}">
-                <a16:creationId xmlns:a16="http://schemas.microsoft.com/office/drawing/2014/main" id="{11565092-3978-4A26-8F97-26C94D8A91CB}"/>
-              </a:ext>
-            </a:extLst>
-          </p:cNvPr>
-          <p:cNvGrpSpPr/>
-          <p:nvPr/>
-        </p:nvGrpSpPr>
-        <p:grpSpPr>
-          <a:xfrm>
-            <a:off x="441157" y="5301937"/>
-            <a:ext cx="1592670" cy="433118"/>
-            <a:chOff x="7774394" y="3056033"/>
-            <a:chExt cx="1592670" cy="433118"/>
-          </a:xfrm>
-        </p:grpSpPr>
-        <p:cxnSp>
-          <p:nvCxnSpPr>
-            <p:cNvPr id="133" name="Straight Arrow Connector 132">
-              <a:extLst>
-                <a:ext uri="{FF2B5EF4-FFF2-40B4-BE49-F238E27FC236}">
-                  <a16:creationId xmlns:a16="http://schemas.microsoft.com/office/drawing/2014/main" id="{DF569C20-538C-4071-8313-7D8EDA18A96A}"/>
-                </a:ext>
-              </a:extLst>
-            </p:cNvPr>
-            <p:cNvCxnSpPr>
-              <a:cxnSpLocks/>
-            </p:cNvCxnSpPr>
-            <p:nvPr/>
-          </p:nvCxnSpPr>
-          <p:spPr>
-            <a:xfrm>
-              <a:off x="8678266" y="3268577"/>
-              <a:ext cx="688798" cy="1"/>
-            </a:xfrm>
-            <a:prstGeom prst="straightConnector1">
-              <a:avLst/>
-            </a:prstGeom>
-            <a:ln>
-              <a:tailEnd type="triangle"/>
-            </a:ln>
-          </p:spPr>
-          <p:style>
-            <a:lnRef idx="1">
-              <a:schemeClr val="accent1"/>
-            </a:lnRef>
-            <a:fillRef idx="0">
-              <a:schemeClr val="accent1"/>
-            </a:fillRef>
-            <a:effectRef idx="0">
-              <a:schemeClr val="accent1"/>
-            </a:effectRef>
-            <a:fontRef idx="minor">
-              <a:schemeClr val="tx1"/>
-            </a:fontRef>
-          </p:style>
-        </p:cxnSp>
-        <p:sp>
-          <p:nvSpPr>
-            <p:cNvPr id="134" name="Rectangle 133">
-              <a:extLst>
-                <a:ext uri="{FF2B5EF4-FFF2-40B4-BE49-F238E27FC236}">
-                  <a16:creationId xmlns:a16="http://schemas.microsoft.com/office/drawing/2014/main" id="{30433BDA-4008-421C-816D-B3F32D5FB687}"/>
-                </a:ext>
-              </a:extLst>
-            </p:cNvPr>
-            <p:cNvSpPr/>
-            <p:nvPr/>
-          </p:nvSpPr>
-          <p:spPr>
-            <a:xfrm>
-              <a:off x="7774394" y="3056033"/>
-              <a:ext cx="858247" cy="433118"/>
-            </a:xfrm>
-            <a:prstGeom prst="rect">
-              <a:avLst/>
-            </a:prstGeom>
-            <a:noFill/>
-            <a:ln>
-              <a:prstDash val="lgDash"/>
-            </a:ln>
-          </p:spPr>
-          <p:style>
-            <a:lnRef idx="2">
-              <a:schemeClr val="accent1">
-                <a:shade val="50000"/>
-              </a:schemeClr>
-            </a:lnRef>
-            <a:fillRef idx="1">
-              <a:schemeClr val="accent1"/>
-            </a:fillRef>
-            <a:effectRef idx="0">
-              <a:schemeClr val="accent1"/>
-            </a:effectRef>
-            <a:fontRef idx="minor">
-              <a:schemeClr val="lt1"/>
-            </a:fontRef>
-          </p:style>
-          <p:txBody>
-            <a:bodyPr rtlCol="0" anchor="ctr"/>
-            <a:lstStyle/>
-            <a:p>
-              <a:pPr algn="ctr"/>
-              <a:r>
-                <a:rPr lang="en-US" dirty="0">
-                  <a:solidFill>
-                    <a:schemeClr val="tx1"/>
-                  </a:solidFill>
-                </a:rPr>
-                <a:t>Eureka Clients </a:t>
-              </a:r>
-              <a:endParaRPr lang="en-CA" dirty="0">
-                <a:solidFill>
-                  <a:schemeClr val="tx1"/>
-                </a:solidFill>
-              </a:endParaRPr>
-            </a:p>
-          </p:txBody>
-        </p:sp>
-      </p:grpSp>
-      <p:grpSp>
-        <p:nvGrpSpPr>
-          <p:cNvPr id="140" name="Group 139">
-            <a:extLst>
-              <a:ext uri="{FF2B5EF4-FFF2-40B4-BE49-F238E27FC236}">
-                <a16:creationId xmlns:a16="http://schemas.microsoft.com/office/drawing/2014/main" id="{156A7988-6D38-454B-9970-8DDA04B47697}"/>
-              </a:ext>
-            </a:extLst>
-          </p:cNvPr>
-          <p:cNvGrpSpPr/>
-          <p:nvPr/>
-        </p:nvGrpSpPr>
-        <p:grpSpPr>
-          <a:xfrm>
-            <a:off x="10182736" y="4828676"/>
-            <a:ext cx="1680401" cy="689810"/>
-            <a:chOff x="8237618" y="2213810"/>
-            <a:chExt cx="1680401" cy="689810"/>
-          </a:xfrm>
-        </p:grpSpPr>
-        <p:cxnSp>
-          <p:nvCxnSpPr>
-            <p:cNvPr id="141" name="Straight Arrow Connector 140">
-              <a:extLst>
-                <a:ext uri="{FF2B5EF4-FFF2-40B4-BE49-F238E27FC236}">
-                  <a16:creationId xmlns:a16="http://schemas.microsoft.com/office/drawing/2014/main" id="{847C0906-B568-4B7C-9744-E65CDB796098}"/>
-                </a:ext>
-              </a:extLst>
-            </p:cNvPr>
-            <p:cNvCxnSpPr>
-              <a:cxnSpLocks/>
-            </p:cNvCxnSpPr>
-            <p:nvPr/>
-          </p:nvCxnSpPr>
-          <p:spPr>
-            <a:xfrm flipH="1">
-              <a:off x="8237618" y="2470483"/>
-              <a:ext cx="477243" cy="433137"/>
-            </a:xfrm>
-            <a:prstGeom prst="straightConnector1">
-              <a:avLst/>
-            </a:prstGeom>
-            <a:ln>
-              <a:tailEnd type="triangle"/>
-            </a:ln>
-          </p:spPr>
-          <p:style>
-            <a:lnRef idx="1">
-              <a:schemeClr val="accent1"/>
-            </a:lnRef>
-            <a:fillRef idx="0">
-              <a:schemeClr val="accent1"/>
-            </a:fillRef>
-            <a:effectRef idx="0">
-              <a:schemeClr val="accent1"/>
-            </a:effectRef>
-            <a:fontRef idx="minor">
-              <a:schemeClr val="tx1"/>
-            </a:fontRef>
-          </p:style>
-        </p:cxnSp>
-        <p:sp>
-          <p:nvSpPr>
-            <p:cNvPr id="142" name="Rectangle 141">
-              <a:extLst>
-                <a:ext uri="{FF2B5EF4-FFF2-40B4-BE49-F238E27FC236}">
-                  <a16:creationId xmlns:a16="http://schemas.microsoft.com/office/drawing/2014/main" id="{55715C50-A2C4-430B-AD05-5C7B78A203FD}"/>
-                </a:ext>
-              </a:extLst>
-            </p:cNvPr>
-            <p:cNvSpPr/>
-            <p:nvPr/>
-          </p:nvSpPr>
-          <p:spPr>
-            <a:xfrm>
-              <a:off x="8714861" y="2213810"/>
-              <a:ext cx="1203158" cy="513345"/>
-            </a:xfrm>
-            <a:prstGeom prst="rect">
-              <a:avLst/>
-            </a:prstGeom>
-            <a:noFill/>
-            <a:ln>
-              <a:prstDash val="lgDash"/>
-            </a:ln>
-          </p:spPr>
-          <p:style>
-            <a:lnRef idx="2">
-              <a:schemeClr val="accent1">
-                <a:shade val="50000"/>
-              </a:schemeClr>
-            </a:lnRef>
-            <a:fillRef idx="1">
-              <a:schemeClr val="accent1"/>
-            </a:fillRef>
-            <a:effectRef idx="0">
-              <a:schemeClr val="accent1"/>
-            </a:effectRef>
-            <a:fontRef idx="minor">
-              <a:schemeClr val="lt1"/>
-            </a:fontRef>
-          </p:style>
-          <p:txBody>
-            <a:bodyPr rtlCol="0" anchor="ctr"/>
-            <a:lstStyle/>
-            <a:p>
-              <a:pPr algn="ctr"/>
-              <a:r>
-                <a:rPr lang="en-US" sz="1600" dirty="0">
-                  <a:solidFill>
-                    <a:schemeClr val="tx1"/>
-                  </a:solidFill>
-                </a:rPr>
-                <a:t>Node JS + MongoDB</a:t>
-              </a:r>
-              <a:endParaRPr lang="en-CA" sz="1600" dirty="0">
-                <a:solidFill>
-                  <a:schemeClr val="tx1"/>
-                </a:solidFill>
-              </a:endParaRPr>
-            </a:p>
-          </p:txBody>
-        </p:sp>
-      </p:grpSp>
       <p:sp>
         <p:nvSpPr>
           <p:cNvPr id="67" name="Rectangle: Rounded Corners 60">
@@ -5072,8 +4560,8 @@
         </p:nvSpPr>
         <p:spPr>
           <a:xfrm>
-            <a:off x="4403558" y="2783319"/>
-            <a:ext cx="2494546" cy="834189"/>
+            <a:off x="3769899" y="2783319"/>
+            <a:ext cx="3769890" cy="834189"/>
           </a:xfrm>
           <a:prstGeom prst="roundRect">
             <a:avLst/>
@@ -5081,15 +4569,15 @@
         </p:spPr>
         <p:style>
           <a:lnRef idx="2">
-            <a:schemeClr val="accent1">
+            <a:schemeClr val="accent4">
               <a:shade val="50000"/>
             </a:schemeClr>
           </a:lnRef>
           <a:fillRef idx="1">
-            <a:schemeClr val="accent1"/>
+            <a:schemeClr val="accent4"/>
           </a:fillRef>
           <a:effectRef idx="0">
-            <a:schemeClr val="accent1"/>
+            <a:schemeClr val="accent4"/>
           </a:effectRef>
           <a:fontRef idx="minor">
             <a:schemeClr val="lt1"/>
@@ -5126,8 +4614,8 @@
         </p:nvCxnSpPr>
         <p:spPr>
           <a:xfrm>
-            <a:off x="5650831" y="3617508"/>
-            <a:ext cx="1" cy="342236"/>
+            <a:off x="5654844" y="3617508"/>
+            <a:ext cx="0" cy="320850"/>
           </a:xfrm>
           <a:prstGeom prst="straightConnector1">
             <a:avLst/>

--- a/Architecture/Software architecture.pptx
+++ b/Architecture/Software architecture.pptx
@@ -3361,8 +3361,8 @@
         </p:nvSpPr>
         <p:spPr>
           <a:xfrm>
-            <a:off x="3250531" y="16042"/>
-            <a:ext cx="1283368" cy="1074821"/>
+            <a:off x="3250531" y="84220"/>
+            <a:ext cx="1283368" cy="1006643"/>
           </a:xfrm>
           <a:prstGeom prst="rect">
             <a:avLst/>
@@ -4055,6 +4055,7 @@
             </a:extLst>
           </p:cNvPr>
           <p:cNvCxnSpPr>
+            <a:cxnSpLocks/>
             <a:stCxn id="2" idx="2"/>
             <a:endCxn id="61" idx="0"/>
           </p:cNvCxnSpPr>
@@ -4141,6 +4142,7 @@
             </a:extLst>
           </p:cNvPr>
           <p:cNvCxnSpPr>
+            <a:cxnSpLocks/>
             <a:stCxn id="4" idx="2"/>
             <a:endCxn id="61" idx="0"/>
           </p:cNvCxnSpPr>

--- a/Architecture/Software architecture.pptx
+++ b/Architecture/Software architecture.pptx
@@ -6,6 +6,8 @@
   </p:sldMasterIdLst>
   <p:sldIdLst>
     <p:sldId id="257" r:id="rId2"/>
+    <p:sldId id="258" r:id="rId3"/>
+    <p:sldId id="259" r:id="rId4"/>
   </p:sldIdLst>
   <p:sldSz cx="12192000" cy="6858000"/>
   <p:notesSz cx="6858000" cy="9144000"/>
@@ -261,7 +263,7 @@
           <a:p>
             <a:fld id="{92DB69B7-EEDA-460E-B719-3916B5C9FC71}" type="datetimeFigureOut">
               <a:rPr lang="en-CA" smtClean="0"/>
-              <a:t>2019-02-13</a:t>
+              <a:t>2019-03-14</a:t>
             </a:fld>
             <a:endParaRPr lang="en-CA"/>
           </a:p>
@@ -461,7 +463,7 @@
           <a:p>
             <a:fld id="{92DB69B7-EEDA-460E-B719-3916B5C9FC71}" type="datetimeFigureOut">
               <a:rPr lang="en-CA" smtClean="0"/>
-              <a:t>2019-02-13</a:t>
+              <a:t>2019-03-14</a:t>
             </a:fld>
             <a:endParaRPr lang="en-CA"/>
           </a:p>
@@ -671,7 +673,7 @@
           <a:p>
             <a:fld id="{92DB69B7-EEDA-460E-B719-3916B5C9FC71}" type="datetimeFigureOut">
               <a:rPr lang="en-CA" smtClean="0"/>
-              <a:t>2019-02-13</a:t>
+              <a:t>2019-03-14</a:t>
             </a:fld>
             <a:endParaRPr lang="en-CA"/>
           </a:p>
@@ -871,7 +873,7 @@
           <a:p>
             <a:fld id="{92DB69B7-EEDA-460E-B719-3916B5C9FC71}" type="datetimeFigureOut">
               <a:rPr lang="en-CA" smtClean="0"/>
-              <a:t>2019-02-13</a:t>
+              <a:t>2019-03-14</a:t>
             </a:fld>
             <a:endParaRPr lang="en-CA"/>
           </a:p>
@@ -1147,7 +1149,7 @@
           <a:p>
             <a:fld id="{92DB69B7-EEDA-460E-B719-3916B5C9FC71}" type="datetimeFigureOut">
               <a:rPr lang="en-CA" smtClean="0"/>
-              <a:t>2019-02-13</a:t>
+              <a:t>2019-03-14</a:t>
             </a:fld>
             <a:endParaRPr lang="en-CA"/>
           </a:p>
@@ -1415,7 +1417,7 @@
           <a:p>
             <a:fld id="{92DB69B7-EEDA-460E-B719-3916B5C9FC71}" type="datetimeFigureOut">
               <a:rPr lang="en-CA" smtClean="0"/>
-              <a:t>2019-02-13</a:t>
+              <a:t>2019-03-14</a:t>
             </a:fld>
             <a:endParaRPr lang="en-CA"/>
           </a:p>
@@ -1830,7 +1832,7 @@
           <a:p>
             <a:fld id="{92DB69B7-EEDA-460E-B719-3916B5C9FC71}" type="datetimeFigureOut">
               <a:rPr lang="en-CA" smtClean="0"/>
-              <a:t>2019-02-13</a:t>
+              <a:t>2019-03-14</a:t>
             </a:fld>
             <a:endParaRPr lang="en-CA"/>
           </a:p>
@@ -1972,7 +1974,7 @@
           <a:p>
             <a:fld id="{92DB69B7-EEDA-460E-B719-3916B5C9FC71}" type="datetimeFigureOut">
               <a:rPr lang="en-CA" smtClean="0"/>
-              <a:t>2019-02-13</a:t>
+              <a:t>2019-03-14</a:t>
             </a:fld>
             <a:endParaRPr lang="en-CA"/>
           </a:p>
@@ -2085,7 +2087,7 @@
           <a:p>
             <a:fld id="{92DB69B7-EEDA-460E-B719-3916B5C9FC71}" type="datetimeFigureOut">
               <a:rPr lang="en-CA" smtClean="0"/>
-              <a:t>2019-02-13</a:t>
+              <a:t>2019-03-14</a:t>
             </a:fld>
             <a:endParaRPr lang="en-CA"/>
           </a:p>
@@ -2398,7 +2400,7 @@
           <a:p>
             <a:fld id="{92DB69B7-EEDA-460E-B719-3916B5C9FC71}" type="datetimeFigureOut">
               <a:rPr lang="en-CA" smtClean="0"/>
-              <a:t>2019-02-13</a:t>
+              <a:t>2019-03-14</a:t>
             </a:fld>
             <a:endParaRPr lang="en-CA"/>
           </a:p>
@@ -2687,7 +2689,7 @@
           <a:p>
             <a:fld id="{92DB69B7-EEDA-460E-B719-3916B5C9FC71}" type="datetimeFigureOut">
               <a:rPr lang="en-CA" smtClean="0"/>
-              <a:t>2019-02-13</a:t>
+              <a:t>2019-03-14</a:t>
             </a:fld>
             <a:endParaRPr lang="en-CA"/>
           </a:p>
@@ -2930,7 +2932,7 @@
           <a:p>
             <a:fld id="{92DB69B7-EEDA-460E-B719-3916B5C9FC71}" type="datetimeFigureOut">
               <a:rPr lang="en-CA" smtClean="0"/>
-              <a:t>2019-02-13</a:t>
+              <a:t>2019-03-14</a:t>
             </a:fld>
             <a:endParaRPr lang="en-CA"/>
           </a:p>
@@ -4655,6 +4657,3151 @@
 </p:sld>
 </file>
 
+<file path=ppt/slides/slide2.xml><?xml version="1.0" encoding="utf-8"?>
+<p:sld xmlns:a="http://schemas.openxmlformats.org/drawingml/2006/main" xmlns:r="http://schemas.openxmlformats.org/officeDocument/2006/relationships" xmlns:p="http://schemas.openxmlformats.org/presentationml/2006/main">
+  <p:cSld>
+    <p:spTree>
+      <p:nvGrpSpPr>
+        <p:cNvPr id="1" name=""/>
+        <p:cNvGrpSpPr/>
+        <p:nvPr/>
+      </p:nvGrpSpPr>
+      <p:grpSpPr>
+        <a:xfrm>
+          <a:off x="0" y="0"/>
+          <a:ext cx="0" cy="0"/>
+          <a:chOff x="0" y="0"/>
+          <a:chExt cx="0" cy="0"/>
+        </a:xfrm>
+      </p:grpSpPr>
+      <p:sp>
+        <p:nvSpPr>
+          <p:cNvPr id="2" name="Rectangle 1">
+            <a:extLst>
+              <a:ext uri="{FF2B5EF4-FFF2-40B4-BE49-F238E27FC236}">
+                <a16:creationId xmlns:a16="http://schemas.microsoft.com/office/drawing/2014/main" id="{2E685D9A-D6C9-48F3-BD3A-ADC2EF248B40}"/>
+              </a:ext>
+            </a:extLst>
+          </p:cNvPr>
+          <p:cNvSpPr/>
+          <p:nvPr/>
+        </p:nvSpPr>
+        <p:spPr>
+          <a:xfrm>
+            <a:off x="593559" y="1106901"/>
+            <a:ext cx="3096126" cy="5542547"/>
+          </a:xfrm>
+          <a:prstGeom prst="rect">
+            <a:avLst/>
+          </a:prstGeom>
+          <a:solidFill>
+            <a:schemeClr val="accent3">
+              <a:alpha val="50000"/>
+            </a:schemeClr>
+          </a:solidFill>
+          <a:ln>
+            <a:noFill/>
+          </a:ln>
+        </p:spPr>
+        <p:style>
+          <a:lnRef idx="0">
+            <a:scrgbClr r="0" g="0" b="0"/>
+          </a:lnRef>
+          <a:fillRef idx="0">
+            <a:scrgbClr r="0" g="0" b="0"/>
+          </a:fillRef>
+          <a:effectRef idx="0">
+            <a:scrgbClr r="0" g="0" b="0"/>
+          </a:effectRef>
+          <a:fontRef idx="minor">
+            <a:schemeClr val="lt1"/>
+          </a:fontRef>
+        </p:style>
+        <p:txBody>
+          <a:bodyPr rtlCol="0" anchor="ctr"/>
+          <a:lstStyle/>
+          <a:p>
+            <a:pPr algn="ctr"/>
+            <a:endParaRPr lang="en-CA" dirty="0"/>
+          </a:p>
+        </p:txBody>
+      </p:sp>
+      <p:sp>
+        <p:nvSpPr>
+          <p:cNvPr id="3" name="Rectangle 2">
+            <a:extLst>
+              <a:ext uri="{FF2B5EF4-FFF2-40B4-BE49-F238E27FC236}">
+                <a16:creationId xmlns:a16="http://schemas.microsoft.com/office/drawing/2014/main" id="{97940458-92E8-403C-A872-B8E955E79FE1}"/>
+              </a:ext>
+            </a:extLst>
+          </p:cNvPr>
+          <p:cNvSpPr/>
+          <p:nvPr/>
+        </p:nvSpPr>
+        <p:spPr>
+          <a:xfrm>
+            <a:off x="4555959" y="1106901"/>
+            <a:ext cx="3096126" cy="5542547"/>
+          </a:xfrm>
+          <a:prstGeom prst="rect">
+            <a:avLst/>
+          </a:prstGeom>
+          <a:solidFill>
+            <a:schemeClr val="accent6">
+              <a:alpha val="50000"/>
+            </a:schemeClr>
+          </a:solidFill>
+          <a:ln>
+            <a:noFill/>
+          </a:ln>
+        </p:spPr>
+        <p:style>
+          <a:lnRef idx="0">
+            <a:scrgbClr r="0" g="0" b="0"/>
+          </a:lnRef>
+          <a:fillRef idx="0">
+            <a:scrgbClr r="0" g="0" b="0"/>
+          </a:fillRef>
+          <a:effectRef idx="0">
+            <a:scrgbClr r="0" g="0" b="0"/>
+          </a:effectRef>
+          <a:fontRef idx="minor">
+            <a:schemeClr val="lt1"/>
+          </a:fontRef>
+        </p:style>
+        <p:txBody>
+          <a:bodyPr rtlCol="0" anchor="ctr"/>
+          <a:lstStyle/>
+          <a:p>
+            <a:pPr algn="ctr"/>
+            <a:endParaRPr lang="en-CA"/>
+          </a:p>
+        </p:txBody>
+      </p:sp>
+      <p:sp>
+        <p:nvSpPr>
+          <p:cNvPr id="4" name="Rectangle 3">
+            <a:extLst>
+              <a:ext uri="{FF2B5EF4-FFF2-40B4-BE49-F238E27FC236}">
+                <a16:creationId xmlns:a16="http://schemas.microsoft.com/office/drawing/2014/main" id="{5E605634-2204-48D4-82A3-8A60EA22205D}"/>
+              </a:ext>
+            </a:extLst>
+          </p:cNvPr>
+          <p:cNvSpPr/>
+          <p:nvPr/>
+        </p:nvSpPr>
+        <p:spPr>
+          <a:xfrm>
+            <a:off x="8502317" y="1106901"/>
+            <a:ext cx="3096126" cy="5542547"/>
+          </a:xfrm>
+          <a:prstGeom prst="rect">
+            <a:avLst/>
+          </a:prstGeom>
+          <a:solidFill>
+            <a:schemeClr val="accent5">
+              <a:alpha val="50000"/>
+            </a:schemeClr>
+          </a:solidFill>
+          <a:ln>
+            <a:noFill/>
+          </a:ln>
+        </p:spPr>
+        <p:style>
+          <a:lnRef idx="0">
+            <a:scrgbClr r="0" g="0" b="0"/>
+          </a:lnRef>
+          <a:fillRef idx="0">
+            <a:scrgbClr r="0" g="0" b="0"/>
+          </a:fillRef>
+          <a:effectRef idx="0">
+            <a:scrgbClr r="0" g="0" b="0"/>
+          </a:effectRef>
+          <a:fontRef idx="minor">
+            <a:schemeClr val="lt1"/>
+          </a:fontRef>
+        </p:style>
+        <p:txBody>
+          <a:bodyPr rtlCol="0" anchor="ctr"/>
+          <a:lstStyle/>
+          <a:p>
+            <a:pPr algn="ctr"/>
+            <a:endParaRPr lang="en-CA"/>
+          </a:p>
+        </p:txBody>
+      </p:sp>
+      <p:sp>
+        <p:nvSpPr>
+          <p:cNvPr id="5" name="Rectangle 4">
+            <a:extLst>
+              <a:ext uri="{FF2B5EF4-FFF2-40B4-BE49-F238E27FC236}">
+                <a16:creationId xmlns:a16="http://schemas.microsoft.com/office/drawing/2014/main" id="{9D1531BB-1E23-4F9F-A6DB-84FB5107CEA5}"/>
+              </a:ext>
+            </a:extLst>
+          </p:cNvPr>
+          <p:cNvSpPr/>
+          <p:nvPr/>
+        </p:nvSpPr>
+        <p:spPr>
+          <a:xfrm>
+            <a:off x="1232234" y="2181807"/>
+            <a:ext cx="1836821" cy="2518611"/>
+          </a:xfrm>
+          <a:prstGeom prst="rect">
+            <a:avLst/>
+          </a:prstGeom>
+        </p:spPr>
+        <p:style>
+          <a:lnRef idx="2">
+            <a:schemeClr val="accent1"/>
+          </a:lnRef>
+          <a:fillRef idx="1">
+            <a:schemeClr val="lt1"/>
+          </a:fillRef>
+          <a:effectRef idx="0">
+            <a:schemeClr val="accent1"/>
+          </a:effectRef>
+          <a:fontRef idx="minor">
+            <a:schemeClr val="dk1"/>
+          </a:fontRef>
+        </p:style>
+        <p:txBody>
+          <a:bodyPr rtlCol="0" anchor="ctr"/>
+          <a:lstStyle/>
+          <a:p>
+            <a:pPr algn="ctr"/>
+            <a:endParaRPr lang="en-US" dirty="0"/>
+          </a:p>
+          <a:p>
+            <a:pPr algn="ctr"/>
+            <a:endParaRPr lang="en-US" dirty="0"/>
+          </a:p>
+          <a:p>
+            <a:pPr algn="ctr"/>
+            <a:endParaRPr lang="en-US" dirty="0"/>
+          </a:p>
+          <a:p>
+            <a:pPr algn="ctr"/>
+            <a:endParaRPr lang="en-US" dirty="0"/>
+          </a:p>
+          <a:p>
+            <a:pPr algn="ctr"/>
+            <a:r>
+              <a:rPr lang="en-US" dirty="0"/>
+              <a:t>Client</a:t>
+            </a:r>
+            <a:br>
+              <a:rPr lang="en-US" dirty="0"/>
+            </a:br>
+            <a:r>
+              <a:rPr lang="en-US" sz="1600" dirty="0"/>
+              <a:t>(React)</a:t>
+            </a:r>
+            <a:endParaRPr lang="en-CA" dirty="0"/>
+          </a:p>
+        </p:txBody>
+      </p:sp>
+      <p:sp>
+        <p:nvSpPr>
+          <p:cNvPr id="7" name="Rectangle 6">
+            <a:extLst>
+              <a:ext uri="{FF2B5EF4-FFF2-40B4-BE49-F238E27FC236}">
+                <a16:creationId xmlns:a16="http://schemas.microsoft.com/office/drawing/2014/main" id="{A209A038-6FE2-4881-8D05-AB64975B66E0}"/>
+              </a:ext>
+            </a:extLst>
+          </p:cNvPr>
+          <p:cNvSpPr/>
+          <p:nvPr/>
+        </p:nvSpPr>
+        <p:spPr>
+          <a:xfrm>
+            <a:off x="9131962" y="2209063"/>
+            <a:ext cx="1836821" cy="717885"/>
+          </a:xfrm>
+          <a:prstGeom prst="rect">
+            <a:avLst/>
+          </a:prstGeom>
+        </p:spPr>
+        <p:style>
+          <a:lnRef idx="2">
+            <a:schemeClr val="accent6"/>
+          </a:lnRef>
+          <a:fillRef idx="1">
+            <a:schemeClr val="lt1"/>
+          </a:fillRef>
+          <a:effectRef idx="0">
+            <a:schemeClr val="accent6"/>
+          </a:effectRef>
+          <a:fontRef idx="minor">
+            <a:schemeClr val="dk1"/>
+          </a:fontRef>
+        </p:style>
+        <p:txBody>
+          <a:bodyPr rtlCol="0" anchor="ctr"/>
+          <a:lstStyle/>
+          <a:p>
+            <a:pPr algn="ctr"/>
+            <a:r>
+              <a:rPr lang="en-US" dirty="0"/>
+              <a:t>Restaurant </a:t>
+            </a:r>
+            <a:r>
+              <a:rPr lang="en-US" sz="1400" dirty="0"/>
+              <a:t>microservice </a:t>
+            </a:r>
+            <a:br>
+              <a:rPr lang="en-US" sz="1400" dirty="0"/>
+            </a:br>
+            <a:r>
+              <a:rPr lang="en-US" sz="1400" dirty="0"/>
+              <a:t>(Java Spring)</a:t>
+            </a:r>
+            <a:endParaRPr lang="en-CA" dirty="0"/>
+          </a:p>
+        </p:txBody>
+      </p:sp>
+      <p:sp>
+        <p:nvSpPr>
+          <p:cNvPr id="8" name="TextBox 7">
+            <a:extLst>
+              <a:ext uri="{FF2B5EF4-FFF2-40B4-BE49-F238E27FC236}">
+                <a16:creationId xmlns:a16="http://schemas.microsoft.com/office/drawing/2014/main" id="{2E94F2BB-C72A-4B40-B891-C803DC490A38}"/>
+              </a:ext>
+            </a:extLst>
+          </p:cNvPr>
+          <p:cNvSpPr txBox="1"/>
+          <p:nvPr/>
+        </p:nvSpPr>
+        <p:spPr>
+          <a:xfrm>
+            <a:off x="946484" y="1403680"/>
+            <a:ext cx="2390274" cy="369332"/>
+          </a:xfrm>
+          <a:prstGeom prst="rect">
+            <a:avLst/>
+          </a:prstGeom>
+          <a:noFill/>
+        </p:spPr>
+        <p:txBody>
+          <a:bodyPr wrap="square" rtlCol="0">
+            <a:spAutoFit/>
+          </a:bodyPr>
+          <a:lstStyle/>
+          <a:p>
+            <a:pPr algn="ctr"/>
+            <a:r>
+              <a:rPr lang="en-US" dirty="0"/>
+              <a:t>Client Layer</a:t>
+            </a:r>
+            <a:endParaRPr lang="en-CA" dirty="0"/>
+          </a:p>
+        </p:txBody>
+      </p:sp>
+      <p:sp>
+        <p:nvSpPr>
+          <p:cNvPr id="9" name="TextBox 8">
+            <a:extLst>
+              <a:ext uri="{FF2B5EF4-FFF2-40B4-BE49-F238E27FC236}">
+                <a16:creationId xmlns:a16="http://schemas.microsoft.com/office/drawing/2014/main" id="{B73965F2-2469-4F21-A650-F58CCE0DE30C}"/>
+              </a:ext>
+            </a:extLst>
+          </p:cNvPr>
+          <p:cNvSpPr txBox="1"/>
+          <p:nvPr/>
+        </p:nvSpPr>
+        <p:spPr>
+          <a:xfrm>
+            <a:off x="4900863" y="1401129"/>
+            <a:ext cx="2390274" cy="369332"/>
+          </a:xfrm>
+          <a:prstGeom prst="rect">
+            <a:avLst/>
+          </a:prstGeom>
+          <a:noFill/>
+        </p:spPr>
+        <p:txBody>
+          <a:bodyPr wrap="square" rtlCol="0">
+            <a:spAutoFit/>
+          </a:bodyPr>
+          <a:lstStyle/>
+          <a:p>
+            <a:pPr algn="ctr"/>
+            <a:r>
+              <a:rPr lang="en-US" dirty="0"/>
+              <a:t>Access Layer</a:t>
+            </a:r>
+            <a:endParaRPr lang="en-CA" dirty="0"/>
+          </a:p>
+        </p:txBody>
+      </p:sp>
+      <p:sp>
+        <p:nvSpPr>
+          <p:cNvPr id="10" name="TextBox 9">
+            <a:extLst>
+              <a:ext uri="{FF2B5EF4-FFF2-40B4-BE49-F238E27FC236}">
+                <a16:creationId xmlns:a16="http://schemas.microsoft.com/office/drawing/2014/main" id="{AA43E1E3-EE41-4D36-9AAB-23139F197585}"/>
+              </a:ext>
+            </a:extLst>
+          </p:cNvPr>
+          <p:cNvSpPr txBox="1"/>
+          <p:nvPr/>
+        </p:nvSpPr>
+        <p:spPr>
+          <a:xfrm>
+            <a:off x="8855242" y="1403680"/>
+            <a:ext cx="2390274" cy="369332"/>
+          </a:xfrm>
+          <a:prstGeom prst="rect">
+            <a:avLst/>
+          </a:prstGeom>
+          <a:noFill/>
+        </p:spPr>
+        <p:txBody>
+          <a:bodyPr wrap="square" rtlCol="0">
+            <a:spAutoFit/>
+          </a:bodyPr>
+          <a:lstStyle/>
+          <a:p>
+            <a:pPr algn="ctr"/>
+            <a:r>
+              <a:rPr lang="en-US" dirty="0"/>
+              <a:t>Protected Layer</a:t>
+            </a:r>
+            <a:endParaRPr lang="en-CA" dirty="0"/>
+          </a:p>
+        </p:txBody>
+      </p:sp>
+      <p:pic>
+        <p:nvPicPr>
+          <p:cNvPr id="12" name="Graphic 11" descr="Monitor">
+            <a:extLst>
+              <a:ext uri="{FF2B5EF4-FFF2-40B4-BE49-F238E27FC236}">
+                <a16:creationId xmlns:a16="http://schemas.microsoft.com/office/drawing/2014/main" id="{40987F5E-A4BC-4CD0-A639-314EEC06644D}"/>
+              </a:ext>
+            </a:extLst>
+          </p:cNvPr>
+          <p:cNvPicPr>
+            <a:picLocks noChangeAspect="1"/>
+          </p:cNvPicPr>
+          <p:nvPr/>
+        </p:nvPicPr>
+        <p:blipFill>
+          <a:blip r:embed="rId2">
+            <a:extLst>
+              <a:ext uri="{28A0092B-C50C-407E-A947-70E740481C1C}">
+                <a14:useLocalDpi xmlns:a14="http://schemas.microsoft.com/office/drawing/2010/main" val="0"/>
+              </a:ext>
+              <a:ext uri="{96DAC541-7B7A-43D3-8B79-37D633B846F1}">
+                <asvg:svgBlip xmlns:asvg="http://schemas.microsoft.com/office/drawing/2016/SVG/main" r:embed="rId3"/>
+              </a:ext>
+            </a:extLst>
+          </a:blip>
+          <a:stretch>
+            <a:fillRect/>
+          </a:stretch>
+        </p:blipFill>
+        <p:spPr>
+          <a:xfrm>
+            <a:off x="1222209" y="2255433"/>
+            <a:ext cx="914400" cy="914400"/>
+          </a:xfrm>
+          <a:prstGeom prst="rect">
+            <a:avLst/>
+          </a:prstGeom>
+        </p:spPr>
+      </p:pic>
+      <p:pic>
+        <p:nvPicPr>
+          <p:cNvPr id="14" name="Graphic 13" descr="Smart Phone">
+            <a:extLst>
+              <a:ext uri="{FF2B5EF4-FFF2-40B4-BE49-F238E27FC236}">
+                <a16:creationId xmlns:a16="http://schemas.microsoft.com/office/drawing/2014/main" id="{6C840C45-AA10-4E8A-A794-CC35EAEF2C75}"/>
+              </a:ext>
+            </a:extLst>
+          </p:cNvPr>
+          <p:cNvPicPr>
+            <a:picLocks noChangeAspect="1"/>
+          </p:cNvPicPr>
+          <p:nvPr/>
+        </p:nvPicPr>
+        <p:blipFill>
+          <a:blip r:embed="rId4">
+            <a:extLst>
+              <a:ext uri="{28A0092B-C50C-407E-A947-70E740481C1C}">
+                <a14:useLocalDpi xmlns:a14="http://schemas.microsoft.com/office/drawing/2010/main" val="0"/>
+              </a:ext>
+              <a:ext uri="{96DAC541-7B7A-43D3-8B79-37D633B846F1}">
+                <asvg:svgBlip xmlns:asvg="http://schemas.microsoft.com/office/drawing/2016/SVG/main" r:embed="rId5"/>
+              </a:ext>
+            </a:extLst>
+          </a:blip>
+          <a:stretch>
+            <a:fillRect/>
+          </a:stretch>
+        </p:blipFill>
+        <p:spPr>
+          <a:xfrm>
+            <a:off x="2154655" y="2342632"/>
+            <a:ext cx="914400" cy="914400"/>
+          </a:xfrm>
+          <a:prstGeom prst="rect">
+            <a:avLst/>
+          </a:prstGeom>
+        </p:spPr>
+      </p:pic>
+      <p:sp>
+        <p:nvSpPr>
+          <p:cNvPr id="17" name="Rectangle 16">
+            <a:extLst>
+              <a:ext uri="{FF2B5EF4-FFF2-40B4-BE49-F238E27FC236}">
+                <a16:creationId xmlns:a16="http://schemas.microsoft.com/office/drawing/2014/main" id="{2F22ECA7-F326-4FAC-9283-F72620819EEB}"/>
+              </a:ext>
+            </a:extLst>
+          </p:cNvPr>
+          <p:cNvSpPr/>
+          <p:nvPr/>
+        </p:nvSpPr>
+        <p:spPr>
+          <a:xfrm>
+            <a:off x="5136987" y="5215043"/>
+            <a:ext cx="1836821" cy="1215189"/>
+          </a:xfrm>
+          <a:prstGeom prst="rect">
+            <a:avLst/>
+          </a:prstGeom>
+        </p:spPr>
+        <p:style>
+          <a:lnRef idx="2">
+            <a:schemeClr val="dk1"/>
+          </a:lnRef>
+          <a:fillRef idx="1">
+            <a:schemeClr val="lt1"/>
+          </a:fillRef>
+          <a:effectRef idx="0">
+            <a:schemeClr val="dk1"/>
+          </a:effectRef>
+          <a:fontRef idx="minor">
+            <a:schemeClr val="dk1"/>
+          </a:fontRef>
+        </p:style>
+        <p:txBody>
+          <a:bodyPr rtlCol="0" anchor="ctr"/>
+          <a:lstStyle/>
+          <a:p>
+            <a:pPr algn="ctr"/>
+            <a:r>
+              <a:rPr lang="en-US" dirty="0"/>
+              <a:t>Auth</a:t>
+            </a:r>
+          </a:p>
+          <a:p>
+            <a:pPr algn="ctr"/>
+            <a:r>
+              <a:rPr lang="en-US" sz="1400" dirty="0"/>
+              <a:t>(node.js)</a:t>
+            </a:r>
+          </a:p>
+        </p:txBody>
+      </p:sp>
+      <p:sp>
+        <p:nvSpPr>
+          <p:cNvPr id="18" name="Rectangle 17">
+            <a:extLst>
+              <a:ext uri="{FF2B5EF4-FFF2-40B4-BE49-F238E27FC236}">
+                <a16:creationId xmlns:a16="http://schemas.microsoft.com/office/drawing/2014/main" id="{8722725C-8915-4AB2-98DA-9E3CE5A3AD51}"/>
+              </a:ext>
+            </a:extLst>
+          </p:cNvPr>
+          <p:cNvSpPr/>
+          <p:nvPr/>
+        </p:nvSpPr>
+        <p:spPr>
+          <a:xfrm>
+            <a:off x="5171573" y="2252630"/>
+            <a:ext cx="1836821" cy="2088307"/>
+          </a:xfrm>
+          <a:prstGeom prst="rect">
+            <a:avLst/>
+          </a:prstGeom>
+          <a:ln w="19050"/>
+        </p:spPr>
+        <p:style>
+          <a:lnRef idx="2">
+            <a:schemeClr val="accent2"/>
+          </a:lnRef>
+          <a:fillRef idx="1">
+            <a:schemeClr val="lt1"/>
+          </a:fillRef>
+          <a:effectRef idx="0">
+            <a:schemeClr val="accent2"/>
+          </a:effectRef>
+          <a:fontRef idx="minor">
+            <a:schemeClr val="dk1"/>
+          </a:fontRef>
+        </p:style>
+        <p:txBody>
+          <a:bodyPr rtlCol="0" anchor="ctr"/>
+          <a:lstStyle/>
+          <a:p>
+            <a:pPr algn="ctr"/>
+            <a:r>
+              <a:rPr lang="en-US" dirty="0"/>
+              <a:t>Gateway</a:t>
+            </a:r>
+          </a:p>
+          <a:p>
+            <a:pPr algn="ctr"/>
+            <a:r>
+              <a:rPr lang="en-US" sz="1400" dirty="0"/>
+              <a:t>(node.js)</a:t>
+            </a:r>
+          </a:p>
+        </p:txBody>
+      </p:sp>
+      <p:sp>
+        <p:nvSpPr>
+          <p:cNvPr id="19" name="Rectangle 18">
+            <a:extLst>
+              <a:ext uri="{FF2B5EF4-FFF2-40B4-BE49-F238E27FC236}">
+                <a16:creationId xmlns:a16="http://schemas.microsoft.com/office/drawing/2014/main" id="{D034A3D9-0A8E-4F99-A19F-169E2B3B2C38}"/>
+              </a:ext>
+            </a:extLst>
+          </p:cNvPr>
+          <p:cNvSpPr/>
+          <p:nvPr/>
+        </p:nvSpPr>
+        <p:spPr>
+          <a:xfrm>
+            <a:off x="9131963" y="3406571"/>
+            <a:ext cx="1836821" cy="717885"/>
+          </a:xfrm>
+          <a:prstGeom prst="rect">
+            <a:avLst/>
+          </a:prstGeom>
+        </p:spPr>
+        <p:style>
+          <a:lnRef idx="2">
+            <a:schemeClr val="accent1"/>
+          </a:lnRef>
+          <a:fillRef idx="1">
+            <a:schemeClr val="lt1"/>
+          </a:fillRef>
+          <a:effectRef idx="0">
+            <a:schemeClr val="accent1"/>
+          </a:effectRef>
+          <a:fontRef idx="minor">
+            <a:schemeClr val="dk1"/>
+          </a:fontRef>
+        </p:style>
+        <p:txBody>
+          <a:bodyPr rtlCol="0" anchor="ctr"/>
+          <a:lstStyle/>
+          <a:p>
+            <a:pPr algn="ctr"/>
+            <a:r>
+              <a:rPr lang="en-US" dirty="0"/>
+              <a:t>Museums</a:t>
+            </a:r>
+          </a:p>
+          <a:p>
+            <a:pPr algn="ctr"/>
+            <a:r>
+              <a:rPr lang="en-US" sz="1400" dirty="0"/>
+              <a:t>Microservice</a:t>
+            </a:r>
+          </a:p>
+          <a:p>
+            <a:pPr algn="ctr"/>
+            <a:r>
+              <a:rPr lang="en-US" sz="1400" dirty="0"/>
+              <a:t>(Java Spring)</a:t>
+            </a:r>
+            <a:endParaRPr lang="en-CA" sz="1400" dirty="0"/>
+          </a:p>
+        </p:txBody>
+      </p:sp>
+      <p:sp>
+        <p:nvSpPr>
+          <p:cNvPr id="20" name="Rectangle 19">
+            <a:extLst>
+              <a:ext uri="{FF2B5EF4-FFF2-40B4-BE49-F238E27FC236}">
+                <a16:creationId xmlns:a16="http://schemas.microsoft.com/office/drawing/2014/main" id="{C5D75DFC-43A2-4B73-B597-C1CD2C60C63B}"/>
+              </a:ext>
+            </a:extLst>
+          </p:cNvPr>
+          <p:cNvSpPr/>
+          <p:nvPr/>
+        </p:nvSpPr>
+        <p:spPr>
+          <a:xfrm>
+            <a:off x="9131964" y="4604079"/>
+            <a:ext cx="1836821" cy="717885"/>
+          </a:xfrm>
+          <a:prstGeom prst="rect">
+            <a:avLst/>
+          </a:prstGeom>
+        </p:spPr>
+        <p:style>
+          <a:lnRef idx="2">
+            <a:schemeClr val="accent2"/>
+          </a:lnRef>
+          <a:fillRef idx="1">
+            <a:schemeClr val="lt1"/>
+          </a:fillRef>
+          <a:effectRef idx="0">
+            <a:schemeClr val="accent2"/>
+          </a:effectRef>
+          <a:fontRef idx="minor">
+            <a:schemeClr val="dk1"/>
+          </a:fontRef>
+        </p:style>
+        <p:txBody>
+          <a:bodyPr rtlCol="0" anchor="ctr"/>
+          <a:lstStyle/>
+          <a:p>
+            <a:pPr algn="ctr"/>
+            <a:r>
+              <a:rPr lang="en-US" dirty="0"/>
+              <a:t>Software companies </a:t>
+            </a:r>
+            <a:r>
+              <a:rPr lang="en-US" sz="1400" dirty="0"/>
+              <a:t>microservice (node.js)</a:t>
+            </a:r>
+            <a:endParaRPr lang="en-CA" dirty="0"/>
+          </a:p>
+        </p:txBody>
+      </p:sp>
+      <p:sp>
+        <p:nvSpPr>
+          <p:cNvPr id="21" name="Rectangle 20">
+            <a:extLst>
+              <a:ext uri="{FF2B5EF4-FFF2-40B4-BE49-F238E27FC236}">
+                <a16:creationId xmlns:a16="http://schemas.microsoft.com/office/drawing/2014/main" id="{812938D6-BEFA-41C1-9599-EA7A2083F549}"/>
+              </a:ext>
+            </a:extLst>
+          </p:cNvPr>
+          <p:cNvSpPr/>
+          <p:nvPr/>
+        </p:nvSpPr>
+        <p:spPr>
+          <a:xfrm>
+            <a:off x="9131964" y="5758015"/>
+            <a:ext cx="1836821" cy="717885"/>
+          </a:xfrm>
+          <a:prstGeom prst="rect">
+            <a:avLst/>
+          </a:prstGeom>
+        </p:spPr>
+        <p:style>
+          <a:lnRef idx="2">
+            <a:schemeClr val="dk1"/>
+          </a:lnRef>
+          <a:fillRef idx="1">
+            <a:schemeClr val="lt1"/>
+          </a:fillRef>
+          <a:effectRef idx="0">
+            <a:schemeClr val="dk1"/>
+          </a:effectRef>
+          <a:fontRef idx="minor">
+            <a:schemeClr val="dk1"/>
+          </a:fontRef>
+        </p:style>
+        <p:txBody>
+          <a:bodyPr rtlCol="0" anchor="ctr"/>
+          <a:lstStyle/>
+          <a:p>
+            <a:pPr algn="ctr"/>
+            <a:r>
+              <a:rPr lang="en-US" dirty="0"/>
+              <a:t>Ski resorts </a:t>
+            </a:r>
+            <a:r>
+              <a:rPr lang="en-US" sz="1400" dirty="0"/>
+              <a:t>microservice</a:t>
+            </a:r>
+          </a:p>
+          <a:p>
+            <a:pPr algn="ctr"/>
+            <a:r>
+              <a:rPr lang="en-US" sz="1400" dirty="0"/>
+              <a:t>(Java Spring)</a:t>
+            </a:r>
+            <a:endParaRPr lang="en-CA" dirty="0"/>
+          </a:p>
+        </p:txBody>
+      </p:sp>
+      <p:cxnSp>
+        <p:nvCxnSpPr>
+          <p:cNvPr id="24" name="Straight Arrow Connector 23">
+            <a:extLst>
+              <a:ext uri="{FF2B5EF4-FFF2-40B4-BE49-F238E27FC236}">
+                <a16:creationId xmlns:a16="http://schemas.microsoft.com/office/drawing/2014/main" id="{F5817EF9-8D65-48C5-A446-AA90F9D98070}"/>
+              </a:ext>
+            </a:extLst>
+          </p:cNvPr>
+          <p:cNvCxnSpPr/>
+          <p:nvPr/>
+        </p:nvCxnSpPr>
+        <p:spPr>
+          <a:xfrm>
+            <a:off x="3060032" y="3938327"/>
+            <a:ext cx="2111542" cy="0"/>
+          </a:xfrm>
+          <a:prstGeom prst="straightConnector1">
+            <a:avLst/>
+          </a:prstGeom>
+          <a:ln>
+            <a:tailEnd type="triangle"/>
+          </a:ln>
+        </p:spPr>
+        <p:style>
+          <a:lnRef idx="1">
+            <a:schemeClr val="accent1"/>
+          </a:lnRef>
+          <a:fillRef idx="0">
+            <a:schemeClr val="accent1"/>
+          </a:fillRef>
+          <a:effectRef idx="0">
+            <a:schemeClr val="accent1"/>
+          </a:effectRef>
+          <a:fontRef idx="minor">
+            <a:schemeClr val="tx1"/>
+          </a:fontRef>
+        </p:style>
+      </p:cxnSp>
+      <p:cxnSp>
+        <p:nvCxnSpPr>
+          <p:cNvPr id="25" name="Straight Arrow Connector 24">
+            <a:extLst>
+              <a:ext uri="{FF2B5EF4-FFF2-40B4-BE49-F238E27FC236}">
+                <a16:creationId xmlns:a16="http://schemas.microsoft.com/office/drawing/2014/main" id="{733419AE-59E7-456A-8E18-671E947608EB}"/>
+              </a:ext>
+            </a:extLst>
+          </p:cNvPr>
+          <p:cNvCxnSpPr>
+            <a:cxnSpLocks/>
+          </p:cNvCxnSpPr>
+          <p:nvPr/>
+        </p:nvCxnSpPr>
+        <p:spPr>
+          <a:xfrm flipV="1">
+            <a:off x="7008394" y="2395096"/>
+            <a:ext cx="2123568" cy="126499"/>
+          </a:xfrm>
+          <a:prstGeom prst="straightConnector1">
+            <a:avLst/>
+          </a:prstGeom>
+          <a:ln w="19050">
+            <a:tailEnd type="triangle"/>
+          </a:ln>
+        </p:spPr>
+        <p:style>
+          <a:lnRef idx="3">
+            <a:schemeClr val="accent2"/>
+          </a:lnRef>
+          <a:fillRef idx="0">
+            <a:schemeClr val="accent2"/>
+          </a:fillRef>
+          <a:effectRef idx="2">
+            <a:schemeClr val="accent2"/>
+          </a:effectRef>
+          <a:fontRef idx="minor">
+            <a:schemeClr val="tx1"/>
+          </a:fontRef>
+        </p:style>
+      </p:cxnSp>
+      <p:cxnSp>
+        <p:nvCxnSpPr>
+          <p:cNvPr id="28" name="Straight Arrow Connector 27">
+            <a:extLst>
+              <a:ext uri="{FF2B5EF4-FFF2-40B4-BE49-F238E27FC236}">
+                <a16:creationId xmlns:a16="http://schemas.microsoft.com/office/drawing/2014/main" id="{2AFE8443-B31F-49A4-92E8-689D25873771}"/>
+              </a:ext>
+            </a:extLst>
+          </p:cNvPr>
+          <p:cNvCxnSpPr>
+            <a:cxnSpLocks/>
+          </p:cNvCxnSpPr>
+          <p:nvPr/>
+        </p:nvCxnSpPr>
+        <p:spPr>
+          <a:xfrm>
+            <a:off x="7008394" y="2985720"/>
+            <a:ext cx="2123568" cy="645236"/>
+          </a:xfrm>
+          <a:prstGeom prst="straightConnector1">
+            <a:avLst/>
+          </a:prstGeom>
+          <a:ln w="19050">
+            <a:tailEnd type="triangle"/>
+          </a:ln>
+        </p:spPr>
+        <p:style>
+          <a:lnRef idx="3">
+            <a:schemeClr val="accent2"/>
+          </a:lnRef>
+          <a:fillRef idx="0">
+            <a:schemeClr val="accent2"/>
+          </a:fillRef>
+          <a:effectRef idx="2">
+            <a:schemeClr val="accent2"/>
+          </a:effectRef>
+          <a:fontRef idx="minor">
+            <a:schemeClr val="tx1"/>
+          </a:fontRef>
+        </p:style>
+      </p:cxnSp>
+      <p:cxnSp>
+        <p:nvCxnSpPr>
+          <p:cNvPr id="32" name="Straight Arrow Connector 31">
+            <a:extLst>
+              <a:ext uri="{FF2B5EF4-FFF2-40B4-BE49-F238E27FC236}">
+                <a16:creationId xmlns:a16="http://schemas.microsoft.com/office/drawing/2014/main" id="{F04EAB9F-0EE7-4385-9C01-F356FD9182FB}"/>
+              </a:ext>
+            </a:extLst>
+          </p:cNvPr>
+          <p:cNvCxnSpPr>
+            <a:cxnSpLocks/>
+            <a:stCxn id="7" idx="1"/>
+          </p:cNvCxnSpPr>
+          <p:nvPr/>
+        </p:nvCxnSpPr>
+        <p:spPr>
+          <a:xfrm flipH="1">
+            <a:off x="7008394" y="2568006"/>
+            <a:ext cx="2123568" cy="110918"/>
+          </a:xfrm>
+          <a:prstGeom prst="straightConnector1">
+            <a:avLst/>
+          </a:prstGeom>
+          <a:ln w="19050">
+            <a:tailEnd type="triangle"/>
+          </a:ln>
+        </p:spPr>
+        <p:style>
+          <a:lnRef idx="1">
+            <a:schemeClr val="accent6"/>
+          </a:lnRef>
+          <a:fillRef idx="0">
+            <a:schemeClr val="accent6"/>
+          </a:fillRef>
+          <a:effectRef idx="0">
+            <a:schemeClr val="accent6"/>
+          </a:effectRef>
+          <a:fontRef idx="minor">
+            <a:schemeClr val="tx1"/>
+          </a:fontRef>
+        </p:style>
+      </p:cxnSp>
+      <p:cxnSp>
+        <p:nvCxnSpPr>
+          <p:cNvPr id="41" name="Straight Arrow Connector 40">
+            <a:extLst>
+              <a:ext uri="{FF2B5EF4-FFF2-40B4-BE49-F238E27FC236}">
+                <a16:creationId xmlns:a16="http://schemas.microsoft.com/office/drawing/2014/main" id="{B2C14268-577E-493C-886F-0D2B56EB6D6A}"/>
+              </a:ext>
+            </a:extLst>
+          </p:cNvPr>
+          <p:cNvCxnSpPr>
+            <a:cxnSpLocks/>
+          </p:cNvCxnSpPr>
+          <p:nvPr/>
+        </p:nvCxnSpPr>
+        <p:spPr>
+          <a:xfrm>
+            <a:off x="7011403" y="3417289"/>
+            <a:ext cx="2120559" cy="1319035"/>
+          </a:xfrm>
+          <a:prstGeom prst="straightConnector1">
+            <a:avLst/>
+          </a:prstGeom>
+          <a:ln w="19050">
+            <a:tailEnd type="triangle"/>
+          </a:ln>
+        </p:spPr>
+        <p:style>
+          <a:lnRef idx="3">
+            <a:schemeClr val="accent2"/>
+          </a:lnRef>
+          <a:fillRef idx="0">
+            <a:schemeClr val="accent2"/>
+          </a:fillRef>
+          <a:effectRef idx="2">
+            <a:schemeClr val="accent2"/>
+          </a:effectRef>
+          <a:fontRef idx="minor">
+            <a:schemeClr val="tx1"/>
+          </a:fontRef>
+        </p:style>
+      </p:cxnSp>
+      <p:cxnSp>
+        <p:nvCxnSpPr>
+          <p:cNvPr id="45" name="Straight Arrow Connector 44">
+            <a:extLst>
+              <a:ext uri="{FF2B5EF4-FFF2-40B4-BE49-F238E27FC236}">
+                <a16:creationId xmlns:a16="http://schemas.microsoft.com/office/drawing/2014/main" id="{9C677645-DFB0-4A3E-A50D-EE174653AA34}"/>
+              </a:ext>
+            </a:extLst>
+          </p:cNvPr>
+          <p:cNvCxnSpPr>
+            <a:cxnSpLocks/>
+            <a:stCxn id="19" idx="1"/>
+          </p:cNvCxnSpPr>
+          <p:nvPr/>
+        </p:nvCxnSpPr>
+        <p:spPr>
+          <a:xfrm flipH="1" flipV="1">
+            <a:off x="7008394" y="3121928"/>
+            <a:ext cx="2123569" cy="643586"/>
+          </a:xfrm>
+          <a:prstGeom prst="straightConnector1">
+            <a:avLst/>
+          </a:prstGeom>
+          <a:ln w="19050">
+            <a:tailEnd type="triangle"/>
+          </a:ln>
+        </p:spPr>
+        <p:style>
+          <a:lnRef idx="1">
+            <a:schemeClr val="accent6"/>
+          </a:lnRef>
+          <a:fillRef idx="0">
+            <a:schemeClr val="accent6"/>
+          </a:fillRef>
+          <a:effectRef idx="0">
+            <a:schemeClr val="accent6"/>
+          </a:effectRef>
+          <a:fontRef idx="minor">
+            <a:schemeClr val="tx1"/>
+          </a:fontRef>
+        </p:style>
+      </p:cxnSp>
+      <p:cxnSp>
+        <p:nvCxnSpPr>
+          <p:cNvPr id="47" name="Straight Arrow Connector 46">
+            <a:extLst>
+              <a:ext uri="{FF2B5EF4-FFF2-40B4-BE49-F238E27FC236}">
+                <a16:creationId xmlns:a16="http://schemas.microsoft.com/office/drawing/2014/main" id="{E777B171-571E-4084-AE6F-D9134DE49272}"/>
+              </a:ext>
+            </a:extLst>
+          </p:cNvPr>
+          <p:cNvCxnSpPr>
+            <a:cxnSpLocks/>
+          </p:cNvCxnSpPr>
+          <p:nvPr/>
+        </p:nvCxnSpPr>
+        <p:spPr>
+          <a:xfrm flipH="1" flipV="1">
+            <a:off x="7008394" y="3578089"/>
+            <a:ext cx="2123568" cy="1384933"/>
+          </a:xfrm>
+          <a:prstGeom prst="straightConnector1">
+            <a:avLst/>
+          </a:prstGeom>
+          <a:ln w="19050">
+            <a:tailEnd type="triangle"/>
+          </a:ln>
+        </p:spPr>
+        <p:style>
+          <a:lnRef idx="1">
+            <a:schemeClr val="accent6"/>
+          </a:lnRef>
+          <a:fillRef idx="0">
+            <a:schemeClr val="accent6"/>
+          </a:fillRef>
+          <a:effectRef idx="0">
+            <a:schemeClr val="accent6"/>
+          </a:effectRef>
+          <a:fontRef idx="minor">
+            <a:schemeClr val="tx1"/>
+          </a:fontRef>
+        </p:style>
+      </p:cxnSp>
+      <p:cxnSp>
+        <p:nvCxnSpPr>
+          <p:cNvPr id="49" name="Straight Arrow Connector 48">
+            <a:extLst>
+              <a:ext uri="{FF2B5EF4-FFF2-40B4-BE49-F238E27FC236}">
+                <a16:creationId xmlns:a16="http://schemas.microsoft.com/office/drawing/2014/main" id="{89AD5782-FE36-4AFD-8427-691E19E17CE0}"/>
+              </a:ext>
+            </a:extLst>
+          </p:cNvPr>
+          <p:cNvCxnSpPr>
+            <a:cxnSpLocks/>
+          </p:cNvCxnSpPr>
+          <p:nvPr/>
+        </p:nvCxnSpPr>
+        <p:spPr>
+          <a:xfrm>
+            <a:off x="6999370" y="3960494"/>
+            <a:ext cx="2132592" cy="2014002"/>
+          </a:xfrm>
+          <a:prstGeom prst="straightConnector1">
+            <a:avLst/>
+          </a:prstGeom>
+          <a:ln w="19050">
+            <a:tailEnd type="triangle"/>
+          </a:ln>
+        </p:spPr>
+        <p:style>
+          <a:lnRef idx="3">
+            <a:schemeClr val="accent2"/>
+          </a:lnRef>
+          <a:fillRef idx="0">
+            <a:schemeClr val="accent2"/>
+          </a:fillRef>
+          <a:effectRef idx="2">
+            <a:schemeClr val="accent2"/>
+          </a:effectRef>
+          <a:fontRef idx="minor">
+            <a:schemeClr val="tx1"/>
+          </a:fontRef>
+        </p:style>
+      </p:cxnSp>
+      <p:cxnSp>
+        <p:nvCxnSpPr>
+          <p:cNvPr id="51" name="Straight Arrow Connector 50">
+            <a:extLst>
+              <a:ext uri="{FF2B5EF4-FFF2-40B4-BE49-F238E27FC236}">
+                <a16:creationId xmlns:a16="http://schemas.microsoft.com/office/drawing/2014/main" id="{800B06BC-84D8-422D-8200-2250200B4FF8}"/>
+              </a:ext>
+            </a:extLst>
+          </p:cNvPr>
+          <p:cNvCxnSpPr>
+            <a:cxnSpLocks/>
+            <a:stCxn id="21" idx="1"/>
+          </p:cNvCxnSpPr>
+          <p:nvPr/>
+        </p:nvCxnSpPr>
+        <p:spPr>
+          <a:xfrm flipH="1" flipV="1">
+            <a:off x="6999368" y="4135174"/>
+            <a:ext cx="2132596" cy="1981784"/>
+          </a:xfrm>
+          <a:prstGeom prst="straightConnector1">
+            <a:avLst/>
+          </a:prstGeom>
+          <a:ln w="19050">
+            <a:tailEnd type="triangle"/>
+          </a:ln>
+        </p:spPr>
+        <p:style>
+          <a:lnRef idx="1">
+            <a:schemeClr val="accent6"/>
+          </a:lnRef>
+          <a:fillRef idx="0">
+            <a:schemeClr val="accent6"/>
+          </a:fillRef>
+          <a:effectRef idx="0">
+            <a:schemeClr val="accent6"/>
+          </a:effectRef>
+          <a:fontRef idx="minor">
+            <a:schemeClr val="tx1"/>
+          </a:fontRef>
+        </p:style>
+      </p:cxnSp>
+      <p:cxnSp>
+        <p:nvCxnSpPr>
+          <p:cNvPr id="55" name="Straight Arrow Connector 54">
+            <a:extLst>
+              <a:ext uri="{FF2B5EF4-FFF2-40B4-BE49-F238E27FC236}">
+                <a16:creationId xmlns:a16="http://schemas.microsoft.com/office/drawing/2014/main" id="{E979131F-4F50-47A2-9966-85871B010820}"/>
+              </a:ext>
+            </a:extLst>
+          </p:cNvPr>
+          <p:cNvCxnSpPr/>
+          <p:nvPr/>
+        </p:nvCxnSpPr>
+        <p:spPr>
+          <a:xfrm flipH="1">
+            <a:off x="3060032" y="4142864"/>
+            <a:ext cx="2111541" cy="0"/>
+          </a:xfrm>
+          <a:prstGeom prst="straightConnector1">
+            <a:avLst/>
+          </a:prstGeom>
+          <a:ln>
+            <a:tailEnd type="triangle"/>
+          </a:ln>
+        </p:spPr>
+        <p:style>
+          <a:lnRef idx="1">
+            <a:schemeClr val="accent1"/>
+          </a:lnRef>
+          <a:fillRef idx="0">
+            <a:schemeClr val="accent1"/>
+          </a:fillRef>
+          <a:effectRef idx="0">
+            <a:schemeClr val="accent1"/>
+          </a:effectRef>
+          <a:fontRef idx="minor">
+            <a:schemeClr val="tx1"/>
+          </a:fontRef>
+        </p:style>
+      </p:cxnSp>
+      <p:sp>
+        <p:nvSpPr>
+          <p:cNvPr id="56" name="TextBox 55">
+            <a:extLst>
+              <a:ext uri="{FF2B5EF4-FFF2-40B4-BE49-F238E27FC236}">
+                <a16:creationId xmlns:a16="http://schemas.microsoft.com/office/drawing/2014/main" id="{D982DDB9-2CFC-4551-979D-8DC43303BDF0}"/>
+              </a:ext>
+            </a:extLst>
+          </p:cNvPr>
+          <p:cNvSpPr txBox="1"/>
+          <p:nvPr/>
+        </p:nvSpPr>
+        <p:spPr>
+          <a:xfrm>
+            <a:off x="3586644" y="4122834"/>
+            <a:ext cx="1072315" cy="307777"/>
+          </a:xfrm>
+          <a:prstGeom prst="rect">
+            <a:avLst/>
+          </a:prstGeom>
+          <a:noFill/>
+        </p:spPr>
+        <p:txBody>
+          <a:bodyPr wrap="square" rtlCol="0">
+            <a:spAutoFit/>
+          </a:bodyPr>
+          <a:lstStyle/>
+          <a:p>
+            <a:pPr algn="ctr"/>
+            <a:r>
+              <a:rPr lang="en-US" sz="1400" dirty="0"/>
+              <a:t>Response</a:t>
+            </a:r>
+            <a:endParaRPr lang="en-CA" sz="1400" dirty="0"/>
+          </a:p>
+        </p:txBody>
+      </p:sp>
+      <p:sp>
+        <p:nvSpPr>
+          <p:cNvPr id="57" name="TextBox 56">
+            <a:extLst>
+              <a:ext uri="{FF2B5EF4-FFF2-40B4-BE49-F238E27FC236}">
+                <a16:creationId xmlns:a16="http://schemas.microsoft.com/office/drawing/2014/main" id="{50E5D49D-75F3-416E-85F6-ADC01F5FE8F0}"/>
+              </a:ext>
+            </a:extLst>
+          </p:cNvPr>
+          <p:cNvSpPr txBox="1"/>
+          <p:nvPr/>
+        </p:nvSpPr>
+        <p:spPr>
+          <a:xfrm>
+            <a:off x="3543492" y="3451078"/>
+            <a:ext cx="1174661" cy="523220"/>
+          </a:xfrm>
+          <a:prstGeom prst="rect">
+            <a:avLst/>
+          </a:prstGeom>
+          <a:noFill/>
+        </p:spPr>
+        <p:txBody>
+          <a:bodyPr wrap="square" rtlCol="0">
+            <a:spAutoFit/>
+          </a:bodyPr>
+          <a:lstStyle/>
+          <a:p>
+            <a:pPr algn="ctr"/>
+            <a:r>
+              <a:rPr lang="en-US" sz="1400" dirty="0"/>
+              <a:t>Request</a:t>
+            </a:r>
+          </a:p>
+          <a:p>
+            <a:pPr algn="ctr"/>
+            <a:r>
+              <a:rPr lang="en-US" sz="1400" dirty="0"/>
+              <a:t>(w/o token)</a:t>
+            </a:r>
+          </a:p>
+        </p:txBody>
+      </p:sp>
+      <p:sp>
+        <p:nvSpPr>
+          <p:cNvPr id="58" name="TextBox 57">
+            <a:extLst>
+              <a:ext uri="{FF2B5EF4-FFF2-40B4-BE49-F238E27FC236}">
+                <a16:creationId xmlns:a16="http://schemas.microsoft.com/office/drawing/2014/main" id="{9105463E-AD46-447E-8529-D77FF2BDB148}"/>
+              </a:ext>
+            </a:extLst>
+          </p:cNvPr>
+          <p:cNvSpPr txBox="1"/>
+          <p:nvPr/>
+        </p:nvSpPr>
+        <p:spPr>
+          <a:xfrm>
+            <a:off x="4609096" y="4659625"/>
+            <a:ext cx="1421734" cy="369332"/>
+          </a:xfrm>
+          <a:prstGeom prst="rect">
+            <a:avLst/>
+          </a:prstGeom>
+          <a:noFill/>
+        </p:spPr>
+        <p:txBody>
+          <a:bodyPr wrap="square" rtlCol="0">
+            <a:spAutoFit/>
+          </a:bodyPr>
+          <a:lstStyle/>
+          <a:p>
+            <a:pPr algn="ctr"/>
+            <a:r>
+              <a:rPr lang="en-US" dirty="0"/>
+              <a:t>Auth</a:t>
+            </a:r>
+            <a:endParaRPr lang="en-CA" dirty="0"/>
+          </a:p>
+        </p:txBody>
+      </p:sp>
+      <p:cxnSp>
+        <p:nvCxnSpPr>
+          <p:cNvPr id="72" name="Straight Arrow Connector 71">
+            <a:extLst>
+              <a:ext uri="{FF2B5EF4-FFF2-40B4-BE49-F238E27FC236}">
+                <a16:creationId xmlns:a16="http://schemas.microsoft.com/office/drawing/2014/main" id="{5FD99AEC-AA87-443E-8AF0-E558950118DD}"/>
+              </a:ext>
+            </a:extLst>
+          </p:cNvPr>
+          <p:cNvCxnSpPr/>
+          <p:nvPr/>
+        </p:nvCxnSpPr>
+        <p:spPr>
+          <a:xfrm>
+            <a:off x="5646822" y="4340937"/>
+            <a:ext cx="0" cy="874106"/>
+          </a:xfrm>
+          <a:prstGeom prst="straightConnector1">
+            <a:avLst/>
+          </a:prstGeom>
+          <a:ln>
+            <a:tailEnd type="triangle"/>
+          </a:ln>
+        </p:spPr>
+        <p:style>
+          <a:lnRef idx="1">
+            <a:schemeClr val="accent1"/>
+          </a:lnRef>
+          <a:fillRef idx="0">
+            <a:schemeClr val="accent1"/>
+          </a:fillRef>
+          <a:effectRef idx="0">
+            <a:schemeClr val="accent1"/>
+          </a:effectRef>
+          <a:fontRef idx="minor">
+            <a:schemeClr val="tx1"/>
+          </a:fontRef>
+        </p:style>
+      </p:cxnSp>
+      <p:cxnSp>
+        <p:nvCxnSpPr>
+          <p:cNvPr id="74" name="Straight Arrow Connector 73">
+            <a:extLst>
+              <a:ext uri="{FF2B5EF4-FFF2-40B4-BE49-F238E27FC236}">
+                <a16:creationId xmlns:a16="http://schemas.microsoft.com/office/drawing/2014/main" id="{936AC8AC-A17C-412E-A2D1-1B509E9EF5BF}"/>
+              </a:ext>
+            </a:extLst>
+          </p:cNvPr>
+          <p:cNvCxnSpPr/>
+          <p:nvPr/>
+        </p:nvCxnSpPr>
+        <p:spPr>
+          <a:xfrm flipV="1">
+            <a:off x="6312569" y="4340937"/>
+            <a:ext cx="0" cy="874106"/>
+          </a:xfrm>
+          <a:prstGeom prst="straightConnector1">
+            <a:avLst/>
+          </a:prstGeom>
+          <a:ln>
+            <a:tailEnd type="triangle"/>
+          </a:ln>
+        </p:spPr>
+        <p:style>
+          <a:lnRef idx="1">
+            <a:schemeClr val="accent1"/>
+          </a:lnRef>
+          <a:fillRef idx="0">
+            <a:schemeClr val="accent1"/>
+          </a:fillRef>
+          <a:effectRef idx="0">
+            <a:schemeClr val="accent1"/>
+          </a:effectRef>
+          <a:fontRef idx="minor">
+            <a:schemeClr val="tx1"/>
+          </a:fontRef>
+        </p:style>
+      </p:cxnSp>
+      <p:sp>
+        <p:nvSpPr>
+          <p:cNvPr id="75" name="TextBox 74">
+            <a:extLst>
+              <a:ext uri="{FF2B5EF4-FFF2-40B4-BE49-F238E27FC236}">
+                <a16:creationId xmlns:a16="http://schemas.microsoft.com/office/drawing/2014/main" id="{262D4C62-60DA-4BC9-B7AD-BC8D8789807A}"/>
+              </a:ext>
+            </a:extLst>
+          </p:cNvPr>
+          <p:cNvSpPr txBox="1"/>
+          <p:nvPr/>
+        </p:nvSpPr>
+        <p:spPr>
+          <a:xfrm>
+            <a:off x="5873061" y="4511818"/>
+            <a:ext cx="1421734" cy="369332"/>
+          </a:xfrm>
+          <a:prstGeom prst="rect">
+            <a:avLst/>
+          </a:prstGeom>
+          <a:noFill/>
+        </p:spPr>
+        <p:txBody>
+          <a:bodyPr wrap="square" rtlCol="0">
+            <a:spAutoFit/>
+          </a:bodyPr>
+          <a:lstStyle/>
+          <a:p>
+            <a:pPr algn="ctr"/>
+            <a:r>
+              <a:rPr lang="en-US" dirty="0"/>
+              <a:t>JWT</a:t>
+            </a:r>
+            <a:endParaRPr lang="en-CA" dirty="0"/>
+          </a:p>
+        </p:txBody>
+      </p:sp>
+      <p:sp>
+        <p:nvSpPr>
+          <p:cNvPr id="76" name="TextBox 75">
+            <a:extLst>
+              <a:ext uri="{FF2B5EF4-FFF2-40B4-BE49-F238E27FC236}">
+                <a16:creationId xmlns:a16="http://schemas.microsoft.com/office/drawing/2014/main" id="{95F8EE90-A370-4659-A534-3F4B353B7D81}"/>
+              </a:ext>
+            </a:extLst>
+          </p:cNvPr>
+          <p:cNvSpPr txBox="1"/>
+          <p:nvPr/>
+        </p:nvSpPr>
+        <p:spPr>
+          <a:xfrm rot="21386966">
+            <a:off x="7645721" y="2200061"/>
+            <a:ext cx="861085" cy="276999"/>
+          </a:xfrm>
+          <a:prstGeom prst="rect">
+            <a:avLst/>
+          </a:prstGeom>
+          <a:noFill/>
+        </p:spPr>
+        <p:txBody>
+          <a:bodyPr wrap="square" rtlCol="0">
+            <a:spAutoFit/>
+          </a:bodyPr>
+          <a:lstStyle/>
+          <a:p>
+            <a:pPr algn="ctr"/>
+            <a:r>
+              <a:rPr lang="en-US" sz="1200" dirty="0"/>
+              <a:t>Request</a:t>
+            </a:r>
+            <a:endParaRPr lang="en-CA" sz="1200" dirty="0"/>
+          </a:p>
+        </p:txBody>
+      </p:sp>
+      <p:sp>
+        <p:nvSpPr>
+          <p:cNvPr id="80" name="TextBox 79">
+            <a:extLst>
+              <a:ext uri="{FF2B5EF4-FFF2-40B4-BE49-F238E27FC236}">
+                <a16:creationId xmlns:a16="http://schemas.microsoft.com/office/drawing/2014/main" id="{FB9077F5-051C-41E5-BF0A-31D1A824BED8}"/>
+              </a:ext>
+            </a:extLst>
+          </p:cNvPr>
+          <p:cNvSpPr txBox="1"/>
+          <p:nvPr/>
+        </p:nvSpPr>
+        <p:spPr>
+          <a:xfrm rot="21282124">
+            <a:off x="7649083" y="2576479"/>
+            <a:ext cx="853327" cy="276999"/>
+          </a:xfrm>
+          <a:prstGeom prst="rect">
+            <a:avLst/>
+          </a:prstGeom>
+          <a:noFill/>
+        </p:spPr>
+        <p:txBody>
+          <a:bodyPr wrap="square" rtlCol="0">
+            <a:spAutoFit/>
+          </a:bodyPr>
+          <a:lstStyle/>
+          <a:p>
+            <a:pPr algn="ctr"/>
+            <a:r>
+              <a:rPr lang="en-US" sz="1200" dirty="0"/>
+              <a:t>Response</a:t>
+            </a:r>
+            <a:endParaRPr lang="en-CA" sz="1200" dirty="0"/>
+          </a:p>
+        </p:txBody>
+      </p:sp>
+      <p:sp>
+        <p:nvSpPr>
+          <p:cNvPr id="84" name="Heptagon 83">
+            <a:extLst>
+              <a:ext uri="{FF2B5EF4-FFF2-40B4-BE49-F238E27FC236}">
+                <a16:creationId xmlns:a16="http://schemas.microsoft.com/office/drawing/2014/main" id="{4166D52A-0162-40B4-8D94-E36F07E258F1}"/>
+              </a:ext>
+            </a:extLst>
+          </p:cNvPr>
+          <p:cNvSpPr/>
+          <p:nvPr/>
+        </p:nvSpPr>
+        <p:spPr>
+          <a:xfrm>
+            <a:off x="3138220" y="3604106"/>
+            <a:ext cx="360947" cy="297975"/>
+          </a:xfrm>
+          <a:prstGeom prst="heptagon">
+            <a:avLst/>
+          </a:prstGeom>
+        </p:spPr>
+        <p:style>
+          <a:lnRef idx="2">
+            <a:schemeClr val="accent2">
+              <a:shade val="50000"/>
+            </a:schemeClr>
+          </a:lnRef>
+          <a:fillRef idx="1">
+            <a:schemeClr val="accent2"/>
+          </a:fillRef>
+          <a:effectRef idx="0">
+            <a:schemeClr val="accent2"/>
+          </a:effectRef>
+          <a:fontRef idx="minor">
+            <a:schemeClr val="lt1"/>
+          </a:fontRef>
+        </p:style>
+        <p:txBody>
+          <a:bodyPr rtlCol="0" anchor="ctr"/>
+          <a:lstStyle/>
+          <a:p>
+            <a:pPr algn="ctr"/>
+            <a:r>
+              <a:rPr lang="en-US" dirty="0"/>
+              <a:t>1</a:t>
+            </a:r>
+            <a:endParaRPr lang="en-CA" dirty="0"/>
+          </a:p>
+        </p:txBody>
+      </p:sp>
+      <p:sp>
+        <p:nvSpPr>
+          <p:cNvPr id="85" name="Heptagon 84">
+            <a:extLst>
+              <a:ext uri="{FF2B5EF4-FFF2-40B4-BE49-F238E27FC236}">
+                <a16:creationId xmlns:a16="http://schemas.microsoft.com/office/drawing/2014/main" id="{FD42DB8A-3AEE-43C9-B11F-15B387924594}"/>
+              </a:ext>
+            </a:extLst>
+          </p:cNvPr>
+          <p:cNvSpPr/>
+          <p:nvPr/>
+        </p:nvSpPr>
+        <p:spPr>
+          <a:xfrm>
+            <a:off x="5238760" y="4367196"/>
+            <a:ext cx="360947" cy="297975"/>
+          </a:xfrm>
+          <a:prstGeom prst="heptagon">
+            <a:avLst/>
+          </a:prstGeom>
+        </p:spPr>
+        <p:style>
+          <a:lnRef idx="3">
+            <a:schemeClr val="lt1"/>
+          </a:lnRef>
+          <a:fillRef idx="1">
+            <a:schemeClr val="dk1"/>
+          </a:fillRef>
+          <a:effectRef idx="1">
+            <a:schemeClr val="dk1"/>
+          </a:effectRef>
+          <a:fontRef idx="minor">
+            <a:schemeClr val="lt1"/>
+          </a:fontRef>
+        </p:style>
+        <p:txBody>
+          <a:bodyPr rtlCol="0" anchor="ctr"/>
+          <a:lstStyle/>
+          <a:p>
+            <a:pPr algn="ctr"/>
+            <a:r>
+              <a:rPr lang="en-US" dirty="0"/>
+              <a:t>2</a:t>
+            </a:r>
+            <a:endParaRPr lang="en-CA" dirty="0"/>
+          </a:p>
+        </p:txBody>
+      </p:sp>
+      <p:sp>
+        <p:nvSpPr>
+          <p:cNvPr id="86" name="Heptagon 85">
+            <a:extLst>
+              <a:ext uri="{FF2B5EF4-FFF2-40B4-BE49-F238E27FC236}">
+                <a16:creationId xmlns:a16="http://schemas.microsoft.com/office/drawing/2014/main" id="{4C1E5AA9-409C-4984-9098-7F56B15A8884}"/>
+              </a:ext>
+            </a:extLst>
+          </p:cNvPr>
+          <p:cNvSpPr/>
+          <p:nvPr/>
+        </p:nvSpPr>
+        <p:spPr>
+          <a:xfrm>
+            <a:off x="6384760" y="4846839"/>
+            <a:ext cx="360947" cy="297975"/>
+          </a:xfrm>
+          <a:prstGeom prst="heptagon">
+            <a:avLst/>
+          </a:prstGeom>
+        </p:spPr>
+        <p:style>
+          <a:lnRef idx="3">
+            <a:schemeClr val="lt1"/>
+          </a:lnRef>
+          <a:fillRef idx="1">
+            <a:schemeClr val="dk1"/>
+          </a:fillRef>
+          <a:effectRef idx="1">
+            <a:schemeClr val="dk1"/>
+          </a:effectRef>
+          <a:fontRef idx="minor">
+            <a:schemeClr val="lt1"/>
+          </a:fontRef>
+        </p:style>
+        <p:txBody>
+          <a:bodyPr rtlCol="0" anchor="ctr"/>
+          <a:lstStyle/>
+          <a:p>
+            <a:pPr algn="ctr"/>
+            <a:r>
+              <a:rPr lang="en-US" dirty="0"/>
+              <a:t>3</a:t>
+            </a:r>
+            <a:endParaRPr lang="en-CA" dirty="0"/>
+          </a:p>
+        </p:txBody>
+      </p:sp>
+      <p:sp>
+        <p:nvSpPr>
+          <p:cNvPr id="87" name="Heptagon 86">
+            <a:extLst>
+              <a:ext uri="{FF2B5EF4-FFF2-40B4-BE49-F238E27FC236}">
+                <a16:creationId xmlns:a16="http://schemas.microsoft.com/office/drawing/2014/main" id="{84D1B3D7-8554-456B-AF62-45F547503808}"/>
+              </a:ext>
+            </a:extLst>
+          </p:cNvPr>
+          <p:cNvSpPr/>
+          <p:nvPr/>
+        </p:nvSpPr>
+        <p:spPr>
+          <a:xfrm>
+            <a:off x="4628630" y="4169365"/>
+            <a:ext cx="360947" cy="297975"/>
+          </a:xfrm>
+          <a:prstGeom prst="heptagon">
+            <a:avLst/>
+          </a:prstGeom>
+        </p:spPr>
+        <p:style>
+          <a:lnRef idx="2">
+            <a:schemeClr val="accent2">
+              <a:shade val="50000"/>
+            </a:schemeClr>
+          </a:lnRef>
+          <a:fillRef idx="1">
+            <a:schemeClr val="accent2"/>
+          </a:fillRef>
+          <a:effectRef idx="0">
+            <a:schemeClr val="accent2"/>
+          </a:effectRef>
+          <a:fontRef idx="minor">
+            <a:schemeClr val="lt1"/>
+          </a:fontRef>
+        </p:style>
+        <p:txBody>
+          <a:bodyPr rtlCol="0" anchor="ctr"/>
+          <a:lstStyle/>
+          <a:p>
+            <a:pPr algn="ctr"/>
+            <a:r>
+              <a:rPr lang="en-US" dirty="0"/>
+              <a:t>4</a:t>
+            </a:r>
+            <a:endParaRPr lang="en-CA" dirty="0"/>
+          </a:p>
+        </p:txBody>
+      </p:sp>
+      <p:cxnSp>
+        <p:nvCxnSpPr>
+          <p:cNvPr id="88" name="Straight Arrow Connector 87">
+            <a:extLst>
+              <a:ext uri="{FF2B5EF4-FFF2-40B4-BE49-F238E27FC236}">
+                <a16:creationId xmlns:a16="http://schemas.microsoft.com/office/drawing/2014/main" id="{CE3229CB-1E5B-4E53-AF07-2794CE179462}"/>
+              </a:ext>
+            </a:extLst>
+          </p:cNvPr>
+          <p:cNvCxnSpPr/>
+          <p:nvPr/>
+        </p:nvCxnSpPr>
+        <p:spPr>
+          <a:xfrm>
+            <a:off x="3068054" y="2815387"/>
+            <a:ext cx="2111542" cy="0"/>
+          </a:xfrm>
+          <a:prstGeom prst="straightConnector1">
+            <a:avLst/>
+          </a:prstGeom>
+          <a:ln>
+            <a:tailEnd type="triangle"/>
+          </a:ln>
+        </p:spPr>
+        <p:style>
+          <a:lnRef idx="1">
+            <a:schemeClr val="accent1"/>
+          </a:lnRef>
+          <a:fillRef idx="0">
+            <a:schemeClr val="accent1"/>
+          </a:fillRef>
+          <a:effectRef idx="0">
+            <a:schemeClr val="accent1"/>
+          </a:effectRef>
+          <a:fontRef idx="minor">
+            <a:schemeClr val="tx1"/>
+          </a:fontRef>
+        </p:style>
+      </p:cxnSp>
+      <p:cxnSp>
+        <p:nvCxnSpPr>
+          <p:cNvPr id="89" name="Straight Arrow Connector 88">
+            <a:extLst>
+              <a:ext uri="{FF2B5EF4-FFF2-40B4-BE49-F238E27FC236}">
+                <a16:creationId xmlns:a16="http://schemas.microsoft.com/office/drawing/2014/main" id="{84394B4D-8E75-40F1-81A4-CB313227B62B}"/>
+              </a:ext>
+            </a:extLst>
+          </p:cNvPr>
+          <p:cNvCxnSpPr/>
+          <p:nvPr/>
+        </p:nvCxnSpPr>
+        <p:spPr>
+          <a:xfrm flipH="1">
+            <a:off x="3068054" y="3019924"/>
+            <a:ext cx="2111541" cy="0"/>
+          </a:xfrm>
+          <a:prstGeom prst="straightConnector1">
+            <a:avLst/>
+          </a:prstGeom>
+          <a:ln>
+            <a:tailEnd type="triangle"/>
+          </a:ln>
+        </p:spPr>
+        <p:style>
+          <a:lnRef idx="1">
+            <a:schemeClr val="accent1"/>
+          </a:lnRef>
+          <a:fillRef idx="0">
+            <a:schemeClr val="accent1"/>
+          </a:fillRef>
+          <a:effectRef idx="0">
+            <a:schemeClr val="accent1"/>
+          </a:effectRef>
+          <a:fontRef idx="minor">
+            <a:schemeClr val="tx1"/>
+          </a:fontRef>
+        </p:style>
+      </p:cxnSp>
+      <p:sp>
+        <p:nvSpPr>
+          <p:cNvPr id="90" name="TextBox 89">
+            <a:extLst>
+              <a:ext uri="{FF2B5EF4-FFF2-40B4-BE49-F238E27FC236}">
+                <a16:creationId xmlns:a16="http://schemas.microsoft.com/office/drawing/2014/main" id="{D364896C-B33D-4439-AD0C-059C72D2CFC4}"/>
+              </a:ext>
+            </a:extLst>
+          </p:cNvPr>
+          <p:cNvSpPr txBox="1"/>
+          <p:nvPr/>
+        </p:nvSpPr>
+        <p:spPr>
+          <a:xfrm>
+            <a:off x="3594666" y="2999894"/>
+            <a:ext cx="1072315" cy="307777"/>
+          </a:xfrm>
+          <a:prstGeom prst="rect">
+            <a:avLst/>
+          </a:prstGeom>
+          <a:noFill/>
+        </p:spPr>
+        <p:txBody>
+          <a:bodyPr wrap="square" rtlCol="0">
+            <a:spAutoFit/>
+          </a:bodyPr>
+          <a:lstStyle/>
+          <a:p>
+            <a:pPr algn="ctr"/>
+            <a:r>
+              <a:rPr lang="en-US" sz="1400" dirty="0"/>
+              <a:t>Response</a:t>
+            </a:r>
+            <a:endParaRPr lang="en-CA" sz="1400" dirty="0"/>
+          </a:p>
+        </p:txBody>
+      </p:sp>
+      <p:sp>
+        <p:nvSpPr>
+          <p:cNvPr id="91" name="TextBox 90">
+            <a:extLst>
+              <a:ext uri="{FF2B5EF4-FFF2-40B4-BE49-F238E27FC236}">
+                <a16:creationId xmlns:a16="http://schemas.microsoft.com/office/drawing/2014/main" id="{AC7D8514-5C00-46BF-BE86-A7D2734D8749}"/>
+              </a:ext>
+            </a:extLst>
+          </p:cNvPr>
+          <p:cNvSpPr txBox="1"/>
+          <p:nvPr/>
+        </p:nvSpPr>
+        <p:spPr>
+          <a:xfrm>
+            <a:off x="3477170" y="2329099"/>
+            <a:ext cx="1283284" cy="523220"/>
+          </a:xfrm>
+          <a:prstGeom prst="rect">
+            <a:avLst/>
+          </a:prstGeom>
+          <a:noFill/>
+        </p:spPr>
+        <p:txBody>
+          <a:bodyPr wrap="square" rtlCol="0">
+            <a:spAutoFit/>
+          </a:bodyPr>
+          <a:lstStyle/>
+          <a:p>
+            <a:pPr algn="ctr"/>
+            <a:r>
+              <a:rPr lang="en-US" sz="1400" dirty="0"/>
+              <a:t>Request</a:t>
+            </a:r>
+            <a:br>
+              <a:rPr lang="en-US" sz="1400" dirty="0"/>
+            </a:br>
+            <a:r>
+              <a:rPr lang="en-US" sz="1400" dirty="0"/>
+              <a:t>(with token)</a:t>
+            </a:r>
+          </a:p>
+        </p:txBody>
+      </p:sp>
+      <p:sp>
+        <p:nvSpPr>
+          <p:cNvPr id="92" name="Heptagon 91">
+            <a:extLst>
+              <a:ext uri="{FF2B5EF4-FFF2-40B4-BE49-F238E27FC236}">
+                <a16:creationId xmlns:a16="http://schemas.microsoft.com/office/drawing/2014/main" id="{9AF548D9-21D2-452B-86A6-4E1C125397A4}"/>
+              </a:ext>
+            </a:extLst>
+          </p:cNvPr>
+          <p:cNvSpPr/>
+          <p:nvPr/>
+        </p:nvSpPr>
+        <p:spPr>
+          <a:xfrm>
+            <a:off x="3146242" y="2481166"/>
+            <a:ext cx="360947" cy="297975"/>
+          </a:xfrm>
+          <a:prstGeom prst="heptagon">
+            <a:avLst/>
+          </a:prstGeom>
+        </p:spPr>
+        <p:style>
+          <a:lnRef idx="2">
+            <a:schemeClr val="accent6">
+              <a:shade val="50000"/>
+            </a:schemeClr>
+          </a:lnRef>
+          <a:fillRef idx="1">
+            <a:schemeClr val="accent6"/>
+          </a:fillRef>
+          <a:effectRef idx="0">
+            <a:schemeClr val="accent6"/>
+          </a:effectRef>
+          <a:fontRef idx="minor">
+            <a:schemeClr val="lt1"/>
+          </a:fontRef>
+        </p:style>
+        <p:txBody>
+          <a:bodyPr rtlCol="0" anchor="ctr"/>
+          <a:lstStyle/>
+          <a:p>
+            <a:pPr algn="ctr"/>
+            <a:r>
+              <a:rPr lang="en-US" dirty="0"/>
+              <a:t>5</a:t>
+            </a:r>
+            <a:endParaRPr lang="en-CA" dirty="0"/>
+          </a:p>
+        </p:txBody>
+      </p:sp>
+      <p:sp>
+        <p:nvSpPr>
+          <p:cNvPr id="93" name="Heptagon 92">
+            <a:extLst>
+              <a:ext uri="{FF2B5EF4-FFF2-40B4-BE49-F238E27FC236}">
+                <a16:creationId xmlns:a16="http://schemas.microsoft.com/office/drawing/2014/main" id="{7506DF0B-2A65-42F4-A3B2-EF0C2C246FC9}"/>
+              </a:ext>
+            </a:extLst>
+          </p:cNvPr>
+          <p:cNvSpPr/>
+          <p:nvPr/>
+        </p:nvSpPr>
+        <p:spPr>
+          <a:xfrm>
+            <a:off x="4771733" y="3070088"/>
+            <a:ext cx="360947" cy="297975"/>
+          </a:xfrm>
+          <a:prstGeom prst="heptagon">
+            <a:avLst/>
+          </a:prstGeom>
+        </p:spPr>
+        <p:style>
+          <a:lnRef idx="2">
+            <a:schemeClr val="accent6">
+              <a:shade val="50000"/>
+            </a:schemeClr>
+          </a:lnRef>
+          <a:fillRef idx="1">
+            <a:schemeClr val="accent6"/>
+          </a:fillRef>
+          <a:effectRef idx="0">
+            <a:schemeClr val="accent6"/>
+          </a:effectRef>
+          <a:fontRef idx="minor">
+            <a:schemeClr val="lt1"/>
+          </a:fontRef>
+        </p:style>
+        <p:txBody>
+          <a:bodyPr rtlCol="0" anchor="ctr"/>
+          <a:lstStyle/>
+          <a:p>
+            <a:pPr algn="ctr"/>
+            <a:r>
+              <a:rPr lang="en-US" dirty="0"/>
+              <a:t>8</a:t>
+            </a:r>
+            <a:endParaRPr lang="en-CA" dirty="0"/>
+          </a:p>
+        </p:txBody>
+      </p:sp>
+      <p:sp>
+        <p:nvSpPr>
+          <p:cNvPr id="94" name="Heptagon 93">
+            <a:extLst>
+              <a:ext uri="{FF2B5EF4-FFF2-40B4-BE49-F238E27FC236}">
+                <a16:creationId xmlns:a16="http://schemas.microsoft.com/office/drawing/2014/main" id="{E49B78C1-7E73-4098-9A0E-4A9BC5DF8C40}"/>
+              </a:ext>
+            </a:extLst>
+          </p:cNvPr>
+          <p:cNvSpPr/>
+          <p:nvPr/>
+        </p:nvSpPr>
+        <p:spPr>
+          <a:xfrm>
+            <a:off x="7072562" y="2127210"/>
+            <a:ext cx="360947" cy="297975"/>
+          </a:xfrm>
+          <a:prstGeom prst="heptagon">
+            <a:avLst/>
+          </a:prstGeom>
+        </p:spPr>
+        <p:style>
+          <a:lnRef idx="2">
+            <a:schemeClr val="accent1">
+              <a:shade val="50000"/>
+            </a:schemeClr>
+          </a:lnRef>
+          <a:fillRef idx="1">
+            <a:schemeClr val="accent1"/>
+          </a:fillRef>
+          <a:effectRef idx="0">
+            <a:schemeClr val="accent1"/>
+          </a:effectRef>
+          <a:fontRef idx="minor">
+            <a:schemeClr val="lt1"/>
+          </a:fontRef>
+        </p:style>
+        <p:txBody>
+          <a:bodyPr rtlCol="0" anchor="ctr"/>
+          <a:lstStyle/>
+          <a:p>
+            <a:pPr algn="ctr"/>
+            <a:r>
+              <a:rPr lang="en-US" dirty="0"/>
+              <a:t>6</a:t>
+            </a:r>
+            <a:endParaRPr lang="en-CA" dirty="0"/>
+          </a:p>
+        </p:txBody>
+      </p:sp>
+      <p:sp>
+        <p:nvSpPr>
+          <p:cNvPr id="95" name="Heptagon 94">
+            <a:extLst>
+              <a:ext uri="{FF2B5EF4-FFF2-40B4-BE49-F238E27FC236}">
+                <a16:creationId xmlns:a16="http://schemas.microsoft.com/office/drawing/2014/main" id="{FFC3E977-EA7C-41BE-9167-9DC8191BD0B0}"/>
+              </a:ext>
+            </a:extLst>
+          </p:cNvPr>
+          <p:cNvSpPr/>
+          <p:nvPr/>
+        </p:nvSpPr>
+        <p:spPr>
+          <a:xfrm>
+            <a:off x="8762993" y="2631425"/>
+            <a:ext cx="360947" cy="297975"/>
+          </a:xfrm>
+          <a:prstGeom prst="heptagon">
+            <a:avLst/>
+          </a:prstGeom>
+        </p:spPr>
+        <p:style>
+          <a:lnRef idx="2">
+            <a:schemeClr val="accent1">
+              <a:shade val="50000"/>
+            </a:schemeClr>
+          </a:lnRef>
+          <a:fillRef idx="1">
+            <a:schemeClr val="accent1"/>
+          </a:fillRef>
+          <a:effectRef idx="0">
+            <a:schemeClr val="accent1"/>
+          </a:effectRef>
+          <a:fontRef idx="minor">
+            <a:schemeClr val="lt1"/>
+          </a:fontRef>
+        </p:style>
+        <p:txBody>
+          <a:bodyPr rtlCol="0" anchor="ctr"/>
+          <a:lstStyle/>
+          <a:p>
+            <a:pPr algn="ctr"/>
+            <a:r>
+              <a:rPr lang="en-US" dirty="0"/>
+              <a:t>7</a:t>
+            </a:r>
+            <a:endParaRPr lang="en-CA" dirty="0"/>
+          </a:p>
+        </p:txBody>
+      </p:sp>
+      <p:sp>
+        <p:nvSpPr>
+          <p:cNvPr id="6" name="Rectangle 5">
+            <a:extLst>
+              <a:ext uri="{FF2B5EF4-FFF2-40B4-BE49-F238E27FC236}">
+                <a16:creationId xmlns:a16="http://schemas.microsoft.com/office/drawing/2014/main" id="{453E540B-546F-4150-B761-ACBA0538E8B2}"/>
+              </a:ext>
+            </a:extLst>
+          </p:cNvPr>
+          <p:cNvSpPr/>
+          <p:nvPr/>
+        </p:nvSpPr>
+        <p:spPr>
+          <a:xfrm>
+            <a:off x="5873061" y="208547"/>
+            <a:ext cx="2982181" cy="622318"/>
+          </a:xfrm>
+          <a:prstGeom prst="rect">
+            <a:avLst/>
+          </a:prstGeom>
+          <a:solidFill>
+            <a:schemeClr val="accent2">
+              <a:alpha val="50000"/>
+            </a:schemeClr>
+          </a:solidFill>
+          <a:ln>
+            <a:noFill/>
+          </a:ln>
+        </p:spPr>
+        <p:style>
+          <a:lnRef idx="0">
+            <a:scrgbClr r="0" g="0" b="0"/>
+          </a:lnRef>
+          <a:fillRef idx="0">
+            <a:scrgbClr r="0" g="0" b="0"/>
+          </a:fillRef>
+          <a:effectRef idx="0">
+            <a:scrgbClr r="0" g="0" b="0"/>
+          </a:effectRef>
+          <a:fontRef idx="minor">
+            <a:schemeClr val="lt1"/>
+          </a:fontRef>
+        </p:style>
+        <p:txBody>
+          <a:bodyPr rtlCol="0" anchor="ctr"/>
+          <a:lstStyle/>
+          <a:p>
+            <a:pPr algn="ctr"/>
+            <a:r>
+              <a:rPr lang="en-US" dirty="0">
+                <a:ln w="0"/>
+                <a:solidFill>
+                  <a:schemeClr val="tx1"/>
+                </a:solidFill>
+                <a:effectLst>
+                  <a:outerShdw blurRad="38100" dist="19050" dir="2700000" algn="tl" rotWithShape="0">
+                    <a:schemeClr val="dk1">
+                      <a:alpha val="40000"/>
+                    </a:schemeClr>
+                  </a:outerShdw>
+                </a:effectLst>
+              </a:rPr>
+              <a:t>Service Registry &amp; Discovery</a:t>
+            </a:r>
+            <a:endParaRPr lang="en-CA" dirty="0">
+              <a:ln w="0"/>
+              <a:solidFill>
+                <a:schemeClr val="tx1"/>
+              </a:solidFill>
+              <a:effectLst>
+                <a:outerShdw blurRad="38100" dist="19050" dir="2700000" algn="tl" rotWithShape="0">
+                  <a:schemeClr val="dk1">
+                    <a:alpha val="40000"/>
+                  </a:schemeClr>
+                </a:outerShdw>
+              </a:effectLst>
+            </a:endParaRPr>
+          </a:p>
+        </p:txBody>
+      </p:sp>
+      <p:cxnSp>
+        <p:nvCxnSpPr>
+          <p:cNvPr id="27" name="Connector: Elbow 26">
+            <a:extLst>
+              <a:ext uri="{FF2B5EF4-FFF2-40B4-BE49-F238E27FC236}">
+                <a16:creationId xmlns:a16="http://schemas.microsoft.com/office/drawing/2014/main" id="{1FF02AC7-3F36-4DC7-A227-5172CBC6F8EA}"/>
+              </a:ext>
+            </a:extLst>
+          </p:cNvPr>
+          <p:cNvCxnSpPr>
+            <a:cxnSpLocks/>
+            <a:stCxn id="21" idx="3"/>
+            <a:endCxn id="6" idx="3"/>
+          </p:cNvCxnSpPr>
+          <p:nvPr/>
+        </p:nvCxnSpPr>
+        <p:spPr>
+          <a:xfrm flipH="1" flipV="1">
+            <a:off x="8855242" y="519706"/>
+            <a:ext cx="2113543" cy="5597252"/>
+          </a:xfrm>
+          <a:prstGeom prst="bentConnector3">
+            <a:avLst>
+              <a:gd name="adj1" fmla="val -42315"/>
+            </a:avLst>
+          </a:prstGeom>
+          <a:ln w="12700">
+            <a:tailEnd type="triangle"/>
+          </a:ln>
+        </p:spPr>
+        <p:style>
+          <a:lnRef idx="1">
+            <a:schemeClr val="dk1"/>
+          </a:lnRef>
+          <a:fillRef idx="0">
+            <a:schemeClr val="dk1"/>
+          </a:fillRef>
+          <a:effectRef idx="0">
+            <a:schemeClr val="dk1"/>
+          </a:effectRef>
+          <a:fontRef idx="minor">
+            <a:schemeClr val="tx1"/>
+          </a:fontRef>
+        </p:style>
+      </p:cxnSp>
+      <p:cxnSp>
+        <p:nvCxnSpPr>
+          <p:cNvPr id="34" name="Connector: Elbow 33">
+            <a:extLst>
+              <a:ext uri="{FF2B5EF4-FFF2-40B4-BE49-F238E27FC236}">
+                <a16:creationId xmlns:a16="http://schemas.microsoft.com/office/drawing/2014/main" id="{8AB90CF5-1FD5-44CE-BC9C-176EEA3D15CF}"/>
+              </a:ext>
+            </a:extLst>
+          </p:cNvPr>
+          <p:cNvCxnSpPr>
+            <a:cxnSpLocks/>
+          </p:cNvCxnSpPr>
+          <p:nvPr/>
+        </p:nvCxnSpPr>
+        <p:spPr>
+          <a:xfrm flipH="1" flipV="1">
+            <a:off x="9043696" y="519706"/>
+            <a:ext cx="1933110" cy="4443316"/>
+          </a:xfrm>
+          <a:prstGeom prst="bentConnector4">
+            <a:avLst>
+              <a:gd name="adj1" fmla="val -45435"/>
+              <a:gd name="adj2" fmla="val 100071"/>
+            </a:avLst>
+          </a:prstGeom>
+          <a:ln>
+            <a:tailEnd type="triangle"/>
+          </a:ln>
+        </p:spPr>
+        <p:style>
+          <a:lnRef idx="1">
+            <a:schemeClr val="dk1"/>
+          </a:lnRef>
+          <a:fillRef idx="0">
+            <a:schemeClr val="dk1"/>
+          </a:fillRef>
+          <a:effectRef idx="0">
+            <a:schemeClr val="dk1"/>
+          </a:effectRef>
+          <a:fontRef idx="minor">
+            <a:schemeClr val="tx1"/>
+          </a:fontRef>
+        </p:style>
+      </p:cxnSp>
+      <p:cxnSp>
+        <p:nvCxnSpPr>
+          <p:cNvPr id="63" name="Connector: Elbow 62">
+            <a:extLst>
+              <a:ext uri="{FF2B5EF4-FFF2-40B4-BE49-F238E27FC236}">
+                <a16:creationId xmlns:a16="http://schemas.microsoft.com/office/drawing/2014/main" id="{2C824815-A56D-4973-BE26-9EFA8A9DFE22}"/>
+              </a:ext>
+            </a:extLst>
+          </p:cNvPr>
+          <p:cNvCxnSpPr>
+            <a:cxnSpLocks/>
+          </p:cNvCxnSpPr>
+          <p:nvPr/>
+        </p:nvCxnSpPr>
+        <p:spPr>
+          <a:xfrm flipH="1" flipV="1">
+            <a:off x="9262233" y="519706"/>
+            <a:ext cx="1698530" cy="3245808"/>
+          </a:xfrm>
+          <a:prstGeom prst="bentConnector4">
+            <a:avLst>
+              <a:gd name="adj1" fmla="val -52655"/>
+              <a:gd name="adj2" fmla="val 100011"/>
+            </a:avLst>
+          </a:prstGeom>
+          <a:ln w="12700">
+            <a:tailEnd type="triangle"/>
+          </a:ln>
+        </p:spPr>
+        <p:style>
+          <a:lnRef idx="1">
+            <a:schemeClr val="dk1"/>
+          </a:lnRef>
+          <a:fillRef idx="0">
+            <a:schemeClr val="dk1"/>
+          </a:fillRef>
+          <a:effectRef idx="0">
+            <a:schemeClr val="dk1"/>
+          </a:effectRef>
+          <a:fontRef idx="minor">
+            <a:schemeClr val="tx1"/>
+          </a:fontRef>
+        </p:style>
+      </p:cxnSp>
+      <p:cxnSp>
+        <p:nvCxnSpPr>
+          <p:cNvPr id="65" name="Connector: Elbow 64">
+            <a:extLst>
+              <a:ext uri="{FF2B5EF4-FFF2-40B4-BE49-F238E27FC236}">
+                <a16:creationId xmlns:a16="http://schemas.microsoft.com/office/drawing/2014/main" id="{8A3D348A-23C9-404C-8044-7410CC311C3E}"/>
+              </a:ext>
+            </a:extLst>
+          </p:cNvPr>
+          <p:cNvCxnSpPr>
+            <a:stCxn id="7" idx="3"/>
+          </p:cNvCxnSpPr>
+          <p:nvPr/>
+        </p:nvCxnSpPr>
+        <p:spPr>
+          <a:xfrm flipH="1" flipV="1">
+            <a:off x="9543044" y="519706"/>
+            <a:ext cx="1425739" cy="2048300"/>
+          </a:xfrm>
+          <a:prstGeom prst="bentConnector4">
+            <a:avLst>
+              <a:gd name="adj1" fmla="val -61604"/>
+              <a:gd name="adj2" fmla="val 100271"/>
+            </a:avLst>
+          </a:prstGeom>
+          <a:ln w="12700">
+            <a:tailEnd type="triangle"/>
+          </a:ln>
+        </p:spPr>
+        <p:style>
+          <a:lnRef idx="1">
+            <a:schemeClr val="dk1"/>
+          </a:lnRef>
+          <a:fillRef idx="0">
+            <a:schemeClr val="dk1"/>
+          </a:fillRef>
+          <a:effectRef idx="0">
+            <a:schemeClr val="dk1"/>
+          </a:effectRef>
+          <a:fontRef idx="minor">
+            <a:schemeClr val="tx1"/>
+          </a:fontRef>
+        </p:style>
+      </p:cxnSp>
+      <p:cxnSp>
+        <p:nvCxnSpPr>
+          <p:cNvPr id="78" name="Straight Arrow Connector 77">
+            <a:extLst>
+              <a:ext uri="{FF2B5EF4-FFF2-40B4-BE49-F238E27FC236}">
+                <a16:creationId xmlns:a16="http://schemas.microsoft.com/office/drawing/2014/main" id="{B3B4A854-1618-4083-B7C0-54F3F4C6949A}"/>
+              </a:ext>
+            </a:extLst>
+          </p:cNvPr>
+          <p:cNvCxnSpPr/>
+          <p:nvPr/>
+        </p:nvCxnSpPr>
+        <p:spPr>
+          <a:xfrm flipV="1">
+            <a:off x="6745707" y="810126"/>
+            <a:ext cx="0" cy="1442504"/>
+          </a:xfrm>
+          <a:prstGeom prst="straightConnector1">
+            <a:avLst/>
+          </a:prstGeom>
+          <a:ln>
+            <a:headEnd type="triangle"/>
+            <a:tailEnd type="triangle"/>
+          </a:ln>
+        </p:spPr>
+        <p:style>
+          <a:lnRef idx="3">
+            <a:schemeClr val="dk1"/>
+          </a:lnRef>
+          <a:fillRef idx="0">
+            <a:schemeClr val="dk1"/>
+          </a:fillRef>
+          <a:effectRef idx="2">
+            <a:schemeClr val="dk1"/>
+          </a:effectRef>
+          <a:fontRef idx="minor">
+            <a:schemeClr val="tx1"/>
+          </a:fontRef>
+        </p:style>
+      </p:cxnSp>
+    </p:spTree>
+    <p:extLst>
+      <p:ext uri="{BB962C8B-B14F-4D97-AF65-F5344CB8AC3E}">
+        <p14:creationId xmlns:p14="http://schemas.microsoft.com/office/powerpoint/2010/main" val="2778166427"/>
+      </p:ext>
+    </p:extLst>
+  </p:cSld>
+  <p:clrMapOvr>
+    <a:masterClrMapping/>
+  </p:clrMapOvr>
+</p:sld>
+</file>
+
+<file path=ppt/slides/slide3.xml><?xml version="1.0" encoding="utf-8"?>
+<p:sld xmlns:a="http://schemas.openxmlformats.org/drawingml/2006/main" xmlns:r="http://schemas.openxmlformats.org/officeDocument/2006/relationships" xmlns:p="http://schemas.openxmlformats.org/presentationml/2006/main">
+  <p:cSld>
+    <p:spTree>
+      <p:nvGrpSpPr>
+        <p:cNvPr id="1" name=""/>
+        <p:cNvGrpSpPr/>
+        <p:nvPr/>
+      </p:nvGrpSpPr>
+      <p:grpSpPr>
+        <a:xfrm>
+          <a:off x="0" y="0"/>
+          <a:ext cx="0" cy="0"/>
+          <a:chOff x="0" y="0"/>
+          <a:chExt cx="0" cy="0"/>
+        </a:xfrm>
+      </p:grpSpPr>
+      <p:sp>
+        <p:nvSpPr>
+          <p:cNvPr id="2" name="Oval 1">
+            <a:extLst>
+              <a:ext uri="{FF2B5EF4-FFF2-40B4-BE49-F238E27FC236}">
+                <a16:creationId xmlns:a16="http://schemas.microsoft.com/office/drawing/2014/main" id="{7B1C219D-B9EB-4F98-A897-30BFEFB6B34F}"/>
+              </a:ext>
+            </a:extLst>
+          </p:cNvPr>
+          <p:cNvSpPr/>
+          <p:nvPr/>
+        </p:nvSpPr>
+        <p:spPr>
+          <a:xfrm>
+            <a:off x="687897" y="2403446"/>
+            <a:ext cx="2340529" cy="1677798"/>
+          </a:xfrm>
+          <a:prstGeom prst="ellipse">
+            <a:avLst/>
+          </a:prstGeom>
+        </p:spPr>
+        <p:style>
+          <a:lnRef idx="2">
+            <a:schemeClr val="dk1"/>
+          </a:lnRef>
+          <a:fillRef idx="1">
+            <a:schemeClr val="lt1"/>
+          </a:fillRef>
+          <a:effectRef idx="0">
+            <a:schemeClr val="dk1"/>
+          </a:effectRef>
+          <a:fontRef idx="minor">
+            <a:schemeClr val="dk1"/>
+          </a:fontRef>
+        </p:style>
+        <p:txBody>
+          <a:bodyPr rtlCol="0" anchor="ctr"/>
+          <a:lstStyle/>
+          <a:p>
+            <a:pPr algn="ctr"/>
+            <a:r>
+              <a:rPr lang="en-US" dirty="0"/>
+              <a:t>Client</a:t>
+            </a:r>
+            <a:endParaRPr lang="en-CA" dirty="0"/>
+          </a:p>
+        </p:txBody>
+      </p:sp>
+      <p:sp>
+        <p:nvSpPr>
+          <p:cNvPr id="3" name="Rectangle: Rounded Corners 2">
+            <a:extLst>
+              <a:ext uri="{FF2B5EF4-FFF2-40B4-BE49-F238E27FC236}">
+                <a16:creationId xmlns:a16="http://schemas.microsoft.com/office/drawing/2014/main" id="{5E658F78-7508-4696-8CC5-2D415B9A13B5}"/>
+              </a:ext>
+            </a:extLst>
+          </p:cNvPr>
+          <p:cNvSpPr/>
+          <p:nvPr/>
+        </p:nvSpPr>
+        <p:spPr>
+          <a:xfrm>
+            <a:off x="4605556" y="2441197"/>
+            <a:ext cx="2340529" cy="1602297"/>
+          </a:xfrm>
+          <a:prstGeom prst="roundRect">
+            <a:avLst/>
+          </a:prstGeom>
+        </p:spPr>
+        <p:style>
+          <a:lnRef idx="2">
+            <a:schemeClr val="dk1"/>
+          </a:lnRef>
+          <a:fillRef idx="1">
+            <a:schemeClr val="lt1"/>
+          </a:fillRef>
+          <a:effectRef idx="0">
+            <a:schemeClr val="dk1"/>
+          </a:effectRef>
+          <a:fontRef idx="minor">
+            <a:schemeClr val="dk1"/>
+          </a:fontRef>
+        </p:style>
+        <p:txBody>
+          <a:bodyPr rtlCol="0" anchor="ctr"/>
+          <a:lstStyle/>
+          <a:p>
+            <a:pPr algn="ctr"/>
+            <a:r>
+              <a:rPr lang="en-US" dirty="0"/>
+              <a:t>Gateway</a:t>
+            </a:r>
+            <a:endParaRPr lang="en-CA" dirty="0"/>
+          </a:p>
+        </p:txBody>
+      </p:sp>
+      <p:cxnSp>
+        <p:nvCxnSpPr>
+          <p:cNvPr id="5" name="Straight Arrow Connector 4">
+            <a:extLst>
+              <a:ext uri="{FF2B5EF4-FFF2-40B4-BE49-F238E27FC236}">
+                <a16:creationId xmlns:a16="http://schemas.microsoft.com/office/drawing/2014/main" id="{6E0292B2-0F8A-46B7-9D83-C7299F281A61}"/>
+              </a:ext>
+            </a:extLst>
+          </p:cNvPr>
+          <p:cNvCxnSpPr>
+            <a:stCxn id="2" idx="6"/>
+            <a:endCxn id="3" idx="1"/>
+          </p:cNvCxnSpPr>
+          <p:nvPr/>
+        </p:nvCxnSpPr>
+        <p:spPr>
+          <a:xfrm>
+            <a:off x="3028426" y="3242345"/>
+            <a:ext cx="1577130" cy="1"/>
+          </a:xfrm>
+          <a:prstGeom prst="straightConnector1">
+            <a:avLst/>
+          </a:prstGeom>
+          <a:ln>
+            <a:tailEnd type="triangle"/>
+          </a:ln>
+        </p:spPr>
+        <p:style>
+          <a:lnRef idx="2">
+            <a:schemeClr val="dk1"/>
+          </a:lnRef>
+          <a:fillRef idx="1">
+            <a:schemeClr val="lt1"/>
+          </a:fillRef>
+          <a:effectRef idx="0">
+            <a:schemeClr val="dk1"/>
+          </a:effectRef>
+          <a:fontRef idx="minor">
+            <a:schemeClr val="dk1"/>
+          </a:fontRef>
+        </p:style>
+      </p:cxnSp>
+      <p:sp>
+        <p:nvSpPr>
+          <p:cNvPr id="7" name="Rectangle 6">
+            <a:extLst>
+              <a:ext uri="{FF2B5EF4-FFF2-40B4-BE49-F238E27FC236}">
+                <a16:creationId xmlns:a16="http://schemas.microsoft.com/office/drawing/2014/main" id="{407EFB76-EC1C-4492-AF12-D96323427260}"/>
+              </a:ext>
+            </a:extLst>
+          </p:cNvPr>
+          <p:cNvSpPr/>
+          <p:nvPr/>
+        </p:nvSpPr>
+        <p:spPr>
+          <a:xfrm>
+            <a:off x="4794308" y="390089"/>
+            <a:ext cx="1963024" cy="1224793"/>
+          </a:xfrm>
+          <a:prstGeom prst="rect">
+            <a:avLst/>
+          </a:prstGeom>
+        </p:spPr>
+        <p:style>
+          <a:lnRef idx="2">
+            <a:schemeClr val="dk1"/>
+          </a:lnRef>
+          <a:fillRef idx="1">
+            <a:schemeClr val="lt1"/>
+          </a:fillRef>
+          <a:effectRef idx="0">
+            <a:schemeClr val="dk1"/>
+          </a:effectRef>
+          <a:fontRef idx="minor">
+            <a:schemeClr val="dk1"/>
+          </a:fontRef>
+        </p:style>
+        <p:txBody>
+          <a:bodyPr rtlCol="0" anchor="ctr"/>
+          <a:lstStyle/>
+          <a:p>
+            <a:pPr algn="ctr"/>
+            <a:r>
+              <a:rPr lang="en-US" dirty="0"/>
+              <a:t>Auth Service</a:t>
+            </a:r>
+            <a:endParaRPr lang="en-CA" dirty="0"/>
+          </a:p>
+        </p:txBody>
+      </p:sp>
+      <p:sp>
+        <p:nvSpPr>
+          <p:cNvPr id="8" name="Rectangle 7">
+            <a:extLst>
+              <a:ext uri="{FF2B5EF4-FFF2-40B4-BE49-F238E27FC236}">
+                <a16:creationId xmlns:a16="http://schemas.microsoft.com/office/drawing/2014/main" id="{2519005F-8201-4C60-BF9C-104EA028431D}"/>
+              </a:ext>
+            </a:extLst>
+          </p:cNvPr>
+          <p:cNvSpPr/>
+          <p:nvPr/>
+        </p:nvSpPr>
+        <p:spPr>
+          <a:xfrm>
+            <a:off x="7989114" y="1923351"/>
+            <a:ext cx="1963024" cy="1224793"/>
+          </a:xfrm>
+          <a:prstGeom prst="rect">
+            <a:avLst/>
+          </a:prstGeom>
+        </p:spPr>
+        <p:style>
+          <a:lnRef idx="2">
+            <a:schemeClr val="dk1"/>
+          </a:lnRef>
+          <a:fillRef idx="1">
+            <a:schemeClr val="lt1"/>
+          </a:fillRef>
+          <a:effectRef idx="0">
+            <a:schemeClr val="dk1"/>
+          </a:effectRef>
+          <a:fontRef idx="minor">
+            <a:schemeClr val="dk1"/>
+          </a:fontRef>
+        </p:style>
+        <p:txBody>
+          <a:bodyPr rtlCol="0" anchor="ctr"/>
+          <a:lstStyle/>
+          <a:p>
+            <a:pPr algn="ctr"/>
+            <a:r>
+              <a:rPr lang="en-US" dirty="0"/>
+              <a:t>Restaurant Service</a:t>
+            </a:r>
+            <a:endParaRPr lang="en-CA" dirty="0"/>
+          </a:p>
+        </p:txBody>
+      </p:sp>
+      <p:sp>
+        <p:nvSpPr>
+          <p:cNvPr id="9" name="Rectangle 8">
+            <a:extLst>
+              <a:ext uri="{FF2B5EF4-FFF2-40B4-BE49-F238E27FC236}">
+                <a16:creationId xmlns:a16="http://schemas.microsoft.com/office/drawing/2014/main" id="{70308BB0-9CA3-4F5D-89E9-9990C0F5FA0E}"/>
+              </a:ext>
+            </a:extLst>
+          </p:cNvPr>
+          <p:cNvSpPr/>
+          <p:nvPr/>
+        </p:nvSpPr>
+        <p:spPr>
+          <a:xfrm>
+            <a:off x="7989114" y="3645454"/>
+            <a:ext cx="1963024" cy="1224793"/>
+          </a:xfrm>
+          <a:prstGeom prst="rect">
+            <a:avLst/>
+          </a:prstGeom>
+        </p:spPr>
+        <p:style>
+          <a:lnRef idx="2">
+            <a:schemeClr val="dk1"/>
+          </a:lnRef>
+          <a:fillRef idx="1">
+            <a:schemeClr val="lt1"/>
+          </a:fillRef>
+          <a:effectRef idx="0">
+            <a:schemeClr val="dk1"/>
+          </a:effectRef>
+          <a:fontRef idx="minor">
+            <a:schemeClr val="dk1"/>
+          </a:fontRef>
+        </p:style>
+        <p:txBody>
+          <a:bodyPr rtlCol="0" anchor="ctr"/>
+          <a:lstStyle/>
+          <a:p>
+            <a:pPr algn="ctr"/>
+            <a:r>
+              <a:rPr lang="en-US" dirty="0"/>
+              <a:t> Museum Service</a:t>
+            </a:r>
+            <a:endParaRPr lang="en-CA" dirty="0"/>
+          </a:p>
+        </p:txBody>
+      </p:sp>
+      <p:sp>
+        <p:nvSpPr>
+          <p:cNvPr id="10" name="Rectangle 9">
+            <a:extLst>
+              <a:ext uri="{FF2B5EF4-FFF2-40B4-BE49-F238E27FC236}">
+                <a16:creationId xmlns:a16="http://schemas.microsoft.com/office/drawing/2014/main" id="{4019DE36-0294-4329-B3E1-0C95E206BFAF}"/>
+              </a:ext>
+            </a:extLst>
+          </p:cNvPr>
+          <p:cNvSpPr/>
+          <p:nvPr/>
+        </p:nvSpPr>
+        <p:spPr>
+          <a:xfrm>
+            <a:off x="8031059" y="5367557"/>
+            <a:ext cx="1963024" cy="1224793"/>
+          </a:xfrm>
+          <a:prstGeom prst="rect">
+            <a:avLst/>
+          </a:prstGeom>
+        </p:spPr>
+        <p:style>
+          <a:lnRef idx="2">
+            <a:schemeClr val="dk1"/>
+          </a:lnRef>
+          <a:fillRef idx="1">
+            <a:schemeClr val="lt1"/>
+          </a:fillRef>
+          <a:effectRef idx="0">
+            <a:schemeClr val="dk1"/>
+          </a:effectRef>
+          <a:fontRef idx="minor">
+            <a:schemeClr val="dk1"/>
+          </a:fontRef>
+        </p:style>
+        <p:txBody>
+          <a:bodyPr rtlCol="0" anchor="ctr"/>
+          <a:lstStyle/>
+          <a:p>
+            <a:pPr algn="ctr"/>
+            <a:r>
+              <a:rPr lang="en-US" dirty="0"/>
+              <a:t>Software companies Service</a:t>
+            </a:r>
+            <a:endParaRPr lang="en-CA" dirty="0"/>
+          </a:p>
+        </p:txBody>
+      </p:sp>
+      <p:sp>
+        <p:nvSpPr>
+          <p:cNvPr id="11" name="Rectangle 10">
+            <a:extLst>
+              <a:ext uri="{FF2B5EF4-FFF2-40B4-BE49-F238E27FC236}">
+                <a16:creationId xmlns:a16="http://schemas.microsoft.com/office/drawing/2014/main" id="{930B4D1B-195F-416F-A557-D17D86227ED2}"/>
+              </a:ext>
+            </a:extLst>
+          </p:cNvPr>
+          <p:cNvSpPr/>
+          <p:nvPr/>
+        </p:nvSpPr>
+        <p:spPr>
+          <a:xfrm>
+            <a:off x="7989114" y="184208"/>
+            <a:ext cx="1963024" cy="1224793"/>
+          </a:xfrm>
+          <a:prstGeom prst="rect">
+            <a:avLst/>
+          </a:prstGeom>
+        </p:spPr>
+        <p:style>
+          <a:lnRef idx="2">
+            <a:schemeClr val="dk1"/>
+          </a:lnRef>
+          <a:fillRef idx="1">
+            <a:schemeClr val="lt1"/>
+          </a:fillRef>
+          <a:effectRef idx="0">
+            <a:schemeClr val="dk1"/>
+          </a:effectRef>
+          <a:fontRef idx="minor">
+            <a:schemeClr val="dk1"/>
+          </a:fontRef>
+        </p:style>
+        <p:txBody>
+          <a:bodyPr rtlCol="0" anchor="ctr"/>
+          <a:lstStyle/>
+          <a:p>
+            <a:pPr algn="ctr"/>
+            <a:r>
+              <a:rPr lang="en-US" dirty="0"/>
+              <a:t>Ski resort Service</a:t>
+            </a:r>
+            <a:endParaRPr lang="en-CA" dirty="0"/>
+          </a:p>
+        </p:txBody>
+      </p:sp>
+      <p:sp>
+        <p:nvSpPr>
+          <p:cNvPr id="14" name="Rectangle: Rounded Corners 13">
+            <a:extLst>
+              <a:ext uri="{FF2B5EF4-FFF2-40B4-BE49-F238E27FC236}">
+                <a16:creationId xmlns:a16="http://schemas.microsoft.com/office/drawing/2014/main" id="{7726CE80-89FF-4832-847F-75B002EDDD8F}"/>
+              </a:ext>
+            </a:extLst>
+          </p:cNvPr>
+          <p:cNvSpPr/>
+          <p:nvPr/>
+        </p:nvSpPr>
+        <p:spPr>
+          <a:xfrm>
+            <a:off x="4605555" y="4882393"/>
+            <a:ext cx="2340529" cy="1041632"/>
+          </a:xfrm>
+          <a:prstGeom prst="roundRect">
+            <a:avLst/>
+          </a:prstGeom>
+        </p:spPr>
+        <p:style>
+          <a:lnRef idx="2">
+            <a:schemeClr val="dk1"/>
+          </a:lnRef>
+          <a:fillRef idx="1">
+            <a:schemeClr val="lt1"/>
+          </a:fillRef>
+          <a:effectRef idx="0">
+            <a:schemeClr val="dk1"/>
+          </a:effectRef>
+          <a:fontRef idx="minor">
+            <a:schemeClr val="dk1"/>
+          </a:fontRef>
+        </p:style>
+        <p:txBody>
+          <a:bodyPr rtlCol="0" anchor="ctr"/>
+          <a:lstStyle/>
+          <a:p>
+            <a:pPr algn="ctr"/>
+            <a:r>
+              <a:rPr lang="en-US" dirty="0"/>
+              <a:t>Registry</a:t>
+            </a:r>
+            <a:endParaRPr lang="en-CA" dirty="0"/>
+          </a:p>
+        </p:txBody>
+      </p:sp>
+      <p:cxnSp>
+        <p:nvCxnSpPr>
+          <p:cNvPr id="17" name="Straight Arrow Connector 16">
+            <a:extLst>
+              <a:ext uri="{FF2B5EF4-FFF2-40B4-BE49-F238E27FC236}">
+                <a16:creationId xmlns:a16="http://schemas.microsoft.com/office/drawing/2014/main" id="{DF98A09D-253B-45BB-A253-3F9175422A71}"/>
+              </a:ext>
+            </a:extLst>
+          </p:cNvPr>
+          <p:cNvCxnSpPr>
+            <a:cxnSpLocks/>
+          </p:cNvCxnSpPr>
+          <p:nvPr/>
+        </p:nvCxnSpPr>
+        <p:spPr>
+          <a:xfrm flipH="1" flipV="1">
+            <a:off x="5482903" y="1614882"/>
+            <a:ext cx="1" cy="826315"/>
+          </a:xfrm>
+          <a:prstGeom prst="straightConnector1">
+            <a:avLst/>
+          </a:prstGeom>
+          <a:ln>
+            <a:tailEnd type="triangle"/>
+          </a:ln>
+        </p:spPr>
+        <p:style>
+          <a:lnRef idx="2">
+            <a:schemeClr val="dk1"/>
+          </a:lnRef>
+          <a:fillRef idx="1">
+            <a:schemeClr val="lt1"/>
+          </a:fillRef>
+          <a:effectRef idx="0">
+            <a:schemeClr val="dk1"/>
+          </a:effectRef>
+          <a:fontRef idx="minor">
+            <a:schemeClr val="dk1"/>
+          </a:fontRef>
+        </p:style>
+      </p:cxnSp>
+      <p:cxnSp>
+        <p:nvCxnSpPr>
+          <p:cNvPr id="22" name="Straight Arrow Connector 21">
+            <a:extLst>
+              <a:ext uri="{FF2B5EF4-FFF2-40B4-BE49-F238E27FC236}">
+                <a16:creationId xmlns:a16="http://schemas.microsoft.com/office/drawing/2014/main" id="{3558FC16-962E-4E62-A81E-64EF12EEFBBA}"/>
+              </a:ext>
+            </a:extLst>
+          </p:cNvPr>
+          <p:cNvCxnSpPr>
+            <a:stCxn id="3" idx="2"/>
+            <a:endCxn id="14" idx="0"/>
+          </p:cNvCxnSpPr>
+          <p:nvPr/>
+        </p:nvCxnSpPr>
+        <p:spPr>
+          <a:xfrm flipH="1">
+            <a:off x="5775820" y="4043494"/>
+            <a:ext cx="1" cy="838899"/>
+          </a:xfrm>
+          <a:prstGeom prst="straightConnector1">
+            <a:avLst/>
+          </a:prstGeom>
+          <a:ln>
+            <a:tailEnd type="triangle"/>
+          </a:ln>
+        </p:spPr>
+        <p:style>
+          <a:lnRef idx="2">
+            <a:schemeClr val="dk1"/>
+          </a:lnRef>
+          <a:fillRef idx="1">
+            <a:schemeClr val="lt1"/>
+          </a:fillRef>
+          <a:effectRef idx="0">
+            <a:schemeClr val="dk1"/>
+          </a:effectRef>
+          <a:fontRef idx="minor">
+            <a:schemeClr val="dk1"/>
+          </a:fontRef>
+        </p:style>
+      </p:cxnSp>
+      <p:cxnSp>
+        <p:nvCxnSpPr>
+          <p:cNvPr id="25" name="Straight Arrow Connector 24">
+            <a:extLst>
+              <a:ext uri="{FF2B5EF4-FFF2-40B4-BE49-F238E27FC236}">
+                <a16:creationId xmlns:a16="http://schemas.microsoft.com/office/drawing/2014/main" id="{23289C3F-EB30-48DF-8ECA-803FF6C5DDF9}"/>
+              </a:ext>
+            </a:extLst>
+          </p:cNvPr>
+          <p:cNvCxnSpPr/>
+          <p:nvPr/>
+        </p:nvCxnSpPr>
+        <p:spPr>
+          <a:xfrm>
+            <a:off x="6096000" y="1602298"/>
+            <a:ext cx="0" cy="838899"/>
+          </a:xfrm>
+          <a:prstGeom prst="straightConnector1">
+            <a:avLst/>
+          </a:prstGeom>
+          <a:ln>
+            <a:tailEnd type="triangle"/>
+          </a:ln>
+        </p:spPr>
+        <p:style>
+          <a:lnRef idx="2">
+            <a:schemeClr val="dk1"/>
+          </a:lnRef>
+          <a:fillRef idx="1">
+            <a:schemeClr val="lt1"/>
+          </a:fillRef>
+          <a:effectRef idx="0">
+            <a:schemeClr val="dk1"/>
+          </a:effectRef>
+          <a:fontRef idx="minor">
+            <a:schemeClr val="dk1"/>
+          </a:fontRef>
+        </p:style>
+      </p:cxnSp>
+      <p:cxnSp>
+        <p:nvCxnSpPr>
+          <p:cNvPr id="27" name="Straight Arrow Connector 26">
+            <a:extLst>
+              <a:ext uri="{FF2B5EF4-FFF2-40B4-BE49-F238E27FC236}">
+                <a16:creationId xmlns:a16="http://schemas.microsoft.com/office/drawing/2014/main" id="{A9816B0E-F5AB-41C7-9E6E-043099E7C733}"/>
+              </a:ext>
+            </a:extLst>
+          </p:cNvPr>
+          <p:cNvCxnSpPr>
+            <a:stCxn id="7" idx="3"/>
+            <a:endCxn id="7" idx="3"/>
+          </p:cNvCxnSpPr>
+          <p:nvPr/>
+        </p:nvCxnSpPr>
+        <p:spPr>
+          <a:xfrm>
+            <a:off x="6757332" y="1002486"/>
+            <a:ext cx="0" cy="0"/>
+          </a:xfrm>
+          <a:prstGeom prst="straightConnector1">
+            <a:avLst/>
+          </a:prstGeom>
+          <a:ln>
+            <a:tailEnd type="triangle"/>
+          </a:ln>
+        </p:spPr>
+        <p:style>
+          <a:lnRef idx="2">
+            <a:schemeClr val="dk1"/>
+          </a:lnRef>
+          <a:fillRef idx="1">
+            <a:schemeClr val="lt1"/>
+          </a:fillRef>
+          <a:effectRef idx="0">
+            <a:schemeClr val="dk1"/>
+          </a:effectRef>
+          <a:fontRef idx="minor">
+            <a:schemeClr val="dk1"/>
+          </a:fontRef>
+        </p:style>
+      </p:cxnSp>
+      <p:cxnSp>
+        <p:nvCxnSpPr>
+          <p:cNvPr id="29" name="Straight Arrow Connector 28">
+            <a:extLst>
+              <a:ext uri="{FF2B5EF4-FFF2-40B4-BE49-F238E27FC236}">
+                <a16:creationId xmlns:a16="http://schemas.microsoft.com/office/drawing/2014/main" id="{BAD0710C-9BB1-4AC8-987F-9357E02990D5}"/>
+              </a:ext>
+            </a:extLst>
+          </p:cNvPr>
+          <p:cNvCxnSpPr>
+            <a:stCxn id="3" idx="3"/>
+            <a:endCxn id="11" idx="1"/>
+          </p:cNvCxnSpPr>
+          <p:nvPr/>
+        </p:nvCxnSpPr>
+        <p:spPr>
+          <a:xfrm flipV="1">
+            <a:off x="6946085" y="796605"/>
+            <a:ext cx="1043029" cy="2445741"/>
+          </a:xfrm>
+          <a:prstGeom prst="straightConnector1">
+            <a:avLst/>
+          </a:prstGeom>
+          <a:ln>
+            <a:headEnd type="triangle"/>
+            <a:tailEnd type="triangle"/>
+          </a:ln>
+        </p:spPr>
+        <p:style>
+          <a:lnRef idx="2">
+            <a:schemeClr val="dk1"/>
+          </a:lnRef>
+          <a:fillRef idx="1">
+            <a:schemeClr val="lt1"/>
+          </a:fillRef>
+          <a:effectRef idx="0">
+            <a:schemeClr val="dk1"/>
+          </a:effectRef>
+          <a:fontRef idx="minor">
+            <a:schemeClr val="dk1"/>
+          </a:fontRef>
+        </p:style>
+      </p:cxnSp>
+      <p:cxnSp>
+        <p:nvCxnSpPr>
+          <p:cNvPr id="31" name="Straight Arrow Connector 30">
+            <a:extLst>
+              <a:ext uri="{FF2B5EF4-FFF2-40B4-BE49-F238E27FC236}">
+                <a16:creationId xmlns:a16="http://schemas.microsoft.com/office/drawing/2014/main" id="{6762F499-395D-42A9-81DA-8C18EE9BD553}"/>
+              </a:ext>
+            </a:extLst>
+          </p:cNvPr>
+          <p:cNvCxnSpPr>
+            <a:stCxn id="3" idx="3"/>
+            <a:endCxn id="8" idx="1"/>
+          </p:cNvCxnSpPr>
+          <p:nvPr/>
+        </p:nvCxnSpPr>
+        <p:spPr>
+          <a:xfrm flipV="1">
+            <a:off x="6946085" y="2535748"/>
+            <a:ext cx="1043029" cy="706598"/>
+          </a:xfrm>
+          <a:prstGeom prst="straightConnector1">
+            <a:avLst/>
+          </a:prstGeom>
+          <a:ln>
+            <a:headEnd type="triangle"/>
+            <a:tailEnd type="triangle"/>
+          </a:ln>
+        </p:spPr>
+        <p:style>
+          <a:lnRef idx="2">
+            <a:schemeClr val="dk1"/>
+          </a:lnRef>
+          <a:fillRef idx="1">
+            <a:schemeClr val="lt1"/>
+          </a:fillRef>
+          <a:effectRef idx="0">
+            <a:schemeClr val="dk1"/>
+          </a:effectRef>
+          <a:fontRef idx="minor">
+            <a:schemeClr val="dk1"/>
+          </a:fontRef>
+        </p:style>
+      </p:cxnSp>
+      <p:cxnSp>
+        <p:nvCxnSpPr>
+          <p:cNvPr id="33" name="Straight Arrow Connector 32">
+            <a:extLst>
+              <a:ext uri="{FF2B5EF4-FFF2-40B4-BE49-F238E27FC236}">
+                <a16:creationId xmlns:a16="http://schemas.microsoft.com/office/drawing/2014/main" id="{E9700C08-21C8-4FDB-BE1F-721ED0742580}"/>
+              </a:ext>
+            </a:extLst>
+          </p:cNvPr>
+          <p:cNvCxnSpPr>
+            <a:stCxn id="3" idx="3"/>
+            <a:endCxn id="9" idx="1"/>
+          </p:cNvCxnSpPr>
+          <p:nvPr/>
+        </p:nvCxnSpPr>
+        <p:spPr>
+          <a:xfrm>
+            <a:off x="6946085" y="3242346"/>
+            <a:ext cx="1043029" cy="1015505"/>
+          </a:xfrm>
+          <a:prstGeom prst="straightConnector1">
+            <a:avLst/>
+          </a:prstGeom>
+          <a:ln>
+            <a:headEnd type="triangle"/>
+            <a:tailEnd type="triangle"/>
+          </a:ln>
+        </p:spPr>
+        <p:style>
+          <a:lnRef idx="2">
+            <a:schemeClr val="dk1"/>
+          </a:lnRef>
+          <a:fillRef idx="1">
+            <a:schemeClr val="lt1"/>
+          </a:fillRef>
+          <a:effectRef idx="0">
+            <a:schemeClr val="dk1"/>
+          </a:effectRef>
+          <a:fontRef idx="minor">
+            <a:schemeClr val="dk1"/>
+          </a:fontRef>
+        </p:style>
+      </p:cxnSp>
+      <p:cxnSp>
+        <p:nvCxnSpPr>
+          <p:cNvPr id="35" name="Straight Arrow Connector 34">
+            <a:extLst>
+              <a:ext uri="{FF2B5EF4-FFF2-40B4-BE49-F238E27FC236}">
+                <a16:creationId xmlns:a16="http://schemas.microsoft.com/office/drawing/2014/main" id="{253271CE-C992-425B-B790-25B837BD120D}"/>
+              </a:ext>
+            </a:extLst>
+          </p:cNvPr>
+          <p:cNvCxnSpPr>
+            <a:stCxn id="3" idx="3"/>
+            <a:endCxn id="10" idx="1"/>
+          </p:cNvCxnSpPr>
+          <p:nvPr/>
+        </p:nvCxnSpPr>
+        <p:spPr>
+          <a:xfrm>
+            <a:off x="6946085" y="3242346"/>
+            <a:ext cx="1084974" cy="2737608"/>
+          </a:xfrm>
+          <a:prstGeom prst="straightConnector1">
+            <a:avLst/>
+          </a:prstGeom>
+          <a:ln>
+            <a:headEnd type="triangle"/>
+            <a:tailEnd type="triangle"/>
+          </a:ln>
+        </p:spPr>
+        <p:style>
+          <a:lnRef idx="2">
+            <a:schemeClr val="dk1"/>
+          </a:lnRef>
+          <a:fillRef idx="1">
+            <a:schemeClr val="lt1"/>
+          </a:fillRef>
+          <a:effectRef idx="0">
+            <a:schemeClr val="dk1"/>
+          </a:effectRef>
+          <a:fontRef idx="minor">
+            <a:schemeClr val="dk1"/>
+          </a:fontRef>
+        </p:style>
+      </p:cxnSp>
+    </p:spTree>
+    <p:extLst>
+      <p:ext uri="{BB962C8B-B14F-4D97-AF65-F5344CB8AC3E}">
+        <p14:creationId xmlns:p14="http://schemas.microsoft.com/office/powerpoint/2010/main" val="451526843"/>
+      </p:ext>
+    </p:extLst>
+  </p:cSld>
+  <p:clrMapOvr>
+    <a:masterClrMapping/>
+  </p:clrMapOvr>
+</p:sld>
+</file>
+
 <file path=ppt/theme/theme1.xml><?xml version="1.0" encoding="utf-8"?>
 <a:theme xmlns:a="http://schemas.openxmlformats.org/drawingml/2006/main" name="Office Theme">
   <a:themeElements>

--- a/Architecture/Software architecture.pptx
+++ b/Architecture/Software architecture.pptx
@@ -8,6 +8,7 @@
     <p:sldId id="257" r:id="rId2"/>
     <p:sldId id="258" r:id="rId3"/>
     <p:sldId id="259" r:id="rId4"/>
+    <p:sldId id="260" r:id="rId5"/>
   </p:sldIdLst>
   <p:sldSz cx="12192000" cy="6858000"/>
   <p:notesSz cx="6858000" cy="9144000"/>
@@ -263,7 +264,7 @@
           <a:p>
             <a:fld id="{92DB69B7-EEDA-460E-B719-3916B5C9FC71}" type="datetimeFigureOut">
               <a:rPr lang="en-CA" smtClean="0"/>
-              <a:t>2019-03-14</a:t>
+              <a:t>2019-07-20</a:t>
             </a:fld>
             <a:endParaRPr lang="en-CA"/>
           </a:p>
@@ -463,7 +464,7 @@
           <a:p>
             <a:fld id="{92DB69B7-EEDA-460E-B719-3916B5C9FC71}" type="datetimeFigureOut">
               <a:rPr lang="en-CA" smtClean="0"/>
-              <a:t>2019-03-14</a:t>
+              <a:t>2019-07-20</a:t>
             </a:fld>
             <a:endParaRPr lang="en-CA"/>
           </a:p>
@@ -673,7 +674,7 @@
           <a:p>
             <a:fld id="{92DB69B7-EEDA-460E-B719-3916B5C9FC71}" type="datetimeFigureOut">
               <a:rPr lang="en-CA" smtClean="0"/>
-              <a:t>2019-03-14</a:t>
+              <a:t>2019-07-20</a:t>
             </a:fld>
             <a:endParaRPr lang="en-CA"/>
           </a:p>
@@ -873,7 +874,7 @@
           <a:p>
             <a:fld id="{92DB69B7-EEDA-460E-B719-3916B5C9FC71}" type="datetimeFigureOut">
               <a:rPr lang="en-CA" smtClean="0"/>
-              <a:t>2019-03-14</a:t>
+              <a:t>2019-07-20</a:t>
             </a:fld>
             <a:endParaRPr lang="en-CA"/>
           </a:p>
@@ -1149,7 +1150,7 @@
           <a:p>
             <a:fld id="{92DB69B7-EEDA-460E-B719-3916B5C9FC71}" type="datetimeFigureOut">
               <a:rPr lang="en-CA" smtClean="0"/>
-              <a:t>2019-03-14</a:t>
+              <a:t>2019-07-20</a:t>
             </a:fld>
             <a:endParaRPr lang="en-CA"/>
           </a:p>
@@ -1417,7 +1418,7 @@
           <a:p>
             <a:fld id="{92DB69B7-EEDA-460E-B719-3916B5C9FC71}" type="datetimeFigureOut">
               <a:rPr lang="en-CA" smtClean="0"/>
-              <a:t>2019-03-14</a:t>
+              <a:t>2019-07-20</a:t>
             </a:fld>
             <a:endParaRPr lang="en-CA"/>
           </a:p>
@@ -1832,7 +1833,7 @@
           <a:p>
             <a:fld id="{92DB69B7-EEDA-460E-B719-3916B5C9FC71}" type="datetimeFigureOut">
               <a:rPr lang="en-CA" smtClean="0"/>
-              <a:t>2019-03-14</a:t>
+              <a:t>2019-07-20</a:t>
             </a:fld>
             <a:endParaRPr lang="en-CA"/>
           </a:p>
@@ -1974,7 +1975,7 @@
           <a:p>
             <a:fld id="{92DB69B7-EEDA-460E-B719-3916B5C9FC71}" type="datetimeFigureOut">
               <a:rPr lang="en-CA" smtClean="0"/>
-              <a:t>2019-03-14</a:t>
+              <a:t>2019-07-20</a:t>
             </a:fld>
             <a:endParaRPr lang="en-CA"/>
           </a:p>
@@ -2087,7 +2088,7 @@
           <a:p>
             <a:fld id="{92DB69B7-EEDA-460E-B719-3916B5C9FC71}" type="datetimeFigureOut">
               <a:rPr lang="en-CA" smtClean="0"/>
-              <a:t>2019-03-14</a:t>
+              <a:t>2019-07-20</a:t>
             </a:fld>
             <a:endParaRPr lang="en-CA"/>
           </a:p>
@@ -2400,7 +2401,7 @@
           <a:p>
             <a:fld id="{92DB69B7-EEDA-460E-B719-3916B5C9FC71}" type="datetimeFigureOut">
               <a:rPr lang="en-CA" smtClean="0"/>
-              <a:t>2019-03-14</a:t>
+              <a:t>2019-07-20</a:t>
             </a:fld>
             <a:endParaRPr lang="en-CA"/>
           </a:p>
@@ -2689,7 +2690,7 @@
           <a:p>
             <a:fld id="{92DB69B7-EEDA-460E-B719-3916B5C9FC71}" type="datetimeFigureOut">
               <a:rPr lang="en-CA" smtClean="0"/>
-              <a:t>2019-03-14</a:t>
+              <a:t>2019-07-20</a:t>
             </a:fld>
             <a:endParaRPr lang="en-CA"/>
           </a:p>
@@ -2932,7 +2933,7 @@
           <a:p>
             <a:fld id="{92DB69B7-EEDA-460E-B719-3916B5C9FC71}" type="datetimeFigureOut">
               <a:rPr lang="en-CA" smtClean="0"/>
-              <a:t>2019-03-14</a:t>
+              <a:t>2019-07-20</a:t>
             </a:fld>
             <a:endParaRPr lang="en-CA"/>
           </a:p>
@@ -6923,6 +6924,7 @@
             </a:extLst>
           </p:cNvPr>
           <p:cNvCxnSpPr>
+            <a:cxnSpLocks/>
             <a:stCxn id="7" idx="3"/>
           </p:cNvCxnSpPr>
           <p:nvPr/>
@@ -7793,6 +7795,1839 @@
     <p:extLst>
       <p:ext uri="{BB962C8B-B14F-4D97-AF65-F5344CB8AC3E}">
         <p14:creationId xmlns:p14="http://schemas.microsoft.com/office/powerpoint/2010/main" val="451526843"/>
+      </p:ext>
+    </p:extLst>
+  </p:cSld>
+  <p:clrMapOvr>
+    <a:masterClrMapping/>
+  </p:clrMapOvr>
+</p:sld>
+</file>
+
+<file path=ppt/slides/slide4.xml><?xml version="1.0" encoding="utf-8"?>
+<p:sld xmlns:a="http://schemas.openxmlformats.org/drawingml/2006/main" xmlns:r="http://schemas.openxmlformats.org/officeDocument/2006/relationships" xmlns:p="http://schemas.openxmlformats.org/presentationml/2006/main">
+  <p:cSld>
+    <p:spTree>
+      <p:nvGrpSpPr>
+        <p:cNvPr id="1" name=""/>
+        <p:cNvGrpSpPr/>
+        <p:nvPr/>
+      </p:nvGrpSpPr>
+      <p:grpSpPr>
+        <a:xfrm>
+          <a:off x="0" y="0"/>
+          <a:ext cx="0" cy="0"/>
+          <a:chOff x="0" y="0"/>
+          <a:chExt cx="0" cy="0"/>
+        </a:xfrm>
+      </p:grpSpPr>
+      <p:sp>
+        <p:nvSpPr>
+          <p:cNvPr id="2" name="Rectangle 1">
+            <a:extLst>
+              <a:ext uri="{FF2B5EF4-FFF2-40B4-BE49-F238E27FC236}">
+                <a16:creationId xmlns:a16="http://schemas.microsoft.com/office/drawing/2014/main" id="{2E685D9A-D6C9-48F3-BD3A-ADC2EF248B40}"/>
+              </a:ext>
+            </a:extLst>
+          </p:cNvPr>
+          <p:cNvSpPr/>
+          <p:nvPr/>
+        </p:nvSpPr>
+        <p:spPr>
+          <a:xfrm>
+            <a:off x="593559" y="1106901"/>
+            <a:ext cx="3096126" cy="5542547"/>
+          </a:xfrm>
+          <a:prstGeom prst="rect">
+            <a:avLst/>
+          </a:prstGeom>
+          <a:solidFill>
+            <a:schemeClr val="accent3">
+              <a:alpha val="50000"/>
+            </a:schemeClr>
+          </a:solidFill>
+          <a:ln>
+            <a:noFill/>
+          </a:ln>
+        </p:spPr>
+        <p:style>
+          <a:lnRef idx="0">
+            <a:scrgbClr r="0" g="0" b="0"/>
+          </a:lnRef>
+          <a:fillRef idx="0">
+            <a:scrgbClr r="0" g="0" b="0"/>
+          </a:fillRef>
+          <a:effectRef idx="0">
+            <a:scrgbClr r="0" g="0" b="0"/>
+          </a:effectRef>
+          <a:fontRef idx="minor">
+            <a:schemeClr val="lt1"/>
+          </a:fontRef>
+        </p:style>
+        <p:txBody>
+          <a:bodyPr rtlCol="0" anchor="ctr"/>
+          <a:lstStyle/>
+          <a:p>
+            <a:pPr algn="ctr"/>
+            <a:endParaRPr lang="en-CA" dirty="0"/>
+          </a:p>
+        </p:txBody>
+      </p:sp>
+      <p:sp>
+        <p:nvSpPr>
+          <p:cNvPr id="3" name="Rectangle 2">
+            <a:extLst>
+              <a:ext uri="{FF2B5EF4-FFF2-40B4-BE49-F238E27FC236}">
+                <a16:creationId xmlns:a16="http://schemas.microsoft.com/office/drawing/2014/main" id="{97940458-92E8-403C-A872-B8E955E79FE1}"/>
+              </a:ext>
+            </a:extLst>
+          </p:cNvPr>
+          <p:cNvSpPr/>
+          <p:nvPr/>
+        </p:nvSpPr>
+        <p:spPr>
+          <a:xfrm>
+            <a:off x="4555959" y="1106901"/>
+            <a:ext cx="3096126" cy="5542547"/>
+          </a:xfrm>
+          <a:prstGeom prst="rect">
+            <a:avLst/>
+          </a:prstGeom>
+          <a:solidFill>
+            <a:schemeClr val="accent6">
+              <a:alpha val="50000"/>
+            </a:schemeClr>
+          </a:solidFill>
+          <a:ln>
+            <a:noFill/>
+          </a:ln>
+        </p:spPr>
+        <p:style>
+          <a:lnRef idx="0">
+            <a:scrgbClr r="0" g="0" b="0"/>
+          </a:lnRef>
+          <a:fillRef idx="0">
+            <a:scrgbClr r="0" g="0" b="0"/>
+          </a:fillRef>
+          <a:effectRef idx="0">
+            <a:scrgbClr r="0" g="0" b="0"/>
+          </a:effectRef>
+          <a:fontRef idx="minor">
+            <a:schemeClr val="lt1"/>
+          </a:fontRef>
+        </p:style>
+        <p:txBody>
+          <a:bodyPr rtlCol="0" anchor="ctr"/>
+          <a:lstStyle/>
+          <a:p>
+            <a:pPr algn="ctr"/>
+            <a:endParaRPr lang="en-CA"/>
+          </a:p>
+        </p:txBody>
+      </p:sp>
+      <p:sp>
+        <p:nvSpPr>
+          <p:cNvPr id="4" name="Rectangle 3">
+            <a:extLst>
+              <a:ext uri="{FF2B5EF4-FFF2-40B4-BE49-F238E27FC236}">
+                <a16:creationId xmlns:a16="http://schemas.microsoft.com/office/drawing/2014/main" id="{5E605634-2204-48D4-82A3-8A60EA22205D}"/>
+              </a:ext>
+            </a:extLst>
+          </p:cNvPr>
+          <p:cNvSpPr/>
+          <p:nvPr/>
+        </p:nvSpPr>
+        <p:spPr>
+          <a:xfrm>
+            <a:off x="8502317" y="1106901"/>
+            <a:ext cx="3096126" cy="5542547"/>
+          </a:xfrm>
+          <a:prstGeom prst="rect">
+            <a:avLst/>
+          </a:prstGeom>
+          <a:solidFill>
+            <a:schemeClr val="accent5">
+              <a:alpha val="50000"/>
+            </a:schemeClr>
+          </a:solidFill>
+          <a:ln>
+            <a:noFill/>
+          </a:ln>
+        </p:spPr>
+        <p:style>
+          <a:lnRef idx="0">
+            <a:scrgbClr r="0" g="0" b="0"/>
+          </a:lnRef>
+          <a:fillRef idx="0">
+            <a:scrgbClr r="0" g="0" b="0"/>
+          </a:fillRef>
+          <a:effectRef idx="0">
+            <a:scrgbClr r="0" g="0" b="0"/>
+          </a:effectRef>
+          <a:fontRef idx="minor">
+            <a:schemeClr val="lt1"/>
+          </a:fontRef>
+        </p:style>
+        <p:txBody>
+          <a:bodyPr rtlCol="0" anchor="ctr"/>
+          <a:lstStyle/>
+          <a:p>
+            <a:pPr algn="ctr"/>
+            <a:endParaRPr lang="en-CA"/>
+          </a:p>
+        </p:txBody>
+      </p:sp>
+      <p:sp>
+        <p:nvSpPr>
+          <p:cNvPr id="5" name="Rectangle 4">
+            <a:extLst>
+              <a:ext uri="{FF2B5EF4-FFF2-40B4-BE49-F238E27FC236}">
+                <a16:creationId xmlns:a16="http://schemas.microsoft.com/office/drawing/2014/main" id="{9D1531BB-1E23-4F9F-A6DB-84FB5107CEA5}"/>
+              </a:ext>
+            </a:extLst>
+          </p:cNvPr>
+          <p:cNvSpPr/>
+          <p:nvPr/>
+        </p:nvSpPr>
+        <p:spPr>
+          <a:xfrm>
+            <a:off x="1232234" y="2181807"/>
+            <a:ext cx="1836821" cy="2518611"/>
+          </a:xfrm>
+          <a:prstGeom prst="rect">
+            <a:avLst/>
+          </a:prstGeom>
+        </p:spPr>
+        <p:style>
+          <a:lnRef idx="2">
+            <a:schemeClr val="accent1"/>
+          </a:lnRef>
+          <a:fillRef idx="1">
+            <a:schemeClr val="lt1"/>
+          </a:fillRef>
+          <a:effectRef idx="0">
+            <a:schemeClr val="accent1"/>
+          </a:effectRef>
+          <a:fontRef idx="minor">
+            <a:schemeClr val="dk1"/>
+          </a:fontRef>
+        </p:style>
+        <p:txBody>
+          <a:bodyPr rtlCol="0" anchor="ctr"/>
+          <a:lstStyle/>
+          <a:p>
+            <a:pPr algn="ctr"/>
+            <a:endParaRPr lang="en-US" dirty="0"/>
+          </a:p>
+          <a:p>
+            <a:pPr algn="ctr"/>
+            <a:endParaRPr lang="en-US" dirty="0"/>
+          </a:p>
+          <a:p>
+            <a:pPr algn="ctr"/>
+            <a:endParaRPr lang="en-US" dirty="0"/>
+          </a:p>
+          <a:p>
+            <a:pPr algn="ctr"/>
+            <a:endParaRPr lang="en-US" dirty="0"/>
+          </a:p>
+          <a:p>
+            <a:pPr algn="ctr"/>
+            <a:r>
+              <a:rPr lang="en-US" dirty="0"/>
+              <a:t>Client</a:t>
+            </a:r>
+            <a:br>
+              <a:rPr lang="en-US" dirty="0"/>
+            </a:br>
+            <a:r>
+              <a:rPr lang="en-US" sz="1600" dirty="0"/>
+              <a:t>(Angular)</a:t>
+            </a:r>
+            <a:endParaRPr lang="en-CA" dirty="0"/>
+          </a:p>
+        </p:txBody>
+      </p:sp>
+      <p:sp>
+        <p:nvSpPr>
+          <p:cNvPr id="7" name="Rectangle 6">
+            <a:extLst>
+              <a:ext uri="{FF2B5EF4-FFF2-40B4-BE49-F238E27FC236}">
+                <a16:creationId xmlns:a16="http://schemas.microsoft.com/office/drawing/2014/main" id="{A209A038-6FE2-4881-8D05-AB64975B66E0}"/>
+              </a:ext>
+            </a:extLst>
+          </p:cNvPr>
+          <p:cNvSpPr/>
+          <p:nvPr/>
+        </p:nvSpPr>
+        <p:spPr>
+          <a:xfrm>
+            <a:off x="9131968" y="3629027"/>
+            <a:ext cx="1836821" cy="717885"/>
+          </a:xfrm>
+          <a:prstGeom prst="rect">
+            <a:avLst/>
+          </a:prstGeom>
+        </p:spPr>
+        <p:style>
+          <a:lnRef idx="2">
+            <a:schemeClr val="accent6"/>
+          </a:lnRef>
+          <a:fillRef idx="1">
+            <a:schemeClr val="lt1"/>
+          </a:fillRef>
+          <a:effectRef idx="0">
+            <a:schemeClr val="accent6"/>
+          </a:effectRef>
+          <a:fontRef idx="minor">
+            <a:schemeClr val="dk1"/>
+          </a:fontRef>
+        </p:style>
+        <p:txBody>
+          <a:bodyPr rtlCol="0" anchor="ctr"/>
+          <a:lstStyle/>
+          <a:p>
+            <a:pPr algn="ctr"/>
+            <a:r>
+              <a:rPr lang="en-US" dirty="0"/>
+              <a:t>REST APIs</a:t>
+            </a:r>
+            <a:endParaRPr lang="en-CA" dirty="0"/>
+          </a:p>
+        </p:txBody>
+      </p:sp>
+      <p:sp>
+        <p:nvSpPr>
+          <p:cNvPr id="8" name="TextBox 7">
+            <a:extLst>
+              <a:ext uri="{FF2B5EF4-FFF2-40B4-BE49-F238E27FC236}">
+                <a16:creationId xmlns:a16="http://schemas.microsoft.com/office/drawing/2014/main" id="{2E94F2BB-C72A-4B40-B891-C803DC490A38}"/>
+              </a:ext>
+            </a:extLst>
+          </p:cNvPr>
+          <p:cNvSpPr txBox="1"/>
+          <p:nvPr/>
+        </p:nvSpPr>
+        <p:spPr>
+          <a:xfrm>
+            <a:off x="946484" y="1403680"/>
+            <a:ext cx="2390274" cy="369332"/>
+          </a:xfrm>
+          <a:prstGeom prst="rect">
+            <a:avLst/>
+          </a:prstGeom>
+          <a:noFill/>
+        </p:spPr>
+        <p:txBody>
+          <a:bodyPr wrap="square" rtlCol="0">
+            <a:spAutoFit/>
+          </a:bodyPr>
+          <a:lstStyle/>
+          <a:p>
+            <a:pPr algn="ctr"/>
+            <a:r>
+              <a:rPr lang="en-US" dirty="0"/>
+              <a:t>Client Layer</a:t>
+            </a:r>
+            <a:endParaRPr lang="en-CA" dirty="0"/>
+          </a:p>
+        </p:txBody>
+      </p:sp>
+      <p:sp>
+        <p:nvSpPr>
+          <p:cNvPr id="9" name="TextBox 8">
+            <a:extLst>
+              <a:ext uri="{FF2B5EF4-FFF2-40B4-BE49-F238E27FC236}">
+                <a16:creationId xmlns:a16="http://schemas.microsoft.com/office/drawing/2014/main" id="{B73965F2-2469-4F21-A650-F58CCE0DE30C}"/>
+              </a:ext>
+            </a:extLst>
+          </p:cNvPr>
+          <p:cNvSpPr txBox="1"/>
+          <p:nvPr/>
+        </p:nvSpPr>
+        <p:spPr>
+          <a:xfrm>
+            <a:off x="4900863" y="1401129"/>
+            <a:ext cx="2390274" cy="369332"/>
+          </a:xfrm>
+          <a:prstGeom prst="rect">
+            <a:avLst/>
+          </a:prstGeom>
+          <a:noFill/>
+        </p:spPr>
+        <p:txBody>
+          <a:bodyPr wrap="square" rtlCol="0">
+            <a:spAutoFit/>
+          </a:bodyPr>
+          <a:lstStyle/>
+          <a:p>
+            <a:pPr algn="ctr"/>
+            <a:r>
+              <a:rPr lang="en-US" dirty="0"/>
+              <a:t>Access Layer</a:t>
+            </a:r>
+            <a:endParaRPr lang="en-CA" dirty="0"/>
+          </a:p>
+        </p:txBody>
+      </p:sp>
+      <p:sp>
+        <p:nvSpPr>
+          <p:cNvPr id="10" name="TextBox 9">
+            <a:extLst>
+              <a:ext uri="{FF2B5EF4-FFF2-40B4-BE49-F238E27FC236}">
+                <a16:creationId xmlns:a16="http://schemas.microsoft.com/office/drawing/2014/main" id="{AA43E1E3-EE41-4D36-9AAB-23139F197585}"/>
+              </a:ext>
+            </a:extLst>
+          </p:cNvPr>
+          <p:cNvSpPr txBox="1"/>
+          <p:nvPr/>
+        </p:nvSpPr>
+        <p:spPr>
+          <a:xfrm>
+            <a:off x="8855242" y="1403680"/>
+            <a:ext cx="2390274" cy="369332"/>
+          </a:xfrm>
+          <a:prstGeom prst="rect">
+            <a:avLst/>
+          </a:prstGeom>
+          <a:noFill/>
+        </p:spPr>
+        <p:txBody>
+          <a:bodyPr wrap="square" rtlCol="0">
+            <a:spAutoFit/>
+          </a:bodyPr>
+          <a:lstStyle/>
+          <a:p>
+            <a:pPr algn="ctr"/>
+            <a:r>
+              <a:rPr lang="en-US" dirty="0"/>
+              <a:t>Protected Layer</a:t>
+            </a:r>
+            <a:endParaRPr lang="en-CA" dirty="0"/>
+          </a:p>
+        </p:txBody>
+      </p:sp>
+      <p:pic>
+        <p:nvPicPr>
+          <p:cNvPr id="12" name="Graphic 11" descr="Monitor">
+            <a:extLst>
+              <a:ext uri="{FF2B5EF4-FFF2-40B4-BE49-F238E27FC236}">
+                <a16:creationId xmlns:a16="http://schemas.microsoft.com/office/drawing/2014/main" id="{40987F5E-A4BC-4CD0-A639-314EEC06644D}"/>
+              </a:ext>
+            </a:extLst>
+          </p:cNvPr>
+          <p:cNvPicPr>
+            <a:picLocks noChangeAspect="1"/>
+          </p:cNvPicPr>
+          <p:nvPr/>
+        </p:nvPicPr>
+        <p:blipFill>
+          <a:blip r:embed="rId2">
+            <a:extLst>
+              <a:ext uri="{28A0092B-C50C-407E-A947-70E740481C1C}">
+                <a14:useLocalDpi xmlns:a14="http://schemas.microsoft.com/office/drawing/2010/main" val="0"/>
+              </a:ext>
+              <a:ext uri="{96DAC541-7B7A-43D3-8B79-37D633B846F1}">
+                <asvg:svgBlip xmlns:asvg="http://schemas.microsoft.com/office/drawing/2016/SVG/main" r:embed="rId3"/>
+              </a:ext>
+            </a:extLst>
+          </a:blip>
+          <a:stretch>
+            <a:fillRect/>
+          </a:stretch>
+        </p:blipFill>
+        <p:spPr>
+          <a:xfrm>
+            <a:off x="1222209" y="2255433"/>
+            <a:ext cx="914400" cy="914400"/>
+          </a:xfrm>
+          <a:prstGeom prst="rect">
+            <a:avLst/>
+          </a:prstGeom>
+        </p:spPr>
+      </p:pic>
+      <p:pic>
+        <p:nvPicPr>
+          <p:cNvPr id="14" name="Graphic 13" descr="Smart Phone">
+            <a:extLst>
+              <a:ext uri="{FF2B5EF4-FFF2-40B4-BE49-F238E27FC236}">
+                <a16:creationId xmlns:a16="http://schemas.microsoft.com/office/drawing/2014/main" id="{6C840C45-AA10-4E8A-A794-CC35EAEF2C75}"/>
+              </a:ext>
+            </a:extLst>
+          </p:cNvPr>
+          <p:cNvPicPr>
+            <a:picLocks noChangeAspect="1"/>
+          </p:cNvPicPr>
+          <p:nvPr/>
+        </p:nvPicPr>
+        <p:blipFill>
+          <a:blip r:embed="rId4">
+            <a:extLst>
+              <a:ext uri="{28A0092B-C50C-407E-A947-70E740481C1C}">
+                <a14:useLocalDpi xmlns:a14="http://schemas.microsoft.com/office/drawing/2010/main" val="0"/>
+              </a:ext>
+              <a:ext uri="{96DAC541-7B7A-43D3-8B79-37D633B846F1}">
+                <asvg:svgBlip xmlns:asvg="http://schemas.microsoft.com/office/drawing/2016/SVG/main" r:embed="rId5"/>
+              </a:ext>
+            </a:extLst>
+          </a:blip>
+          <a:stretch>
+            <a:fillRect/>
+          </a:stretch>
+        </p:blipFill>
+        <p:spPr>
+          <a:xfrm>
+            <a:off x="2154655" y="2342632"/>
+            <a:ext cx="914400" cy="914400"/>
+          </a:xfrm>
+          <a:prstGeom prst="rect">
+            <a:avLst/>
+          </a:prstGeom>
+        </p:spPr>
+      </p:pic>
+      <p:sp>
+        <p:nvSpPr>
+          <p:cNvPr id="17" name="Rectangle 16">
+            <a:extLst>
+              <a:ext uri="{FF2B5EF4-FFF2-40B4-BE49-F238E27FC236}">
+                <a16:creationId xmlns:a16="http://schemas.microsoft.com/office/drawing/2014/main" id="{2F22ECA7-F326-4FAC-9283-F72620819EEB}"/>
+              </a:ext>
+            </a:extLst>
+          </p:cNvPr>
+          <p:cNvSpPr/>
+          <p:nvPr/>
+        </p:nvSpPr>
+        <p:spPr>
+          <a:xfrm>
+            <a:off x="9131967" y="2522648"/>
+            <a:ext cx="1836821" cy="647185"/>
+          </a:xfrm>
+          <a:prstGeom prst="rect">
+            <a:avLst/>
+          </a:prstGeom>
+        </p:spPr>
+        <p:style>
+          <a:lnRef idx="2">
+            <a:schemeClr val="dk1"/>
+          </a:lnRef>
+          <a:fillRef idx="1">
+            <a:schemeClr val="lt1"/>
+          </a:fillRef>
+          <a:effectRef idx="0">
+            <a:schemeClr val="dk1"/>
+          </a:effectRef>
+          <a:fontRef idx="minor">
+            <a:schemeClr val="dk1"/>
+          </a:fontRef>
+        </p:style>
+        <p:txBody>
+          <a:bodyPr rtlCol="0" anchor="ctr"/>
+          <a:lstStyle/>
+          <a:p>
+            <a:pPr algn="ctr"/>
+            <a:r>
+              <a:rPr lang="en-US" dirty="0"/>
+              <a:t>Auth</a:t>
+            </a:r>
+          </a:p>
+        </p:txBody>
+      </p:sp>
+      <p:sp>
+        <p:nvSpPr>
+          <p:cNvPr id="18" name="Rectangle 17">
+            <a:extLst>
+              <a:ext uri="{FF2B5EF4-FFF2-40B4-BE49-F238E27FC236}">
+                <a16:creationId xmlns:a16="http://schemas.microsoft.com/office/drawing/2014/main" id="{8722725C-8915-4AB2-98DA-9E3CE5A3AD51}"/>
+              </a:ext>
+            </a:extLst>
+          </p:cNvPr>
+          <p:cNvSpPr/>
+          <p:nvPr/>
+        </p:nvSpPr>
+        <p:spPr>
+          <a:xfrm>
+            <a:off x="5171573" y="2252630"/>
+            <a:ext cx="1836821" cy="2088307"/>
+          </a:xfrm>
+          <a:prstGeom prst="rect">
+            <a:avLst/>
+          </a:prstGeom>
+          <a:ln w="19050"/>
+        </p:spPr>
+        <p:style>
+          <a:lnRef idx="2">
+            <a:schemeClr val="accent2"/>
+          </a:lnRef>
+          <a:fillRef idx="1">
+            <a:schemeClr val="lt1"/>
+          </a:fillRef>
+          <a:effectRef idx="0">
+            <a:schemeClr val="accent2"/>
+          </a:effectRef>
+          <a:fontRef idx="minor">
+            <a:schemeClr val="dk1"/>
+          </a:fontRef>
+        </p:style>
+        <p:txBody>
+          <a:bodyPr rtlCol="0" anchor="ctr"/>
+          <a:lstStyle/>
+          <a:p>
+            <a:pPr algn="ctr"/>
+            <a:r>
+              <a:rPr lang="en-US" dirty="0"/>
+              <a:t>Server</a:t>
+            </a:r>
+          </a:p>
+          <a:p>
+            <a:pPr algn="ctr"/>
+            <a:r>
+              <a:rPr lang="en-US" sz="1400" dirty="0"/>
+              <a:t>(node.js)</a:t>
+            </a:r>
+          </a:p>
+        </p:txBody>
+      </p:sp>
+      <p:cxnSp>
+        <p:nvCxnSpPr>
+          <p:cNvPr id="25" name="Straight Arrow Connector 24">
+            <a:extLst>
+              <a:ext uri="{FF2B5EF4-FFF2-40B4-BE49-F238E27FC236}">
+                <a16:creationId xmlns:a16="http://schemas.microsoft.com/office/drawing/2014/main" id="{733419AE-59E7-456A-8E18-671E947608EB}"/>
+              </a:ext>
+            </a:extLst>
+          </p:cNvPr>
+          <p:cNvCxnSpPr>
+            <a:cxnSpLocks/>
+          </p:cNvCxnSpPr>
+          <p:nvPr/>
+        </p:nvCxnSpPr>
+        <p:spPr>
+          <a:xfrm>
+            <a:off x="7000372" y="3950562"/>
+            <a:ext cx="2123568" cy="12871"/>
+          </a:xfrm>
+          <a:prstGeom prst="straightConnector1">
+            <a:avLst/>
+          </a:prstGeom>
+          <a:ln w="19050">
+            <a:tailEnd type="triangle"/>
+          </a:ln>
+        </p:spPr>
+        <p:style>
+          <a:lnRef idx="3">
+            <a:schemeClr val="accent2"/>
+          </a:lnRef>
+          <a:fillRef idx="0">
+            <a:schemeClr val="accent2"/>
+          </a:fillRef>
+          <a:effectRef idx="2">
+            <a:schemeClr val="accent2"/>
+          </a:effectRef>
+          <a:fontRef idx="minor">
+            <a:schemeClr val="tx1"/>
+          </a:fontRef>
+        </p:style>
+      </p:cxnSp>
+      <p:cxnSp>
+        <p:nvCxnSpPr>
+          <p:cNvPr id="32" name="Straight Arrow Connector 31">
+            <a:extLst>
+              <a:ext uri="{FF2B5EF4-FFF2-40B4-BE49-F238E27FC236}">
+                <a16:creationId xmlns:a16="http://schemas.microsoft.com/office/drawing/2014/main" id="{F04EAB9F-0EE7-4385-9C01-F356FD9182FB}"/>
+              </a:ext>
+            </a:extLst>
+          </p:cNvPr>
+          <p:cNvCxnSpPr>
+            <a:cxnSpLocks/>
+          </p:cNvCxnSpPr>
+          <p:nvPr/>
+        </p:nvCxnSpPr>
+        <p:spPr>
+          <a:xfrm flipH="1" flipV="1">
+            <a:off x="6983313" y="4132506"/>
+            <a:ext cx="2123568" cy="13552"/>
+          </a:xfrm>
+          <a:prstGeom prst="straightConnector1">
+            <a:avLst/>
+          </a:prstGeom>
+          <a:ln w="19050">
+            <a:tailEnd type="triangle"/>
+          </a:ln>
+        </p:spPr>
+        <p:style>
+          <a:lnRef idx="1">
+            <a:schemeClr val="accent6"/>
+          </a:lnRef>
+          <a:fillRef idx="0">
+            <a:schemeClr val="accent6"/>
+          </a:fillRef>
+          <a:effectRef idx="0">
+            <a:schemeClr val="accent6"/>
+          </a:effectRef>
+          <a:fontRef idx="minor">
+            <a:schemeClr val="tx1"/>
+          </a:fontRef>
+        </p:style>
+      </p:cxnSp>
+      <p:sp>
+        <p:nvSpPr>
+          <p:cNvPr id="58" name="TextBox 57">
+            <a:extLst>
+              <a:ext uri="{FF2B5EF4-FFF2-40B4-BE49-F238E27FC236}">
+                <a16:creationId xmlns:a16="http://schemas.microsoft.com/office/drawing/2014/main" id="{9105463E-AD46-447E-8529-D77FF2BDB148}"/>
+              </a:ext>
+            </a:extLst>
+          </p:cNvPr>
+          <p:cNvSpPr txBox="1"/>
+          <p:nvPr/>
+        </p:nvSpPr>
+        <p:spPr>
+          <a:xfrm>
+            <a:off x="7446000" y="2367664"/>
+            <a:ext cx="1081223" cy="276999"/>
+          </a:xfrm>
+          <a:prstGeom prst="rect">
+            <a:avLst/>
+          </a:prstGeom>
+          <a:noFill/>
+        </p:spPr>
+        <p:txBody>
+          <a:bodyPr wrap="square" rtlCol="0">
+            <a:spAutoFit/>
+          </a:bodyPr>
+          <a:lstStyle/>
+          <a:p>
+            <a:pPr algn="ctr"/>
+            <a:r>
+              <a:rPr lang="en-US" sz="1200" dirty="0"/>
+              <a:t>Auth</a:t>
+            </a:r>
+            <a:endParaRPr lang="en-CA" sz="1200" dirty="0"/>
+          </a:p>
+        </p:txBody>
+      </p:sp>
+      <p:cxnSp>
+        <p:nvCxnSpPr>
+          <p:cNvPr id="72" name="Straight Arrow Connector 71">
+            <a:extLst>
+              <a:ext uri="{FF2B5EF4-FFF2-40B4-BE49-F238E27FC236}">
+                <a16:creationId xmlns:a16="http://schemas.microsoft.com/office/drawing/2014/main" id="{5FD99AEC-AA87-443E-8AF0-E558950118DD}"/>
+              </a:ext>
+            </a:extLst>
+          </p:cNvPr>
+          <p:cNvCxnSpPr>
+            <a:cxnSpLocks/>
+          </p:cNvCxnSpPr>
+          <p:nvPr/>
+        </p:nvCxnSpPr>
+        <p:spPr>
+          <a:xfrm>
+            <a:off x="7008394" y="2681522"/>
+            <a:ext cx="2123573" cy="13552"/>
+          </a:xfrm>
+          <a:prstGeom prst="straightConnector1">
+            <a:avLst/>
+          </a:prstGeom>
+          <a:ln>
+            <a:tailEnd type="triangle"/>
+          </a:ln>
+        </p:spPr>
+        <p:style>
+          <a:lnRef idx="1">
+            <a:schemeClr val="accent1"/>
+          </a:lnRef>
+          <a:fillRef idx="0">
+            <a:schemeClr val="accent1"/>
+          </a:fillRef>
+          <a:effectRef idx="0">
+            <a:schemeClr val="accent1"/>
+          </a:effectRef>
+          <a:fontRef idx="minor">
+            <a:schemeClr val="tx1"/>
+          </a:fontRef>
+        </p:style>
+      </p:cxnSp>
+      <p:cxnSp>
+        <p:nvCxnSpPr>
+          <p:cNvPr id="74" name="Straight Arrow Connector 73">
+            <a:extLst>
+              <a:ext uri="{FF2B5EF4-FFF2-40B4-BE49-F238E27FC236}">
+                <a16:creationId xmlns:a16="http://schemas.microsoft.com/office/drawing/2014/main" id="{936AC8AC-A17C-412E-A2D1-1B509E9EF5BF}"/>
+              </a:ext>
+            </a:extLst>
+          </p:cNvPr>
+          <p:cNvCxnSpPr>
+            <a:cxnSpLocks/>
+            <a:stCxn id="17" idx="1"/>
+          </p:cNvCxnSpPr>
+          <p:nvPr/>
+        </p:nvCxnSpPr>
+        <p:spPr>
+          <a:xfrm flipH="1" flipV="1">
+            <a:off x="7008394" y="2835877"/>
+            <a:ext cx="2123573" cy="10364"/>
+          </a:xfrm>
+          <a:prstGeom prst="straightConnector1">
+            <a:avLst/>
+          </a:prstGeom>
+          <a:ln>
+            <a:tailEnd type="triangle"/>
+          </a:ln>
+        </p:spPr>
+        <p:style>
+          <a:lnRef idx="1">
+            <a:schemeClr val="accent1"/>
+          </a:lnRef>
+          <a:fillRef idx="0">
+            <a:schemeClr val="accent1"/>
+          </a:fillRef>
+          <a:effectRef idx="0">
+            <a:schemeClr val="accent1"/>
+          </a:effectRef>
+          <a:fontRef idx="minor">
+            <a:schemeClr val="tx1"/>
+          </a:fontRef>
+        </p:style>
+      </p:cxnSp>
+      <p:sp>
+        <p:nvSpPr>
+          <p:cNvPr id="75" name="TextBox 74">
+            <a:extLst>
+              <a:ext uri="{FF2B5EF4-FFF2-40B4-BE49-F238E27FC236}">
+                <a16:creationId xmlns:a16="http://schemas.microsoft.com/office/drawing/2014/main" id="{262D4C62-60DA-4BC9-B7AD-BC8D8789807A}"/>
+              </a:ext>
+            </a:extLst>
+          </p:cNvPr>
+          <p:cNvSpPr txBox="1"/>
+          <p:nvPr/>
+        </p:nvSpPr>
+        <p:spPr>
+          <a:xfrm>
+            <a:off x="7351289" y="2899975"/>
+            <a:ext cx="1421734" cy="369332"/>
+          </a:xfrm>
+          <a:prstGeom prst="rect">
+            <a:avLst/>
+          </a:prstGeom>
+          <a:noFill/>
+        </p:spPr>
+        <p:txBody>
+          <a:bodyPr wrap="square" rtlCol="0">
+            <a:spAutoFit/>
+          </a:bodyPr>
+          <a:lstStyle/>
+          <a:p>
+            <a:pPr algn="ctr"/>
+            <a:r>
+              <a:rPr lang="en-US" dirty="0"/>
+              <a:t>JWT</a:t>
+            </a:r>
+            <a:endParaRPr lang="en-CA" dirty="0"/>
+          </a:p>
+        </p:txBody>
+      </p:sp>
+      <p:sp>
+        <p:nvSpPr>
+          <p:cNvPr id="76" name="TextBox 75">
+            <a:extLst>
+              <a:ext uri="{FF2B5EF4-FFF2-40B4-BE49-F238E27FC236}">
+                <a16:creationId xmlns:a16="http://schemas.microsoft.com/office/drawing/2014/main" id="{95F8EE90-A370-4659-A534-3F4B353B7D81}"/>
+              </a:ext>
+            </a:extLst>
+          </p:cNvPr>
+          <p:cNvSpPr txBox="1"/>
+          <p:nvPr/>
+        </p:nvSpPr>
+        <p:spPr>
+          <a:xfrm>
+            <a:off x="7637699" y="3629027"/>
+            <a:ext cx="861085" cy="276999"/>
+          </a:xfrm>
+          <a:prstGeom prst="rect">
+            <a:avLst/>
+          </a:prstGeom>
+          <a:noFill/>
+        </p:spPr>
+        <p:txBody>
+          <a:bodyPr wrap="square" rtlCol="0">
+            <a:spAutoFit/>
+          </a:bodyPr>
+          <a:lstStyle/>
+          <a:p>
+            <a:pPr algn="ctr"/>
+            <a:r>
+              <a:rPr lang="en-US" sz="1200" dirty="0"/>
+              <a:t>Request</a:t>
+            </a:r>
+            <a:endParaRPr lang="en-CA" sz="1200" dirty="0"/>
+          </a:p>
+        </p:txBody>
+      </p:sp>
+      <p:sp>
+        <p:nvSpPr>
+          <p:cNvPr id="80" name="TextBox 79">
+            <a:extLst>
+              <a:ext uri="{FF2B5EF4-FFF2-40B4-BE49-F238E27FC236}">
+                <a16:creationId xmlns:a16="http://schemas.microsoft.com/office/drawing/2014/main" id="{FB9077F5-051C-41E5-BF0A-31D1A824BED8}"/>
+              </a:ext>
+            </a:extLst>
+          </p:cNvPr>
+          <p:cNvSpPr txBox="1"/>
+          <p:nvPr/>
+        </p:nvSpPr>
+        <p:spPr>
+          <a:xfrm>
+            <a:off x="7624008" y="4099755"/>
+            <a:ext cx="853327" cy="276999"/>
+          </a:xfrm>
+          <a:prstGeom prst="rect">
+            <a:avLst/>
+          </a:prstGeom>
+          <a:noFill/>
+        </p:spPr>
+        <p:txBody>
+          <a:bodyPr wrap="square" rtlCol="0">
+            <a:spAutoFit/>
+          </a:bodyPr>
+          <a:lstStyle/>
+          <a:p>
+            <a:pPr algn="ctr"/>
+            <a:r>
+              <a:rPr lang="en-US" sz="1200" dirty="0"/>
+              <a:t>Response</a:t>
+            </a:r>
+            <a:endParaRPr lang="en-CA" sz="1200" dirty="0"/>
+          </a:p>
+        </p:txBody>
+      </p:sp>
+      <p:sp>
+        <p:nvSpPr>
+          <p:cNvPr id="85" name="Heptagon 84">
+            <a:extLst>
+              <a:ext uri="{FF2B5EF4-FFF2-40B4-BE49-F238E27FC236}">
+                <a16:creationId xmlns:a16="http://schemas.microsoft.com/office/drawing/2014/main" id="{FD42DB8A-3AEE-43C9-B11F-15B387924594}"/>
+              </a:ext>
+            </a:extLst>
+          </p:cNvPr>
+          <p:cNvSpPr/>
+          <p:nvPr/>
+        </p:nvSpPr>
+        <p:spPr>
+          <a:xfrm>
+            <a:off x="7060071" y="2318089"/>
+            <a:ext cx="360947" cy="297975"/>
+          </a:xfrm>
+          <a:prstGeom prst="heptagon">
+            <a:avLst/>
+          </a:prstGeom>
+        </p:spPr>
+        <p:style>
+          <a:lnRef idx="3">
+            <a:schemeClr val="lt1"/>
+          </a:lnRef>
+          <a:fillRef idx="1">
+            <a:schemeClr val="dk1"/>
+          </a:fillRef>
+          <a:effectRef idx="1">
+            <a:schemeClr val="dk1"/>
+          </a:effectRef>
+          <a:fontRef idx="minor">
+            <a:schemeClr val="lt1"/>
+          </a:fontRef>
+        </p:style>
+        <p:txBody>
+          <a:bodyPr rtlCol="0" anchor="ctr"/>
+          <a:lstStyle/>
+          <a:p>
+            <a:pPr algn="ctr"/>
+            <a:r>
+              <a:rPr lang="en-US" dirty="0"/>
+              <a:t>2</a:t>
+            </a:r>
+            <a:endParaRPr lang="en-CA" dirty="0"/>
+          </a:p>
+        </p:txBody>
+      </p:sp>
+      <p:sp>
+        <p:nvSpPr>
+          <p:cNvPr id="86" name="Heptagon 85">
+            <a:extLst>
+              <a:ext uri="{FF2B5EF4-FFF2-40B4-BE49-F238E27FC236}">
+                <a16:creationId xmlns:a16="http://schemas.microsoft.com/office/drawing/2014/main" id="{4C1E5AA9-409C-4984-9098-7F56B15A8884}"/>
+              </a:ext>
+            </a:extLst>
+          </p:cNvPr>
+          <p:cNvSpPr/>
+          <p:nvPr/>
+        </p:nvSpPr>
+        <p:spPr>
+          <a:xfrm>
+            <a:off x="8721125" y="2909827"/>
+            <a:ext cx="360947" cy="297975"/>
+          </a:xfrm>
+          <a:prstGeom prst="heptagon">
+            <a:avLst/>
+          </a:prstGeom>
+        </p:spPr>
+        <p:style>
+          <a:lnRef idx="3">
+            <a:schemeClr val="lt1"/>
+          </a:lnRef>
+          <a:fillRef idx="1">
+            <a:schemeClr val="dk1"/>
+          </a:fillRef>
+          <a:effectRef idx="1">
+            <a:schemeClr val="dk1"/>
+          </a:effectRef>
+          <a:fontRef idx="minor">
+            <a:schemeClr val="lt1"/>
+          </a:fontRef>
+        </p:style>
+        <p:txBody>
+          <a:bodyPr rtlCol="0" anchor="ctr"/>
+          <a:lstStyle/>
+          <a:p>
+            <a:pPr algn="ctr"/>
+            <a:r>
+              <a:rPr lang="en-US" dirty="0"/>
+              <a:t>3</a:t>
+            </a:r>
+            <a:endParaRPr lang="en-CA" dirty="0"/>
+          </a:p>
+        </p:txBody>
+      </p:sp>
+      <p:grpSp>
+        <p:nvGrpSpPr>
+          <p:cNvPr id="26" name="Group 25">
+            <a:extLst>
+              <a:ext uri="{FF2B5EF4-FFF2-40B4-BE49-F238E27FC236}">
+                <a16:creationId xmlns:a16="http://schemas.microsoft.com/office/drawing/2014/main" id="{0C9D99CE-17B0-42EA-B600-B3F2EB5BDB37}"/>
+              </a:ext>
+            </a:extLst>
+          </p:cNvPr>
+          <p:cNvGrpSpPr/>
+          <p:nvPr/>
+        </p:nvGrpSpPr>
+        <p:grpSpPr>
+          <a:xfrm>
+            <a:off x="3046990" y="2153571"/>
+            <a:ext cx="2120569" cy="1016262"/>
+            <a:chOff x="5170569" y="4849940"/>
+            <a:chExt cx="2120569" cy="1016262"/>
+          </a:xfrm>
+        </p:grpSpPr>
+        <p:cxnSp>
+          <p:nvCxnSpPr>
+            <p:cNvPr id="24" name="Straight Arrow Connector 23">
+              <a:extLst>
+                <a:ext uri="{FF2B5EF4-FFF2-40B4-BE49-F238E27FC236}">
+                  <a16:creationId xmlns:a16="http://schemas.microsoft.com/office/drawing/2014/main" id="{F5817EF9-8D65-48C5-A446-AA90F9D98070}"/>
+                </a:ext>
+              </a:extLst>
+            </p:cNvPr>
+            <p:cNvCxnSpPr/>
+            <p:nvPr/>
+          </p:nvCxnSpPr>
+          <p:spPr>
+            <a:xfrm>
+              <a:off x="5179596" y="5337189"/>
+              <a:ext cx="2111542" cy="0"/>
+            </a:xfrm>
+            <a:prstGeom prst="straightConnector1">
+              <a:avLst/>
+            </a:prstGeom>
+            <a:ln>
+              <a:tailEnd type="triangle"/>
+            </a:ln>
+          </p:spPr>
+          <p:style>
+            <a:lnRef idx="1">
+              <a:schemeClr val="accent1"/>
+            </a:lnRef>
+            <a:fillRef idx="0">
+              <a:schemeClr val="accent1"/>
+            </a:fillRef>
+            <a:effectRef idx="0">
+              <a:schemeClr val="accent1"/>
+            </a:effectRef>
+            <a:fontRef idx="minor">
+              <a:schemeClr val="tx1"/>
+            </a:fontRef>
+          </p:style>
+        </p:cxnSp>
+        <p:cxnSp>
+          <p:nvCxnSpPr>
+            <p:cNvPr id="55" name="Straight Arrow Connector 54">
+              <a:extLst>
+                <a:ext uri="{FF2B5EF4-FFF2-40B4-BE49-F238E27FC236}">
+                  <a16:creationId xmlns:a16="http://schemas.microsoft.com/office/drawing/2014/main" id="{E979131F-4F50-47A2-9966-85871B010820}"/>
+                </a:ext>
+              </a:extLst>
+            </p:cNvPr>
+            <p:cNvCxnSpPr/>
+            <p:nvPr/>
+          </p:nvCxnSpPr>
+          <p:spPr>
+            <a:xfrm flipH="1">
+              <a:off x="5170569" y="5520660"/>
+              <a:ext cx="2111541" cy="0"/>
+            </a:xfrm>
+            <a:prstGeom prst="straightConnector1">
+              <a:avLst/>
+            </a:prstGeom>
+            <a:ln>
+              <a:tailEnd type="triangle"/>
+            </a:ln>
+          </p:spPr>
+          <p:style>
+            <a:lnRef idx="1">
+              <a:schemeClr val="accent1"/>
+            </a:lnRef>
+            <a:fillRef idx="0">
+              <a:schemeClr val="accent1"/>
+            </a:fillRef>
+            <a:effectRef idx="0">
+              <a:schemeClr val="accent1"/>
+            </a:effectRef>
+            <a:fontRef idx="minor">
+              <a:schemeClr val="tx1"/>
+            </a:fontRef>
+          </p:style>
+        </p:cxnSp>
+        <p:sp>
+          <p:nvSpPr>
+            <p:cNvPr id="56" name="TextBox 55">
+              <a:extLst>
+                <a:ext uri="{FF2B5EF4-FFF2-40B4-BE49-F238E27FC236}">
+                  <a16:creationId xmlns:a16="http://schemas.microsoft.com/office/drawing/2014/main" id="{D982DDB9-2CFC-4551-979D-8DC43303BDF0}"/>
+                </a:ext>
+              </a:extLst>
+            </p:cNvPr>
+            <p:cNvSpPr txBox="1"/>
+            <p:nvPr/>
+          </p:nvSpPr>
+          <p:spPr>
+            <a:xfrm>
+              <a:off x="5706208" y="5521696"/>
+              <a:ext cx="1072315" cy="307777"/>
+            </a:xfrm>
+            <a:prstGeom prst="rect">
+              <a:avLst/>
+            </a:prstGeom>
+            <a:noFill/>
+          </p:spPr>
+          <p:txBody>
+            <a:bodyPr wrap="square" rtlCol="0">
+              <a:spAutoFit/>
+            </a:bodyPr>
+            <a:lstStyle/>
+            <a:p>
+              <a:pPr algn="ctr"/>
+              <a:r>
+                <a:rPr lang="en-US" sz="1400" dirty="0"/>
+                <a:t>Response</a:t>
+              </a:r>
+              <a:endParaRPr lang="en-CA" sz="1400" dirty="0"/>
+            </a:p>
+          </p:txBody>
+        </p:sp>
+        <p:sp>
+          <p:nvSpPr>
+            <p:cNvPr id="57" name="TextBox 56">
+              <a:extLst>
+                <a:ext uri="{FF2B5EF4-FFF2-40B4-BE49-F238E27FC236}">
+                  <a16:creationId xmlns:a16="http://schemas.microsoft.com/office/drawing/2014/main" id="{50E5D49D-75F3-416E-85F6-ADC01F5FE8F0}"/>
+                </a:ext>
+              </a:extLst>
+            </p:cNvPr>
+            <p:cNvSpPr txBox="1"/>
+            <p:nvPr/>
+          </p:nvSpPr>
+          <p:spPr>
+            <a:xfrm>
+              <a:off x="5663056" y="4849940"/>
+              <a:ext cx="1174661" cy="523220"/>
+            </a:xfrm>
+            <a:prstGeom prst="rect">
+              <a:avLst/>
+            </a:prstGeom>
+            <a:noFill/>
+          </p:spPr>
+          <p:txBody>
+            <a:bodyPr wrap="square" rtlCol="0">
+              <a:spAutoFit/>
+            </a:bodyPr>
+            <a:lstStyle/>
+            <a:p>
+              <a:pPr algn="ctr"/>
+              <a:r>
+                <a:rPr lang="en-US" sz="1400" dirty="0"/>
+                <a:t>Request</a:t>
+              </a:r>
+            </a:p>
+            <a:p>
+              <a:pPr algn="ctr"/>
+              <a:r>
+                <a:rPr lang="en-US" sz="1400" dirty="0"/>
+                <a:t>(w/o token)</a:t>
+              </a:r>
+            </a:p>
+          </p:txBody>
+        </p:sp>
+        <p:sp>
+          <p:nvSpPr>
+            <p:cNvPr id="84" name="Heptagon 83">
+              <a:extLst>
+                <a:ext uri="{FF2B5EF4-FFF2-40B4-BE49-F238E27FC236}">
+                  <a16:creationId xmlns:a16="http://schemas.microsoft.com/office/drawing/2014/main" id="{4166D52A-0162-40B4-8D94-E36F07E258F1}"/>
+                </a:ext>
+              </a:extLst>
+            </p:cNvPr>
+            <p:cNvSpPr/>
+            <p:nvPr/>
+          </p:nvSpPr>
+          <p:spPr>
+            <a:xfrm>
+              <a:off x="5257784" y="5002968"/>
+              <a:ext cx="360947" cy="297975"/>
+            </a:xfrm>
+            <a:prstGeom prst="heptagon">
+              <a:avLst/>
+            </a:prstGeom>
+          </p:spPr>
+          <p:style>
+            <a:lnRef idx="2">
+              <a:schemeClr val="accent2">
+                <a:shade val="50000"/>
+              </a:schemeClr>
+            </a:lnRef>
+            <a:fillRef idx="1">
+              <a:schemeClr val="accent2"/>
+            </a:fillRef>
+            <a:effectRef idx="0">
+              <a:schemeClr val="accent2"/>
+            </a:effectRef>
+            <a:fontRef idx="minor">
+              <a:schemeClr val="lt1"/>
+            </a:fontRef>
+          </p:style>
+          <p:txBody>
+            <a:bodyPr rtlCol="0" anchor="ctr"/>
+            <a:lstStyle/>
+            <a:p>
+              <a:pPr algn="ctr"/>
+              <a:r>
+                <a:rPr lang="en-US" dirty="0"/>
+                <a:t>1</a:t>
+              </a:r>
+              <a:endParaRPr lang="en-CA" dirty="0"/>
+            </a:p>
+          </p:txBody>
+        </p:sp>
+        <p:sp>
+          <p:nvSpPr>
+            <p:cNvPr id="87" name="Heptagon 86">
+              <a:extLst>
+                <a:ext uri="{FF2B5EF4-FFF2-40B4-BE49-F238E27FC236}">
+                  <a16:creationId xmlns:a16="http://schemas.microsoft.com/office/drawing/2014/main" id="{84D1B3D7-8554-456B-AF62-45F547503808}"/>
+                </a:ext>
+              </a:extLst>
+            </p:cNvPr>
+            <p:cNvSpPr/>
+            <p:nvPr/>
+          </p:nvSpPr>
+          <p:spPr>
+            <a:xfrm>
+              <a:off x="6748194" y="5568227"/>
+              <a:ext cx="360947" cy="297975"/>
+            </a:xfrm>
+            <a:prstGeom prst="heptagon">
+              <a:avLst/>
+            </a:prstGeom>
+          </p:spPr>
+          <p:style>
+            <a:lnRef idx="2">
+              <a:schemeClr val="accent2">
+                <a:shade val="50000"/>
+              </a:schemeClr>
+            </a:lnRef>
+            <a:fillRef idx="1">
+              <a:schemeClr val="accent2"/>
+            </a:fillRef>
+            <a:effectRef idx="0">
+              <a:schemeClr val="accent2"/>
+            </a:effectRef>
+            <a:fontRef idx="minor">
+              <a:schemeClr val="lt1"/>
+            </a:fontRef>
+          </p:style>
+          <p:txBody>
+            <a:bodyPr rtlCol="0" anchor="ctr"/>
+            <a:lstStyle/>
+            <a:p>
+              <a:pPr algn="ctr"/>
+              <a:r>
+                <a:rPr lang="en-US" dirty="0"/>
+                <a:t>4</a:t>
+              </a:r>
+              <a:endParaRPr lang="en-CA" dirty="0"/>
+            </a:p>
+          </p:txBody>
+        </p:sp>
+      </p:grpSp>
+      <p:grpSp>
+        <p:nvGrpSpPr>
+          <p:cNvPr id="29" name="Group 28">
+            <a:extLst>
+              <a:ext uri="{FF2B5EF4-FFF2-40B4-BE49-F238E27FC236}">
+                <a16:creationId xmlns:a16="http://schemas.microsoft.com/office/drawing/2014/main" id="{4CAC9D9F-AAD0-4380-BD6E-237601A904D1}"/>
+              </a:ext>
+            </a:extLst>
+          </p:cNvPr>
+          <p:cNvGrpSpPr/>
+          <p:nvPr/>
+        </p:nvGrpSpPr>
+        <p:grpSpPr>
+          <a:xfrm>
+            <a:off x="3052003" y="3468487"/>
+            <a:ext cx="2111542" cy="1038964"/>
+            <a:chOff x="3068054" y="2329099"/>
+            <a:chExt cx="2111542" cy="1038964"/>
+          </a:xfrm>
+        </p:grpSpPr>
+        <p:cxnSp>
+          <p:nvCxnSpPr>
+            <p:cNvPr id="88" name="Straight Arrow Connector 87">
+              <a:extLst>
+                <a:ext uri="{FF2B5EF4-FFF2-40B4-BE49-F238E27FC236}">
+                  <a16:creationId xmlns:a16="http://schemas.microsoft.com/office/drawing/2014/main" id="{CE3229CB-1E5B-4E53-AF07-2794CE179462}"/>
+                </a:ext>
+              </a:extLst>
+            </p:cNvPr>
+            <p:cNvCxnSpPr/>
+            <p:nvPr/>
+          </p:nvCxnSpPr>
+          <p:spPr>
+            <a:xfrm>
+              <a:off x="3068054" y="2815387"/>
+              <a:ext cx="2111542" cy="0"/>
+            </a:xfrm>
+            <a:prstGeom prst="straightConnector1">
+              <a:avLst/>
+            </a:prstGeom>
+            <a:ln>
+              <a:tailEnd type="triangle"/>
+            </a:ln>
+          </p:spPr>
+          <p:style>
+            <a:lnRef idx="1">
+              <a:schemeClr val="accent1"/>
+            </a:lnRef>
+            <a:fillRef idx="0">
+              <a:schemeClr val="accent1"/>
+            </a:fillRef>
+            <a:effectRef idx="0">
+              <a:schemeClr val="accent1"/>
+            </a:effectRef>
+            <a:fontRef idx="minor">
+              <a:schemeClr val="tx1"/>
+            </a:fontRef>
+          </p:style>
+        </p:cxnSp>
+        <p:cxnSp>
+          <p:nvCxnSpPr>
+            <p:cNvPr id="89" name="Straight Arrow Connector 88">
+              <a:extLst>
+                <a:ext uri="{FF2B5EF4-FFF2-40B4-BE49-F238E27FC236}">
+                  <a16:creationId xmlns:a16="http://schemas.microsoft.com/office/drawing/2014/main" id="{84394B4D-8E75-40F1-81A4-CB313227B62B}"/>
+                </a:ext>
+              </a:extLst>
+            </p:cNvPr>
+            <p:cNvCxnSpPr/>
+            <p:nvPr/>
+          </p:nvCxnSpPr>
+          <p:spPr>
+            <a:xfrm flipH="1">
+              <a:off x="3068054" y="3019924"/>
+              <a:ext cx="2111541" cy="0"/>
+            </a:xfrm>
+            <a:prstGeom prst="straightConnector1">
+              <a:avLst/>
+            </a:prstGeom>
+            <a:ln>
+              <a:tailEnd type="triangle"/>
+            </a:ln>
+          </p:spPr>
+          <p:style>
+            <a:lnRef idx="1">
+              <a:schemeClr val="accent1"/>
+            </a:lnRef>
+            <a:fillRef idx="0">
+              <a:schemeClr val="accent1"/>
+            </a:fillRef>
+            <a:effectRef idx="0">
+              <a:schemeClr val="accent1"/>
+            </a:effectRef>
+            <a:fontRef idx="minor">
+              <a:schemeClr val="tx1"/>
+            </a:fontRef>
+          </p:style>
+        </p:cxnSp>
+        <p:sp>
+          <p:nvSpPr>
+            <p:cNvPr id="90" name="TextBox 89">
+              <a:extLst>
+                <a:ext uri="{FF2B5EF4-FFF2-40B4-BE49-F238E27FC236}">
+                  <a16:creationId xmlns:a16="http://schemas.microsoft.com/office/drawing/2014/main" id="{D364896C-B33D-4439-AD0C-059C72D2CFC4}"/>
+                </a:ext>
+              </a:extLst>
+            </p:cNvPr>
+            <p:cNvSpPr txBox="1"/>
+            <p:nvPr/>
+          </p:nvSpPr>
+          <p:spPr>
+            <a:xfrm>
+              <a:off x="3594666" y="2999894"/>
+              <a:ext cx="1072315" cy="307777"/>
+            </a:xfrm>
+            <a:prstGeom prst="rect">
+              <a:avLst/>
+            </a:prstGeom>
+            <a:noFill/>
+          </p:spPr>
+          <p:txBody>
+            <a:bodyPr wrap="square" rtlCol="0">
+              <a:spAutoFit/>
+            </a:bodyPr>
+            <a:lstStyle/>
+            <a:p>
+              <a:pPr algn="ctr"/>
+              <a:r>
+                <a:rPr lang="en-US" sz="1400" dirty="0"/>
+                <a:t>Response</a:t>
+              </a:r>
+              <a:endParaRPr lang="en-CA" sz="1400" dirty="0"/>
+            </a:p>
+          </p:txBody>
+        </p:sp>
+        <p:sp>
+          <p:nvSpPr>
+            <p:cNvPr id="91" name="TextBox 90">
+              <a:extLst>
+                <a:ext uri="{FF2B5EF4-FFF2-40B4-BE49-F238E27FC236}">
+                  <a16:creationId xmlns:a16="http://schemas.microsoft.com/office/drawing/2014/main" id="{AC7D8514-5C00-46BF-BE86-A7D2734D8749}"/>
+                </a:ext>
+              </a:extLst>
+            </p:cNvPr>
+            <p:cNvSpPr txBox="1"/>
+            <p:nvPr/>
+          </p:nvSpPr>
+          <p:spPr>
+            <a:xfrm>
+              <a:off x="3477170" y="2329099"/>
+              <a:ext cx="1283284" cy="523220"/>
+            </a:xfrm>
+            <a:prstGeom prst="rect">
+              <a:avLst/>
+            </a:prstGeom>
+            <a:noFill/>
+          </p:spPr>
+          <p:txBody>
+            <a:bodyPr wrap="square" rtlCol="0">
+              <a:spAutoFit/>
+            </a:bodyPr>
+            <a:lstStyle/>
+            <a:p>
+              <a:pPr algn="ctr"/>
+              <a:r>
+                <a:rPr lang="en-US" sz="1400" dirty="0"/>
+                <a:t>Request</a:t>
+              </a:r>
+              <a:br>
+                <a:rPr lang="en-US" sz="1400" dirty="0"/>
+              </a:br>
+              <a:r>
+                <a:rPr lang="en-US" sz="1400" dirty="0"/>
+                <a:t>(with token)</a:t>
+              </a:r>
+            </a:p>
+          </p:txBody>
+        </p:sp>
+        <p:sp>
+          <p:nvSpPr>
+            <p:cNvPr id="92" name="Heptagon 91">
+              <a:extLst>
+                <a:ext uri="{FF2B5EF4-FFF2-40B4-BE49-F238E27FC236}">
+                  <a16:creationId xmlns:a16="http://schemas.microsoft.com/office/drawing/2014/main" id="{9AF548D9-21D2-452B-86A6-4E1C125397A4}"/>
+                </a:ext>
+              </a:extLst>
+            </p:cNvPr>
+            <p:cNvSpPr/>
+            <p:nvPr/>
+          </p:nvSpPr>
+          <p:spPr>
+            <a:xfrm>
+              <a:off x="3146242" y="2481166"/>
+              <a:ext cx="360947" cy="297975"/>
+            </a:xfrm>
+            <a:prstGeom prst="heptagon">
+              <a:avLst/>
+            </a:prstGeom>
+          </p:spPr>
+          <p:style>
+            <a:lnRef idx="2">
+              <a:schemeClr val="accent6">
+                <a:shade val="50000"/>
+              </a:schemeClr>
+            </a:lnRef>
+            <a:fillRef idx="1">
+              <a:schemeClr val="accent6"/>
+            </a:fillRef>
+            <a:effectRef idx="0">
+              <a:schemeClr val="accent6"/>
+            </a:effectRef>
+            <a:fontRef idx="minor">
+              <a:schemeClr val="lt1"/>
+            </a:fontRef>
+          </p:style>
+          <p:txBody>
+            <a:bodyPr rtlCol="0" anchor="ctr"/>
+            <a:lstStyle/>
+            <a:p>
+              <a:pPr algn="ctr"/>
+              <a:r>
+                <a:rPr lang="en-US" dirty="0"/>
+                <a:t>5</a:t>
+              </a:r>
+              <a:endParaRPr lang="en-CA" dirty="0"/>
+            </a:p>
+          </p:txBody>
+        </p:sp>
+        <p:sp>
+          <p:nvSpPr>
+            <p:cNvPr id="93" name="Heptagon 92">
+              <a:extLst>
+                <a:ext uri="{FF2B5EF4-FFF2-40B4-BE49-F238E27FC236}">
+                  <a16:creationId xmlns:a16="http://schemas.microsoft.com/office/drawing/2014/main" id="{7506DF0B-2A65-42F4-A3B2-EF0C2C246FC9}"/>
+                </a:ext>
+              </a:extLst>
+            </p:cNvPr>
+            <p:cNvSpPr/>
+            <p:nvPr/>
+          </p:nvSpPr>
+          <p:spPr>
+            <a:xfrm>
+              <a:off x="4771733" y="3070088"/>
+              <a:ext cx="360947" cy="297975"/>
+            </a:xfrm>
+            <a:prstGeom prst="heptagon">
+              <a:avLst/>
+            </a:prstGeom>
+          </p:spPr>
+          <p:style>
+            <a:lnRef idx="2">
+              <a:schemeClr val="accent6">
+                <a:shade val="50000"/>
+              </a:schemeClr>
+            </a:lnRef>
+            <a:fillRef idx="1">
+              <a:schemeClr val="accent6"/>
+            </a:fillRef>
+            <a:effectRef idx="0">
+              <a:schemeClr val="accent6"/>
+            </a:effectRef>
+            <a:fontRef idx="minor">
+              <a:schemeClr val="lt1"/>
+            </a:fontRef>
+          </p:style>
+          <p:txBody>
+            <a:bodyPr rtlCol="0" anchor="ctr"/>
+            <a:lstStyle/>
+            <a:p>
+              <a:pPr algn="ctr"/>
+              <a:r>
+                <a:rPr lang="en-US" dirty="0"/>
+                <a:t>8</a:t>
+              </a:r>
+              <a:endParaRPr lang="en-CA" dirty="0"/>
+            </a:p>
+          </p:txBody>
+        </p:sp>
+      </p:grpSp>
+      <p:sp>
+        <p:nvSpPr>
+          <p:cNvPr id="94" name="Heptagon 93">
+            <a:extLst>
+              <a:ext uri="{FF2B5EF4-FFF2-40B4-BE49-F238E27FC236}">
+                <a16:creationId xmlns:a16="http://schemas.microsoft.com/office/drawing/2014/main" id="{E49B78C1-7E73-4098-9A0E-4A9BC5DF8C40}"/>
+              </a:ext>
+            </a:extLst>
+          </p:cNvPr>
+          <p:cNvSpPr/>
+          <p:nvPr/>
+        </p:nvSpPr>
+        <p:spPr>
+          <a:xfrm>
+            <a:off x="7076804" y="3569364"/>
+            <a:ext cx="360947" cy="297975"/>
+          </a:xfrm>
+          <a:prstGeom prst="heptagon">
+            <a:avLst/>
+          </a:prstGeom>
+        </p:spPr>
+        <p:style>
+          <a:lnRef idx="2">
+            <a:schemeClr val="accent1">
+              <a:shade val="50000"/>
+            </a:schemeClr>
+          </a:lnRef>
+          <a:fillRef idx="1">
+            <a:schemeClr val="accent1"/>
+          </a:fillRef>
+          <a:effectRef idx="0">
+            <a:schemeClr val="accent1"/>
+          </a:effectRef>
+          <a:fontRef idx="minor">
+            <a:schemeClr val="lt1"/>
+          </a:fontRef>
+        </p:style>
+        <p:txBody>
+          <a:bodyPr rtlCol="0" anchor="ctr"/>
+          <a:lstStyle/>
+          <a:p>
+            <a:pPr algn="ctr"/>
+            <a:r>
+              <a:rPr lang="en-US" dirty="0"/>
+              <a:t>6</a:t>
+            </a:r>
+            <a:endParaRPr lang="en-CA" dirty="0"/>
+          </a:p>
+        </p:txBody>
+      </p:sp>
+      <p:sp>
+        <p:nvSpPr>
+          <p:cNvPr id="95" name="Heptagon 94">
+            <a:extLst>
+              <a:ext uri="{FF2B5EF4-FFF2-40B4-BE49-F238E27FC236}">
+                <a16:creationId xmlns:a16="http://schemas.microsoft.com/office/drawing/2014/main" id="{FFC3E977-EA7C-41BE-9167-9DC8191BD0B0}"/>
+              </a:ext>
+            </a:extLst>
+          </p:cNvPr>
+          <p:cNvSpPr/>
+          <p:nvPr/>
+        </p:nvSpPr>
+        <p:spPr>
+          <a:xfrm>
+            <a:off x="8745934" y="4222126"/>
+            <a:ext cx="360947" cy="297975"/>
+          </a:xfrm>
+          <a:prstGeom prst="heptagon">
+            <a:avLst/>
+          </a:prstGeom>
+        </p:spPr>
+        <p:style>
+          <a:lnRef idx="2">
+            <a:schemeClr val="accent1">
+              <a:shade val="50000"/>
+            </a:schemeClr>
+          </a:lnRef>
+          <a:fillRef idx="1">
+            <a:schemeClr val="accent1"/>
+          </a:fillRef>
+          <a:effectRef idx="0">
+            <a:schemeClr val="accent1"/>
+          </a:effectRef>
+          <a:fontRef idx="minor">
+            <a:schemeClr val="lt1"/>
+          </a:fontRef>
+        </p:style>
+        <p:txBody>
+          <a:bodyPr rtlCol="0" anchor="ctr"/>
+          <a:lstStyle/>
+          <a:p>
+            <a:pPr algn="ctr"/>
+            <a:r>
+              <a:rPr lang="en-US" dirty="0"/>
+              <a:t>7</a:t>
+            </a:r>
+            <a:endParaRPr lang="en-CA" dirty="0"/>
+          </a:p>
+        </p:txBody>
+      </p:sp>
+      <p:sp>
+        <p:nvSpPr>
+          <p:cNvPr id="59" name="Rectangle 58">
+            <a:extLst>
+              <a:ext uri="{FF2B5EF4-FFF2-40B4-BE49-F238E27FC236}">
+                <a16:creationId xmlns:a16="http://schemas.microsoft.com/office/drawing/2014/main" id="{44EA5609-9BA8-4AC8-B2F7-EB7108665361}"/>
+              </a:ext>
+            </a:extLst>
+          </p:cNvPr>
+          <p:cNvSpPr/>
+          <p:nvPr/>
+        </p:nvSpPr>
+        <p:spPr>
+          <a:xfrm>
+            <a:off x="8559286" y="198391"/>
+            <a:ext cx="2982181" cy="622318"/>
+          </a:xfrm>
+          <a:prstGeom prst="rect">
+            <a:avLst/>
+          </a:prstGeom>
+          <a:solidFill>
+            <a:schemeClr val="accent2">
+              <a:alpha val="50000"/>
+            </a:schemeClr>
+          </a:solidFill>
+          <a:ln>
+            <a:noFill/>
+          </a:ln>
+        </p:spPr>
+        <p:style>
+          <a:lnRef idx="0">
+            <a:scrgbClr r="0" g="0" b="0"/>
+          </a:lnRef>
+          <a:fillRef idx="0">
+            <a:scrgbClr r="0" g="0" b="0"/>
+          </a:fillRef>
+          <a:effectRef idx="0">
+            <a:scrgbClr r="0" g="0" b="0"/>
+          </a:effectRef>
+          <a:fontRef idx="minor">
+            <a:schemeClr val="lt1"/>
+          </a:fontRef>
+        </p:style>
+        <p:txBody>
+          <a:bodyPr rtlCol="0" anchor="ctr"/>
+          <a:lstStyle/>
+          <a:p>
+            <a:pPr algn="ctr"/>
+            <a:r>
+              <a:rPr lang="en-US" dirty="0">
+                <a:ln w="0"/>
+                <a:solidFill>
+                  <a:schemeClr val="tx1"/>
+                </a:solidFill>
+                <a:effectLst>
+                  <a:outerShdw blurRad="38100" dist="19050" dir="2700000" algn="tl" rotWithShape="0">
+                    <a:schemeClr val="dk1">
+                      <a:alpha val="40000"/>
+                    </a:schemeClr>
+                  </a:outerShdw>
+                </a:effectLst>
+              </a:rPr>
+              <a:t>Database</a:t>
+            </a:r>
+            <a:endParaRPr lang="en-CA" dirty="0">
+              <a:ln w="0"/>
+              <a:solidFill>
+                <a:schemeClr val="tx1"/>
+              </a:solidFill>
+              <a:effectLst>
+                <a:outerShdw blurRad="38100" dist="19050" dir="2700000" algn="tl" rotWithShape="0">
+                  <a:schemeClr val="dk1">
+                    <a:alpha val="40000"/>
+                  </a:schemeClr>
+                </a:outerShdw>
+              </a:effectLst>
+            </a:endParaRPr>
+          </a:p>
+        </p:txBody>
+      </p:sp>
+      <p:cxnSp>
+        <p:nvCxnSpPr>
+          <p:cNvPr id="64" name="Connector: Elbow 63">
+            <a:extLst>
+              <a:ext uri="{FF2B5EF4-FFF2-40B4-BE49-F238E27FC236}">
+                <a16:creationId xmlns:a16="http://schemas.microsoft.com/office/drawing/2014/main" id="{210B8BE7-BFB7-4E9C-9E17-0E8B502FDBAA}"/>
+              </a:ext>
+            </a:extLst>
+          </p:cNvPr>
+          <p:cNvCxnSpPr>
+            <a:cxnSpLocks/>
+            <a:stCxn id="7" idx="3"/>
+            <a:endCxn id="59" idx="3"/>
+          </p:cNvCxnSpPr>
+          <p:nvPr/>
+        </p:nvCxnSpPr>
+        <p:spPr>
+          <a:xfrm flipV="1">
+            <a:off x="10968789" y="509550"/>
+            <a:ext cx="572678" cy="3478420"/>
+          </a:xfrm>
+          <a:prstGeom prst="bentConnector3">
+            <a:avLst>
+              <a:gd name="adj1" fmla="val 139918"/>
+            </a:avLst>
+          </a:prstGeom>
+          <a:ln w="12700">
+            <a:tailEnd type="triangle"/>
+          </a:ln>
+        </p:spPr>
+        <p:style>
+          <a:lnRef idx="1">
+            <a:schemeClr val="dk1"/>
+          </a:lnRef>
+          <a:fillRef idx="0">
+            <a:schemeClr val="dk1"/>
+          </a:fillRef>
+          <a:effectRef idx="0">
+            <a:schemeClr val="dk1"/>
+          </a:effectRef>
+          <a:fontRef idx="minor">
+            <a:schemeClr val="tx1"/>
+          </a:fontRef>
+        </p:style>
+      </p:cxnSp>
+      <p:cxnSp>
+        <p:nvCxnSpPr>
+          <p:cNvPr id="67" name="Connector: Elbow 66">
+            <a:extLst>
+              <a:ext uri="{FF2B5EF4-FFF2-40B4-BE49-F238E27FC236}">
+                <a16:creationId xmlns:a16="http://schemas.microsoft.com/office/drawing/2014/main" id="{D8A9945A-A751-42C4-80F9-356A312BC1B6}"/>
+              </a:ext>
+            </a:extLst>
+          </p:cNvPr>
+          <p:cNvCxnSpPr>
+            <a:cxnSpLocks/>
+            <a:endCxn id="59" idx="3"/>
+          </p:cNvCxnSpPr>
+          <p:nvPr/>
+        </p:nvCxnSpPr>
+        <p:spPr>
+          <a:xfrm rot="5400000" flipH="1" flipV="1">
+            <a:off x="10086782" y="1391556"/>
+            <a:ext cx="2336691" cy="572680"/>
+          </a:xfrm>
+          <a:prstGeom prst="bentConnector4">
+            <a:avLst>
+              <a:gd name="adj1" fmla="val -939"/>
+              <a:gd name="adj2" fmla="val 139918"/>
+            </a:avLst>
+          </a:prstGeom>
+          <a:ln w="12700">
+            <a:tailEnd type="triangle"/>
+          </a:ln>
+        </p:spPr>
+        <p:style>
+          <a:lnRef idx="1">
+            <a:schemeClr val="dk1"/>
+          </a:lnRef>
+          <a:fillRef idx="0">
+            <a:schemeClr val="dk1"/>
+          </a:fillRef>
+          <a:effectRef idx="0">
+            <a:schemeClr val="dk1"/>
+          </a:effectRef>
+          <a:fontRef idx="minor">
+            <a:schemeClr val="tx1"/>
+          </a:fontRef>
+        </p:style>
+      </p:cxnSp>
+    </p:spTree>
+    <p:extLst>
+      <p:ext uri="{BB962C8B-B14F-4D97-AF65-F5344CB8AC3E}">
+        <p14:creationId xmlns:p14="http://schemas.microsoft.com/office/powerpoint/2010/main" val="1223267120"/>
       </p:ext>
     </p:extLst>
   </p:cSld>
